--- a/CV-Nicolas-D_Alessandro.pptx
+++ b/CV-Nicolas-D_Alessandro.pptx
@@ -115,7 +115,7 @@
 <file path=ppt/revisionInfo.xml><?xml version="1.0" encoding="utf-8"?>
 <p1510:revInfo xmlns:a="http://schemas.openxmlformats.org/drawingml/2006/main" xmlns:r="http://schemas.openxmlformats.org/officeDocument/2006/relationships" xmlns:p1510="http://schemas.microsoft.com/office/powerpoint/2015/10/main">
   <p1510:revLst>
-    <p1510:client id="{09C9C787-65C4-42EC-955C-A5DF0F240288}" v="111" dt="2024-09-30T17:25:50.424"/>
+    <p1510:client id="{09C9C787-65C4-42EC-955C-A5DF0F240288}" v="112" dt="2024-10-01T09:20:42.031"/>
   </p1510:revLst>
 </p1510:revInfo>
 </file>
@@ -125,7 +125,7 @@
   <pc:docChgLst>
     <pc:chgData name="Nico D'Alessandro" userId="23ab9194-c504-4b7c-b15e-df49dc49f79c" providerId="ADAL" clId="{09C9C787-65C4-42EC-955C-A5DF0F240288}"/>
     <pc:docChg chg="undo redo custSel addSld delSld modSld sldOrd">
-      <pc:chgData name="Nico D'Alessandro" userId="23ab9194-c504-4b7c-b15e-df49dc49f79c" providerId="ADAL" clId="{09C9C787-65C4-42EC-955C-A5DF0F240288}" dt="2024-10-01T07:47:10.057" v="3730" actId="1076"/>
+      <pc:chgData name="Nico D'Alessandro" userId="23ab9194-c504-4b7c-b15e-df49dc49f79c" providerId="ADAL" clId="{09C9C787-65C4-42EC-955C-A5DF0F240288}" dt="2024-10-01T09:21:52.180" v="3737" actId="1037"/>
       <pc:docMkLst>
         <pc:docMk/>
       </pc:docMkLst>
@@ -5879,7 +5879,7 @@
         </pc:cxnChg>
       </pc:sldChg>
       <pc:sldChg chg="modSp add mod">
-        <pc:chgData name="Nico D'Alessandro" userId="23ab9194-c504-4b7c-b15e-df49dc49f79c" providerId="ADAL" clId="{09C9C787-65C4-42EC-955C-A5DF0F240288}" dt="2024-10-01T07:47:10.057" v="3730" actId="1076"/>
+        <pc:chgData name="Nico D'Alessandro" userId="23ab9194-c504-4b7c-b15e-df49dc49f79c" providerId="ADAL" clId="{09C9C787-65C4-42EC-955C-A5DF0F240288}" dt="2024-10-01T09:21:52.180" v="3737" actId="1037"/>
         <pc:sldMkLst>
           <pc:docMk/>
           <pc:sldMk cId="3305386871" sldId="270"/>
@@ -5893,6 +5893,14 @@
           </ac:spMkLst>
         </pc:spChg>
         <pc:spChg chg="mod">
+          <ac:chgData name="Nico D'Alessandro" userId="23ab9194-c504-4b7c-b15e-df49dc49f79c" providerId="ADAL" clId="{09C9C787-65C4-42EC-955C-A5DF0F240288}" dt="2024-10-01T09:21:52.180" v="3737" actId="1037"/>
+          <ac:spMkLst>
+            <pc:docMk/>
+            <pc:sldMk cId="3305386871" sldId="270"/>
+            <ac:spMk id="126" creationId="{0B2B5B03-375F-45C1-A621-5A28178531B3}"/>
+          </ac:spMkLst>
+        </pc:spChg>
+        <pc:spChg chg="mod">
           <ac:chgData name="Nico D'Alessandro" userId="23ab9194-c504-4b7c-b15e-df49dc49f79c" providerId="ADAL" clId="{09C9C787-65C4-42EC-955C-A5DF0F240288}" dt="2024-10-01T07:47:10.057" v="3730" actId="1076"/>
           <ac:spMkLst>
             <pc:docMk/>
@@ -5901,7 +5909,15 @@
           </ac:spMkLst>
         </pc:spChg>
         <pc:spChg chg="mod">
-          <ac:chgData name="Nico D'Alessandro" userId="23ab9194-c504-4b7c-b15e-df49dc49f79c" providerId="ADAL" clId="{09C9C787-65C4-42EC-955C-A5DF0F240288}" dt="2024-09-30T19:04:14.253" v="3726" actId="207"/>
+          <ac:chgData name="Nico D'Alessandro" userId="23ab9194-c504-4b7c-b15e-df49dc49f79c" providerId="ADAL" clId="{09C9C787-65C4-42EC-955C-A5DF0F240288}" dt="2024-10-01T09:21:52.180" v="3737" actId="1037"/>
+          <ac:spMkLst>
+            <pc:docMk/>
+            <pc:sldMk cId="3305386871" sldId="270"/>
+            <ac:spMk id="189" creationId="{F5CDF260-C6FB-0447-8EE4-CCF7495A4E87}"/>
+          </ac:spMkLst>
+        </pc:spChg>
+        <pc:spChg chg="mod">
+          <ac:chgData name="Nico D'Alessandro" userId="23ab9194-c504-4b7c-b15e-df49dc49f79c" providerId="ADAL" clId="{09C9C787-65C4-42EC-955C-A5DF0F240288}" dt="2024-10-01T09:21:52.180" v="3737" actId="1037"/>
           <ac:spMkLst>
             <pc:docMk/>
             <pc:sldMk cId="3305386871" sldId="270"/>
@@ -11653,7 +11669,7 @@
         </p:nvSpPr>
         <p:spPr>
           <a:xfrm>
-            <a:off x="4198507" y="122137"/>
+            <a:off x="4192157" y="122137"/>
             <a:ext cx="1566784" cy="200055"/>
           </a:xfrm>
           <a:prstGeom prst="rect">
@@ -11836,7 +11852,7 @@
         </p:nvSpPr>
         <p:spPr>
           <a:xfrm>
-            <a:off x="4198507" y="384423"/>
+            <a:off x="4192157" y="384423"/>
             <a:ext cx="2973398" cy="200055"/>
           </a:xfrm>
           <a:prstGeom prst="rect">
@@ -12087,7 +12103,7 @@
         </p:nvSpPr>
         <p:spPr>
           <a:xfrm>
-            <a:off x="4198507" y="645458"/>
+            <a:off x="4192157" y="645458"/>
             <a:ext cx="2281245" cy="200055"/>
           </a:xfrm>
           <a:prstGeom prst="rect">
@@ -12116,26 +12132,55 @@
             <a:r>
               <a:rPr lang="en-US" sz="700" b="0" noProof="0" dirty="0">
                 <a:solidFill>
-                  <a:srgbClr val="3C3C3C"/>
+                  <a:schemeClr val="tx1"/>
                 </a:solidFill>
+                <a:hlinkClick r:id="rId18">
+                  <a:extLst>
+                    <a:ext uri="{A12FA001-AC4F-418D-AE19-62706E023703}">
+                      <ahyp:hlinkClr xmlns:ahyp="http://schemas.microsoft.com/office/drawing/2018/hyperlinkcolor" val="tx"/>
+                    </a:ext>
+                  </a:extLst>
+                </a:hlinkClick>
               </a:rPr>
               <a:t>Check the Tableau </a:t>
             </a:r>
             <a:r>
               <a:rPr lang="en-US" sz="700" noProof="0" dirty="0">
                 <a:solidFill>
-                  <a:srgbClr val="3C3C3C"/>
+                  <a:schemeClr val="tx1"/>
                 </a:solidFill>
+                <a:hlinkClick r:id="rId18">
+                  <a:extLst>
+                    <a:ext uri="{A12FA001-AC4F-418D-AE19-62706E023703}">
+                      <ahyp:hlinkClr xmlns:ahyp="http://schemas.microsoft.com/office/drawing/2018/hyperlinkcolor" val="tx"/>
+                    </a:ext>
+                  </a:extLst>
+                </a:hlinkClick>
               </a:rPr>
               <a:t>#DataViz </a:t>
             </a:r>
             <a:r>
               <a:rPr lang="en-US" sz="700" b="0" noProof="0" dirty="0">
                 <a:solidFill>
-                  <a:srgbClr val="3C3C3C"/>
+                  <a:schemeClr val="tx1"/>
+                </a:solidFill>
+                <a:hlinkClick r:id="rId18">
+                  <a:extLst>
+                    <a:ext uri="{A12FA001-AC4F-418D-AE19-62706E023703}">
+                      <ahyp:hlinkClr xmlns:ahyp="http://schemas.microsoft.com/office/drawing/2018/hyperlinkcolor" val="tx"/>
+                    </a:ext>
+                  </a:extLst>
+                </a:hlinkClick>
+              </a:rPr>
+              <a:t>version of this CV</a:t>
+            </a:r>
+            <a:r>
+              <a:rPr lang="en-US" sz="700" b="0" noProof="0" dirty="0">
+                <a:solidFill>
+                  <a:schemeClr val="tx1"/>
                 </a:solidFill>
               </a:rPr>
-              <a:t>version of this CV!</a:t>
+              <a:t>!</a:t>
             </a:r>
           </a:p>
         </p:txBody>
@@ -13815,7 +13860,7 @@
           <p:sp>
             <p:nvSpPr>
               <p:cNvPr id="160" name="Rectángulo 298">
-                <a:hlinkClick r:id="rId18"/>
+                <a:hlinkClick r:id="rId19"/>
                 <a:extLst>
                   <a:ext uri="{FF2B5EF4-FFF2-40B4-BE49-F238E27FC236}">
                     <a16:creationId xmlns:a16="http://schemas.microsoft.com/office/drawing/2014/main" id="{7ED8281F-CC3D-F243-9847-18719B55F635}"/>
@@ -13882,7 +13927,7 @@
           <p:sp>
             <p:nvSpPr>
               <p:cNvPr id="188" name="Rectángulo 298">
-                <a:hlinkClick r:id="rId18"/>
+                <a:hlinkClick r:id="rId19"/>
                 <a:extLst>
                   <a:ext uri="{FF2B5EF4-FFF2-40B4-BE49-F238E27FC236}">
                     <a16:creationId xmlns:a16="http://schemas.microsoft.com/office/drawing/2014/main" id="{B7B68DDE-567D-4AFA-9F51-8AEEC8E25F04}"/>
@@ -14021,7 +14066,7 @@
           <p:sp>
             <p:nvSpPr>
               <p:cNvPr id="224" name="Rectángulo 298">
-                <a:hlinkClick r:id="rId18"/>
+                <a:hlinkClick r:id="rId19"/>
                 <a:extLst>
                   <a:ext uri="{FF2B5EF4-FFF2-40B4-BE49-F238E27FC236}">
                     <a16:creationId xmlns:a16="http://schemas.microsoft.com/office/drawing/2014/main" id="{2E116B91-2412-46D1-B2B8-4EBC56B3434C}"/>
@@ -14100,7 +14145,7 @@
           <p:sp>
             <p:nvSpPr>
               <p:cNvPr id="10" name="Rectángulo 298">
-                <a:hlinkClick r:id="rId18"/>
+                <a:hlinkClick r:id="rId19"/>
                 <a:extLst>
                   <a:ext uri="{FF2B5EF4-FFF2-40B4-BE49-F238E27FC236}">
                     <a16:creationId xmlns:a16="http://schemas.microsoft.com/office/drawing/2014/main" id="{65ECF92B-154F-D258-A78E-E99F16D182C9}"/>

--- a/CV-Nicolas-D_Alessandro.pptx
+++ b/CV-Nicolas-D_Alessandro.pptx
@@ -6109,7 +6109,7 @@
           <a:p>
             <a:fld id="{9597CBBC-2A4D-4438-B1E2-6C5A8D086EC9}" type="datetimeFigureOut">
               <a:rPr lang="es-ES" smtClean="0"/>
-              <a:t>01/10/2024</a:t>
+              <a:t>05/10/2024</a:t>
             </a:fld>
             <a:endParaRPr lang="es-ES"/>
           </a:p>
@@ -6279,7 +6279,7 @@
           <a:p>
             <a:fld id="{9597CBBC-2A4D-4438-B1E2-6C5A8D086EC9}" type="datetimeFigureOut">
               <a:rPr lang="es-ES" smtClean="0"/>
-              <a:t>01/10/2024</a:t>
+              <a:t>05/10/2024</a:t>
             </a:fld>
             <a:endParaRPr lang="es-ES"/>
           </a:p>
@@ -6459,7 +6459,7 @@
           <a:p>
             <a:fld id="{9597CBBC-2A4D-4438-B1E2-6C5A8D086EC9}" type="datetimeFigureOut">
               <a:rPr lang="es-ES" smtClean="0"/>
-              <a:t>01/10/2024</a:t>
+              <a:t>05/10/2024</a:t>
             </a:fld>
             <a:endParaRPr lang="es-ES"/>
           </a:p>
@@ -6629,7 +6629,7 @@
           <a:p>
             <a:fld id="{9597CBBC-2A4D-4438-B1E2-6C5A8D086EC9}" type="datetimeFigureOut">
               <a:rPr lang="es-ES" smtClean="0"/>
-              <a:t>01/10/2024</a:t>
+              <a:t>05/10/2024</a:t>
             </a:fld>
             <a:endParaRPr lang="es-ES"/>
           </a:p>
@@ -6873,7 +6873,7 @@
           <a:p>
             <a:fld id="{9597CBBC-2A4D-4438-B1E2-6C5A8D086EC9}" type="datetimeFigureOut">
               <a:rPr lang="es-ES" smtClean="0"/>
-              <a:t>01/10/2024</a:t>
+              <a:t>05/10/2024</a:t>
             </a:fld>
             <a:endParaRPr lang="es-ES"/>
           </a:p>
@@ -7105,7 +7105,7 @@
           <a:p>
             <a:fld id="{9597CBBC-2A4D-4438-B1E2-6C5A8D086EC9}" type="datetimeFigureOut">
               <a:rPr lang="es-ES" smtClean="0"/>
-              <a:t>01/10/2024</a:t>
+              <a:t>05/10/2024</a:t>
             </a:fld>
             <a:endParaRPr lang="es-ES"/>
           </a:p>
@@ -7472,7 +7472,7 @@
           <a:p>
             <a:fld id="{9597CBBC-2A4D-4438-B1E2-6C5A8D086EC9}" type="datetimeFigureOut">
               <a:rPr lang="es-ES" smtClean="0"/>
-              <a:t>01/10/2024</a:t>
+              <a:t>05/10/2024</a:t>
             </a:fld>
             <a:endParaRPr lang="es-ES"/>
           </a:p>
@@ -7590,7 +7590,7 @@
           <a:p>
             <a:fld id="{9597CBBC-2A4D-4438-B1E2-6C5A8D086EC9}" type="datetimeFigureOut">
               <a:rPr lang="es-ES" smtClean="0"/>
-              <a:t>01/10/2024</a:t>
+              <a:t>05/10/2024</a:t>
             </a:fld>
             <a:endParaRPr lang="es-ES"/>
           </a:p>
@@ -7685,7 +7685,7 @@
           <a:p>
             <a:fld id="{9597CBBC-2A4D-4438-B1E2-6C5A8D086EC9}" type="datetimeFigureOut">
               <a:rPr lang="es-ES" smtClean="0"/>
-              <a:t>01/10/2024</a:t>
+              <a:t>05/10/2024</a:t>
             </a:fld>
             <a:endParaRPr lang="es-ES"/>
           </a:p>
@@ -7962,7 +7962,7 @@
           <a:p>
             <a:fld id="{9597CBBC-2A4D-4438-B1E2-6C5A8D086EC9}" type="datetimeFigureOut">
               <a:rPr lang="es-ES" smtClean="0"/>
-              <a:t>01/10/2024</a:t>
+              <a:t>05/10/2024</a:t>
             </a:fld>
             <a:endParaRPr lang="es-ES"/>
           </a:p>
@@ -8219,7 +8219,7 @@
           <a:p>
             <a:fld id="{9597CBBC-2A4D-4438-B1E2-6C5A8D086EC9}" type="datetimeFigureOut">
               <a:rPr lang="es-ES" smtClean="0"/>
-              <a:t>01/10/2024</a:t>
+              <a:t>05/10/2024</a:t>
             </a:fld>
             <a:endParaRPr lang="es-ES"/>
           </a:p>
@@ -8432,7 +8432,7 @@
           <a:p>
             <a:fld id="{9597CBBC-2A4D-4438-B1E2-6C5A8D086EC9}" type="datetimeFigureOut">
               <a:rPr lang="es-ES" smtClean="0"/>
-              <a:t>01/10/2024</a:t>
+              <a:t>05/10/2024</a:t>
             </a:fld>
             <a:endParaRPr lang="es-ES"/>
           </a:p>
@@ -10896,7 +10896,7 @@
             </p:nvSpPr>
             <p:spPr>
               <a:xfrm>
-                <a:off x="3402487" y="5385391"/>
+                <a:off x="3389293" y="5381058"/>
                 <a:ext cx="1980000" cy="200055"/>
               </a:xfrm>
               <a:prstGeom prst="rect">
@@ -12301,6 +12301,7 @@
         <p:sp>
           <p:nvSpPr>
             <p:cNvPr id="237" name="Rectángulo 236">
+              <a:hlinkClick r:id="rId19"/>
               <a:extLst>
                 <a:ext uri="{FF2B5EF4-FFF2-40B4-BE49-F238E27FC236}">
                   <a16:creationId xmlns:a16="http://schemas.microsoft.com/office/drawing/2014/main" id="{57D818FF-27C1-4B08-B219-A857456471B7}"/>
@@ -12464,6 +12465,7 @@
         <p:sp>
           <p:nvSpPr>
             <p:cNvPr id="240" name="Rectángulo 239">
+              <a:hlinkClick r:id="rId20"/>
               <a:extLst>
                 <a:ext uri="{FF2B5EF4-FFF2-40B4-BE49-F238E27FC236}">
                   <a16:creationId xmlns:a16="http://schemas.microsoft.com/office/drawing/2014/main" id="{04E516E9-A51A-4BF2-AAA5-A904F02F29C8}"/>
@@ -12540,6 +12542,7 @@
         <p:sp>
           <p:nvSpPr>
             <p:cNvPr id="242" name="Rectángulo 241">
+              <a:hlinkClick r:id="rId21"/>
               <a:extLst>
                 <a:ext uri="{FF2B5EF4-FFF2-40B4-BE49-F238E27FC236}">
                   <a16:creationId xmlns:a16="http://schemas.microsoft.com/office/drawing/2014/main" id="{10A09ED2-2B24-4F7B-BE18-11988B3C9B3F}"/>
@@ -12609,6 +12612,7 @@
         <p:sp>
           <p:nvSpPr>
             <p:cNvPr id="254" name="Rectángulo 253">
+              <a:hlinkClick r:id="rId22"/>
               <a:extLst>
                 <a:ext uri="{FF2B5EF4-FFF2-40B4-BE49-F238E27FC236}">
                   <a16:creationId xmlns:a16="http://schemas.microsoft.com/office/drawing/2014/main" id="{E8316D59-CA05-4702-A462-4E6167BC0738}"/>
@@ -13533,7 +13537,25 @@
                     </a:solidFill>
                     <a:latin typeface="Raleway" panose="020B0503030101060003" pitchFamily="34" charset="0"/>
                   </a:rPr>
-                  <a:t>Analytics Vidhya, Datahack Summit, Bangalore India, 2019</a:t>
+                  <a:t>Analytics Vidhya, </a:t>
+                </a:r>
+                <a:r>
+                  <a:rPr lang="en-US" sz="500" noProof="0" dirty="0" err="1">
+                    <a:solidFill>
+                      <a:srgbClr val="3C3C3C"/>
+                    </a:solidFill>
+                    <a:latin typeface="Raleway" panose="020B0503030101060003" pitchFamily="34" charset="0"/>
+                  </a:rPr>
+                  <a:t>Datahack</a:t>
+                </a:r>
+                <a:r>
+                  <a:rPr lang="en-US" sz="500" noProof="0" dirty="0">
+                    <a:solidFill>
+                      <a:srgbClr val="3C3C3C"/>
+                    </a:solidFill>
+                    <a:latin typeface="Raleway" panose="020B0503030101060003" pitchFamily="34" charset="0"/>
+                  </a:rPr>
+                  <a:t> Summit, Bangalore India, 2019</a:t>
                 </a:r>
                 <a:endParaRPr lang="en-US" sz="500" noProof="0" dirty="0">
                   <a:solidFill>
@@ -13860,7 +13882,7 @@
           <p:sp>
             <p:nvSpPr>
               <p:cNvPr id="160" name="Rectángulo 298">
-                <a:hlinkClick r:id="rId19"/>
+                <a:hlinkClick r:id="rId23"/>
                 <a:extLst>
                   <a:ext uri="{FF2B5EF4-FFF2-40B4-BE49-F238E27FC236}">
                     <a16:creationId xmlns:a16="http://schemas.microsoft.com/office/drawing/2014/main" id="{7ED8281F-CC3D-F243-9847-18719B55F635}"/>
@@ -13927,7 +13949,7 @@
           <p:sp>
             <p:nvSpPr>
               <p:cNvPr id="188" name="Rectángulo 298">
-                <a:hlinkClick r:id="rId19"/>
+                <a:hlinkClick r:id="rId23"/>
                 <a:extLst>
                   <a:ext uri="{FF2B5EF4-FFF2-40B4-BE49-F238E27FC236}">
                     <a16:creationId xmlns:a16="http://schemas.microsoft.com/office/drawing/2014/main" id="{B7B68DDE-567D-4AFA-9F51-8AEEC8E25F04}"/>
@@ -14013,6 +14035,7 @@
           <p:sp>
             <p:nvSpPr>
               <p:cNvPr id="244" name="Rectángulo 243">
+                <a:hlinkClick r:id="rId24"/>
                 <a:extLst>
                   <a:ext uri="{FF2B5EF4-FFF2-40B4-BE49-F238E27FC236}">
                     <a16:creationId xmlns:a16="http://schemas.microsoft.com/office/drawing/2014/main" id="{95841CFD-DD6A-4416-A82C-16E1005F3CC5}"/>
@@ -14066,7 +14089,7 @@
           <p:sp>
             <p:nvSpPr>
               <p:cNvPr id="224" name="Rectángulo 298">
-                <a:hlinkClick r:id="rId19"/>
+                <a:hlinkClick r:id="rId23"/>
                 <a:extLst>
                   <a:ext uri="{FF2B5EF4-FFF2-40B4-BE49-F238E27FC236}">
                     <a16:creationId xmlns:a16="http://schemas.microsoft.com/office/drawing/2014/main" id="{2E116B91-2412-46D1-B2B8-4EBC56B3434C}"/>
@@ -14145,7 +14168,7 @@
           <p:sp>
             <p:nvSpPr>
               <p:cNvPr id="10" name="Rectángulo 298">
-                <a:hlinkClick r:id="rId19"/>
+                <a:hlinkClick r:id="rId23"/>
                 <a:extLst>
                   <a:ext uri="{FF2B5EF4-FFF2-40B4-BE49-F238E27FC236}">
                     <a16:creationId xmlns:a16="http://schemas.microsoft.com/office/drawing/2014/main" id="{65ECF92B-154F-D258-A78E-E99F16D182C9}"/>

--- a/CV-Nicolas-D_Alessandro.pptx
+++ b/CV-Nicolas-D_Alessandro.pptx
@@ -6109,7 +6109,7 @@
           <a:p>
             <a:fld id="{9597CBBC-2A4D-4438-B1E2-6C5A8D086EC9}" type="datetimeFigureOut">
               <a:rPr lang="es-ES" smtClean="0"/>
-              <a:t>05/10/2024</a:t>
+              <a:t>06/10/2024</a:t>
             </a:fld>
             <a:endParaRPr lang="es-ES"/>
           </a:p>
@@ -6279,7 +6279,7 @@
           <a:p>
             <a:fld id="{9597CBBC-2A4D-4438-B1E2-6C5A8D086EC9}" type="datetimeFigureOut">
               <a:rPr lang="es-ES" smtClean="0"/>
-              <a:t>05/10/2024</a:t>
+              <a:t>06/10/2024</a:t>
             </a:fld>
             <a:endParaRPr lang="es-ES"/>
           </a:p>
@@ -6459,7 +6459,7 @@
           <a:p>
             <a:fld id="{9597CBBC-2A4D-4438-B1E2-6C5A8D086EC9}" type="datetimeFigureOut">
               <a:rPr lang="es-ES" smtClean="0"/>
-              <a:t>05/10/2024</a:t>
+              <a:t>06/10/2024</a:t>
             </a:fld>
             <a:endParaRPr lang="es-ES"/>
           </a:p>
@@ -6629,7 +6629,7 @@
           <a:p>
             <a:fld id="{9597CBBC-2A4D-4438-B1E2-6C5A8D086EC9}" type="datetimeFigureOut">
               <a:rPr lang="es-ES" smtClean="0"/>
-              <a:t>05/10/2024</a:t>
+              <a:t>06/10/2024</a:t>
             </a:fld>
             <a:endParaRPr lang="es-ES"/>
           </a:p>
@@ -6873,7 +6873,7 @@
           <a:p>
             <a:fld id="{9597CBBC-2A4D-4438-B1E2-6C5A8D086EC9}" type="datetimeFigureOut">
               <a:rPr lang="es-ES" smtClean="0"/>
-              <a:t>05/10/2024</a:t>
+              <a:t>06/10/2024</a:t>
             </a:fld>
             <a:endParaRPr lang="es-ES"/>
           </a:p>
@@ -7105,7 +7105,7 @@
           <a:p>
             <a:fld id="{9597CBBC-2A4D-4438-B1E2-6C5A8D086EC9}" type="datetimeFigureOut">
               <a:rPr lang="es-ES" smtClean="0"/>
-              <a:t>05/10/2024</a:t>
+              <a:t>06/10/2024</a:t>
             </a:fld>
             <a:endParaRPr lang="es-ES"/>
           </a:p>
@@ -7472,7 +7472,7 @@
           <a:p>
             <a:fld id="{9597CBBC-2A4D-4438-B1E2-6C5A8D086EC9}" type="datetimeFigureOut">
               <a:rPr lang="es-ES" smtClean="0"/>
-              <a:t>05/10/2024</a:t>
+              <a:t>06/10/2024</a:t>
             </a:fld>
             <a:endParaRPr lang="es-ES"/>
           </a:p>
@@ -7590,7 +7590,7 @@
           <a:p>
             <a:fld id="{9597CBBC-2A4D-4438-B1E2-6C5A8D086EC9}" type="datetimeFigureOut">
               <a:rPr lang="es-ES" smtClean="0"/>
-              <a:t>05/10/2024</a:t>
+              <a:t>06/10/2024</a:t>
             </a:fld>
             <a:endParaRPr lang="es-ES"/>
           </a:p>
@@ -7685,7 +7685,7 @@
           <a:p>
             <a:fld id="{9597CBBC-2A4D-4438-B1E2-6C5A8D086EC9}" type="datetimeFigureOut">
               <a:rPr lang="es-ES" smtClean="0"/>
-              <a:t>05/10/2024</a:t>
+              <a:t>06/10/2024</a:t>
             </a:fld>
             <a:endParaRPr lang="es-ES"/>
           </a:p>
@@ -7962,7 +7962,7 @@
           <a:p>
             <a:fld id="{9597CBBC-2A4D-4438-B1E2-6C5A8D086EC9}" type="datetimeFigureOut">
               <a:rPr lang="es-ES" smtClean="0"/>
-              <a:t>05/10/2024</a:t>
+              <a:t>06/10/2024</a:t>
             </a:fld>
             <a:endParaRPr lang="es-ES"/>
           </a:p>
@@ -8219,7 +8219,7 @@
           <a:p>
             <a:fld id="{9597CBBC-2A4D-4438-B1E2-6C5A8D086EC9}" type="datetimeFigureOut">
               <a:rPr lang="es-ES" smtClean="0"/>
-              <a:t>05/10/2024</a:t>
+              <a:t>06/10/2024</a:t>
             </a:fld>
             <a:endParaRPr lang="es-ES"/>
           </a:p>
@@ -8432,7 +8432,7 @@
           <a:p>
             <a:fld id="{9597CBBC-2A4D-4438-B1E2-6C5A8D086EC9}" type="datetimeFigureOut">
               <a:rPr lang="es-ES" smtClean="0"/>
-              <a:t>05/10/2024</a:t>
+              <a:t>06/10/2024</a:t>
             </a:fld>
             <a:endParaRPr lang="es-ES"/>
           </a:p>
@@ -8851,10 +8851,10 @@
         </p:nvGrpSpPr>
         <p:grpSpPr>
           <a:xfrm>
-            <a:off x="94012" y="2489817"/>
-            <a:ext cx="2873164" cy="2020428"/>
-            <a:chOff x="3798390" y="3961485"/>
-            <a:chExt cx="2873164" cy="2020428"/>
+            <a:off x="107833" y="2711807"/>
+            <a:ext cx="2873164" cy="1951309"/>
+            <a:chOff x="3798390" y="4030604"/>
+            <a:chExt cx="2873164" cy="1951309"/>
           </a:xfrm>
         </p:grpSpPr>
         <p:sp>
@@ -8925,7 +8925,7 @@
           </p:nvSpPr>
           <p:spPr>
             <a:xfrm>
-              <a:off x="4675984" y="3961485"/>
+              <a:off x="4673692" y="4030604"/>
               <a:ext cx="1230288" cy="230832"/>
             </a:xfrm>
             <a:prstGeom prst="rect">
@@ -10225,213 +10225,6 @@
       </p:grpSp>
       <p:grpSp>
         <p:nvGrpSpPr>
-          <p:cNvPr id="157" name="Grupo 315">
-            <a:extLst>
-              <a:ext uri="{FF2B5EF4-FFF2-40B4-BE49-F238E27FC236}">
-                <a16:creationId xmlns:a16="http://schemas.microsoft.com/office/drawing/2014/main" id="{326ABEA4-582F-6EB4-F930-AD2497353FF9}"/>
-              </a:ext>
-            </a:extLst>
-          </p:cNvPr>
-          <p:cNvGrpSpPr/>
-          <p:nvPr/>
-        </p:nvGrpSpPr>
-        <p:grpSpPr>
-          <a:xfrm>
-            <a:off x="60719" y="986880"/>
-            <a:ext cx="3617046" cy="943337"/>
-            <a:chOff x="-2196104" y="2135156"/>
-            <a:chExt cx="3641653" cy="1066788"/>
-          </a:xfrm>
-        </p:grpSpPr>
-        <p:sp>
-          <p:nvSpPr>
-            <p:cNvPr id="158" name="CuadroTexto 70">
-              <a:extLst>
-                <a:ext uri="{FF2B5EF4-FFF2-40B4-BE49-F238E27FC236}">
-                  <a16:creationId xmlns:a16="http://schemas.microsoft.com/office/drawing/2014/main" id="{C3B75C31-E000-66D4-3E8B-01F9798FD2DD}"/>
-                </a:ext>
-              </a:extLst>
-            </p:cNvPr>
-            <p:cNvSpPr txBox="1"/>
-            <p:nvPr/>
-          </p:nvSpPr>
-          <p:spPr>
-            <a:xfrm>
-              <a:off x="-992412" y="2135156"/>
-              <a:ext cx="1186521" cy="261040"/>
-            </a:xfrm>
-            <a:prstGeom prst="rect">
-              <a:avLst/>
-            </a:prstGeom>
-            <a:solidFill>
-              <a:srgbClr val="3C3C3C"/>
-            </a:solidFill>
-          </p:spPr>
-          <p:txBody>
-            <a:bodyPr wrap="square" rtlCol="0" anchor="ctr">
-              <a:spAutoFit/>
-            </a:bodyPr>
-            <a:lstStyle/>
-            <a:p>
-              <a:pPr algn="ctr"/>
-              <a:r>
-                <a:rPr lang="en-US" sz="900" b="1" noProof="0" dirty="0">
-                  <a:solidFill>
-                    <a:schemeClr val="bg1"/>
-                  </a:solidFill>
-                  <a:latin typeface="Raleway" panose="020B0503030101060003" pitchFamily="34" charset="0"/>
-                </a:rPr>
-                <a:t>&lt; WHO AM I ? /&gt;</a:t>
-              </a:r>
-            </a:p>
-          </p:txBody>
-        </p:sp>
-        <p:sp>
-          <p:nvSpPr>
-            <p:cNvPr id="161" name="CuadroTexto 71">
-              <a:extLst>
-                <a:ext uri="{FF2B5EF4-FFF2-40B4-BE49-F238E27FC236}">
-                  <a16:creationId xmlns:a16="http://schemas.microsoft.com/office/drawing/2014/main" id="{94A5A545-F73B-23F2-5679-41E7484C3A22}"/>
-                </a:ext>
-              </a:extLst>
-            </p:cNvPr>
-            <p:cNvSpPr txBox="1"/>
-            <p:nvPr/>
-          </p:nvSpPr>
-          <p:spPr>
-            <a:xfrm>
-              <a:off x="-2196104" y="2453627"/>
-              <a:ext cx="3641653" cy="748317"/>
-            </a:xfrm>
-            <a:prstGeom prst="rect">
-              <a:avLst/>
-            </a:prstGeom>
-            <a:noFill/>
-          </p:spPr>
-          <p:txBody>
-            <a:bodyPr wrap="square" rtlCol="0">
-              <a:spAutoFit/>
-            </a:bodyPr>
-            <a:lstStyle>
-              <a:defPPr>
-                <a:defRPr lang="en-US"/>
-              </a:defPPr>
-              <a:lvl1pPr>
-                <a:defRPr b="1">
-                  <a:solidFill>
-                    <a:schemeClr val="bg1"/>
-                  </a:solidFill>
-                  <a:latin typeface="Raleway" panose="020B0503030101060003" pitchFamily="34" charset="0"/>
-                </a:defRPr>
-              </a:lvl1pPr>
-            </a:lstStyle>
-            <a:p>
-              <a:pPr algn="ctr"/>
-              <a:r>
-                <a:rPr lang="en-GB" sz="800" b="0" i="1" noProof="0" dirty="0">
-                  <a:solidFill>
-                    <a:srgbClr val="3C3C3C"/>
-                  </a:solidFill>
-                </a:rPr>
-                <a:t>Passionate lifelong learner and </a:t>
-              </a:r>
-              <a:r>
-                <a:rPr lang="en-GB" sz="800" i="1" noProof="0" dirty="0">
-                  <a:solidFill>
-                    <a:srgbClr val="3C3C3C"/>
-                  </a:solidFill>
-                </a:rPr>
-                <a:t>creative data </a:t>
-              </a:r>
-              <a:r>
-                <a:rPr lang="en-US" sz="800" i="1" dirty="0">
-                  <a:solidFill>
-                    <a:srgbClr val="3C3C3C"/>
-                  </a:solidFill>
-                </a:rPr>
-                <a:t>e</a:t>
-              </a:r>
-              <a:r>
-                <a:rPr lang="en-US" sz="800" i="1" noProof="0" dirty="0" err="1">
-                  <a:solidFill>
-                    <a:srgbClr val="3C3C3C"/>
-                  </a:solidFill>
-                </a:rPr>
-                <a:t>nthusiast</a:t>
-              </a:r>
-              <a:r>
-                <a:rPr lang="en-GB" sz="800" i="1" noProof="0" dirty="0">
-                  <a:solidFill>
-                    <a:srgbClr val="3C3C3C"/>
-                  </a:solidFill>
-                </a:rPr>
-                <a:t> </a:t>
-              </a:r>
-              <a:r>
-                <a:rPr lang="en-GB" sz="800" b="0" i="1" noProof="0" dirty="0">
-                  <a:solidFill>
-                    <a:srgbClr val="3C3C3C"/>
-                  </a:solidFill>
-                </a:rPr>
-                <a:t>with </a:t>
-              </a:r>
-              <a:r>
-                <a:rPr lang="en-GB" sz="800" b="0" i="1" dirty="0">
-                  <a:solidFill>
-                    <a:srgbClr val="3C3C3C"/>
-                  </a:solidFill>
-                </a:rPr>
-                <a:t>experience in</a:t>
-              </a:r>
-              <a:r>
-                <a:rPr lang="en-GB" sz="800" b="0" i="1" noProof="0" dirty="0">
-                  <a:solidFill>
-                    <a:srgbClr val="3C3C3C"/>
-                  </a:solidFill>
-                </a:rPr>
-                <a:t> business intelligence, data science, analytics and engineering.</a:t>
-              </a:r>
-            </a:p>
-            <a:p>
-              <a:pPr algn="ctr"/>
-              <a:endParaRPr lang="en-GB" sz="500" b="0" i="1" noProof="0" dirty="0">
-                <a:solidFill>
-                  <a:srgbClr val="3C3C3C"/>
-                </a:solidFill>
-              </a:endParaRPr>
-            </a:p>
-            <a:p>
-              <a:pPr algn="ctr"/>
-              <a:r>
-                <a:rPr lang="en-GB" sz="800" b="0" i="1" noProof="0" dirty="0">
-                  <a:solidFill>
-                    <a:srgbClr val="3C3C3C"/>
-                  </a:solidFill>
-                </a:rPr>
-                <a:t>Skilled in </a:t>
-              </a:r>
-              <a:r>
-                <a:rPr lang="en-GB" sz="800" i="1" noProof="0" dirty="0">
-                  <a:solidFill>
-                    <a:srgbClr val="3C3C3C"/>
-                  </a:solidFill>
-                </a:rPr>
-                <a:t>solving business challenges </a:t>
-              </a:r>
-              <a:r>
-                <a:rPr lang="en-GB" sz="800" b="0" i="1" noProof="0" dirty="0">
-                  <a:solidFill>
-                    <a:srgbClr val="3C3C3C"/>
-                  </a:solidFill>
-                </a:rPr>
-                <a:t>through data analytics, modelling, and visualization. </a:t>
-              </a:r>
-            </a:p>
-          </p:txBody>
-        </p:sp>
-      </p:grpSp>
-      <p:grpSp>
-        <p:nvGrpSpPr>
           <p:cNvPr id="286" name="Group 285">
             <a:extLst>
               <a:ext uri="{FF2B5EF4-FFF2-40B4-BE49-F238E27FC236}">
@@ -10444,10 +10237,10 @@
         </p:nvGrpSpPr>
         <p:grpSpPr>
           <a:xfrm>
-            <a:off x="2906327" y="3760202"/>
-            <a:ext cx="3528021" cy="1821647"/>
-            <a:chOff x="2892375" y="3950940"/>
-            <a:chExt cx="3528021" cy="1821647"/>
+            <a:off x="3040991" y="3630254"/>
+            <a:ext cx="3519864" cy="1751975"/>
+            <a:chOff x="2900532" y="4020612"/>
+            <a:chExt cx="3519864" cy="1751975"/>
           </a:xfrm>
         </p:grpSpPr>
         <p:grpSp>
@@ -10464,10 +10257,10 @@
           </p:nvGrpSpPr>
           <p:grpSpPr>
             <a:xfrm>
-              <a:off x="2892375" y="3950940"/>
-              <a:ext cx="3528021" cy="1771540"/>
-              <a:chOff x="3209236" y="4041377"/>
-              <a:chExt cx="3528021" cy="1771540"/>
+              <a:off x="2900532" y="4020612"/>
+              <a:ext cx="3519864" cy="1705201"/>
+              <a:chOff x="3217393" y="4111049"/>
+              <a:chExt cx="3519864" cy="1705201"/>
             </a:xfrm>
           </p:grpSpPr>
           <p:sp>
@@ -10644,7 +10437,7 @@
             </p:nvSpPr>
             <p:spPr>
               <a:xfrm>
-                <a:off x="3402487" y="5157920"/>
+                <a:off x="3402487" y="5152952"/>
                 <a:ext cx="1980000" cy="200055"/>
               </a:xfrm>
               <a:prstGeom prst="rect">
@@ -10669,7 +10462,7 @@
                     </a:solidFill>
                     <a:latin typeface="Raleway" panose="020B0503030101060003" pitchFamily="34" charset="0"/>
                   </a:rPr>
-                  <a:t>DataViz Tools: Tableau, QuickSight </a:t>
+                  <a:t>DataViz Tools: Tableau, QuickSight, etc. </a:t>
                 </a:r>
               </a:p>
             </p:txBody>
@@ -10688,7 +10481,7 @@
             </p:nvSpPr>
             <p:spPr>
               <a:xfrm>
-                <a:off x="3209236" y="5612862"/>
+                <a:off x="3217393" y="5384573"/>
                 <a:ext cx="2173251" cy="200055"/>
               </a:xfrm>
               <a:prstGeom prst="rect">
@@ -10790,7 +10583,7 @@
             </p:nvSpPr>
             <p:spPr>
               <a:xfrm>
-                <a:off x="3402487" y="4702978"/>
+                <a:off x="3402487" y="4689710"/>
                 <a:ext cx="1980000" cy="200055"/>
               </a:xfrm>
               <a:prstGeom prst="rect">
@@ -10852,7 +10645,7 @@
             </p:nvSpPr>
             <p:spPr>
               <a:xfrm>
-                <a:off x="3402487" y="4930449"/>
+                <a:off x="3402487" y="4921331"/>
                 <a:ext cx="1980000" cy="200055"/>
               </a:xfrm>
               <a:prstGeom prst="rect">
@@ -10896,7 +10689,7 @@
             </p:nvSpPr>
             <p:spPr>
               <a:xfrm>
-                <a:off x="3389293" y="5381058"/>
+                <a:off x="3391236" y="5616195"/>
                 <a:ext cx="1980000" cy="200055"/>
               </a:xfrm>
               <a:prstGeom prst="rect">
@@ -10940,7 +10733,7 @@
             </p:nvSpPr>
             <p:spPr>
               <a:xfrm>
-                <a:off x="4304019" y="4041377"/>
+                <a:off x="4304019" y="4111049"/>
                 <a:ext cx="1845149" cy="230832"/>
               </a:xfrm>
               <a:prstGeom prst="rect">
@@ -11023,7 +10816,7 @@
             </p:nvSpPr>
             <p:spPr>
               <a:xfrm>
-                <a:off x="3402487" y="4475507"/>
+                <a:off x="3402487" y="4458089"/>
                 <a:ext cx="1980000" cy="200055"/>
               </a:xfrm>
               <a:prstGeom prst="rect">
@@ -12199,7 +11992,7 @@
         </p:nvSpPr>
         <p:spPr>
           <a:xfrm>
-            <a:off x="1445483" y="9610509"/>
+            <a:off x="1445483" y="9661916"/>
             <a:ext cx="3967034" cy="200055"/>
           </a:xfrm>
           <a:prstGeom prst="rect">
@@ -12240,44 +12033,287 @@
           </a:p>
         </p:txBody>
       </p:sp>
-      <p:sp>
-        <p:nvSpPr>
-          <p:cNvPr id="7" name="TextBox 6">
+      <p:grpSp>
+        <p:nvGrpSpPr>
+          <p:cNvPr id="45" name="Group 44">
             <a:extLst>
               <a:ext uri="{FF2B5EF4-FFF2-40B4-BE49-F238E27FC236}">
-                <a16:creationId xmlns:a16="http://schemas.microsoft.com/office/drawing/2014/main" id="{2E84E580-7616-D7AA-EB96-38FEF715CD7C}"/>
+                <a16:creationId xmlns:a16="http://schemas.microsoft.com/office/drawing/2014/main" id="{6FDB221B-6789-33CA-AF60-6AF6D2F0E132}"/>
               </a:ext>
             </a:extLst>
           </p:cNvPr>
-          <p:cNvSpPr txBox="1"/>
+          <p:cNvGrpSpPr/>
           <p:nvPr/>
-        </p:nvSpPr>
-        <p:spPr>
+        </p:nvGrpSpPr>
+        <p:grpSpPr>
           <a:xfrm>
-            <a:off x="95018" y="1959210"/>
-            <a:ext cx="3585230" cy="215444"/>
+            <a:off x="-155857" y="1045244"/>
+            <a:ext cx="3543720" cy="1457323"/>
+            <a:chOff x="-273472" y="1057273"/>
+            <a:chExt cx="4198808" cy="1457323"/>
           </a:xfrm>
-          <a:prstGeom prst="rect">
-            <a:avLst/>
-          </a:prstGeom>
-          <a:noFill/>
-        </p:spPr>
-        <p:txBody>
-          <a:bodyPr wrap="square">
-            <a:spAutoFit/>
-          </a:bodyPr>
-          <a:lstStyle/>
-          <a:p>
-            <a:pPr algn="ctr"/>
-            <a:r>
-              <a:rPr lang="en-GB" sz="800" b="1" i="1" dirty="0">
-                <a:latin typeface="Raleway" pitchFamily="2" charset="0"/>
-              </a:rPr>
-              <a:t>“I love merging art, data and technology to create impactful solutions” </a:t>
-            </a:r>
-          </a:p>
-        </p:txBody>
-      </p:sp>
+        </p:grpSpPr>
+        <p:grpSp>
+          <p:nvGrpSpPr>
+            <p:cNvPr id="157" name="Grupo 315">
+              <a:extLst>
+                <a:ext uri="{FF2B5EF4-FFF2-40B4-BE49-F238E27FC236}">
+                  <a16:creationId xmlns:a16="http://schemas.microsoft.com/office/drawing/2014/main" id="{326ABEA4-582F-6EB4-F930-AD2497353FF9}"/>
+                </a:ext>
+              </a:extLst>
+            </p:cNvPr>
+            <p:cNvGrpSpPr/>
+            <p:nvPr/>
+          </p:nvGrpSpPr>
+          <p:grpSpPr>
+            <a:xfrm>
+              <a:off x="70990" y="1057273"/>
+              <a:ext cx="3509884" cy="1110452"/>
+              <a:chOff x="-2198980" y="2214761"/>
+              <a:chExt cx="3730031" cy="1255773"/>
+            </a:xfrm>
+          </p:grpSpPr>
+          <p:sp>
+            <p:nvSpPr>
+              <p:cNvPr id="158" name="CuadroTexto 70">
+                <a:extLst>
+                  <a:ext uri="{FF2B5EF4-FFF2-40B4-BE49-F238E27FC236}">
+                    <a16:creationId xmlns:a16="http://schemas.microsoft.com/office/drawing/2014/main" id="{C3B75C31-E000-66D4-3E8B-01F9798FD2DD}"/>
+                  </a:ext>
+                </a:extLst>
+              </p:cNvPr>
+              <p:cNvSpPr txBox="1"/>
+              <p:nvPr/>
+            </p:nvSpPr>
+            <p:spPr>
+              <a:xfrm>
+                <a:off x="-1004573" y="2214761"/>
+                <a:ext cx="1373276" cy="261040"/>
+              </a:xfrm>
+              <a:prstGeom prst="rect">
+                <a:avLst/>
+              </a:prstGeom>
+              <a:solidFill>
+                <a:srgbClr val="3C3C3C"/>
+              </a:solidFill>
+            </p:spPr>
+            <p:txBody>
+              <a:bodyPr wrap="square" rtlCol="0" anchor="ctr">
+                <a:spAutoFit/>
+              </a:bodyPr>
+              <a:lstStyle/>
+              <a:p>
+                <a:pPr algn="ctr"/>
+                <a:r>
+                  <a:rPr lang="en-US" sz="900" b="1" noProof="0" dirty="0">
+                    <a:solidFill>
+                      <a:schemeClr val="bg1"/>
+                    </a:solidFill>
+                    <a:latin typeface="Raleway" panose="020B0503030101060003" pitchFamily="34" charset="0"/>
+                  </a:rPr>
+                  <a:t>&lt; WHO AM I ? /&gt;</a:t>
+                </a:r>
+              </a:p>
+            </p:txBody>
+          </p:sp>
+          <p:sp>
+            <p:nvSpPr>
+              <p:cNvPr id="161" name="CuadroTexto 71">
+                <a:extLst>
+                  <a:ext uri="{FF2B5EF4-FFF2-40B4-BE49-F238E27FC236}">
+                    <a16:creationId xmlns:a16="http://schemas.microsoft.com/office/drawing/2014/main" id="{94A5A545-F73B-23F2-5679-41E7484C3A22}"/>
+                  </a:ext>
+                </a:extLst>
+              </p:cNvPr>
+              <p:cNvSpPr txBox="1"/>
+              <p:nvPr/>
+            </p:nvSpPr>
+            <p:spPr>
+              <a:xfrm>
+                <a:off x="-2198980" y="2582996"/>
+                <a:ext cx="3730031" cy="887538"/>
+              </a:xfrm>
+              <a:prstGeom prst="rect">
+                <a:avLst/>
+              </a:prstGeom>
+              <a:noFill/>
+            </p:spPr>
+            <p:txBody>
+              <a:bodyPr wrap="square" rtlCol="0">
+                <a:spAutoFit/>
+              </a:bodyPr>
+              <a:lstStyle>
+                <a:defPPr>
+                  <a:defRPr lang="en-US"/>
+                </a:defPPr>
+                <a:lvl1pPr>
+                  <a:defRPr b="1">
+                    <a:solidFill>
+                      <a:schemeClr val="bg1"/>
+                    </a:solidFill>
+                    <a:latin typeface="Raleway" panose="020B0503030101060003" pitchFamily="34" charset="0"/>
+                  </a:defRPr>
+                </a:lvl1pPr>
+              </a:lstStyle>
+              <a:p>
+                <a:pPr algn="ctr"/>
+                <a:r>
+                  <a:rPr lang="en-GB" sz="800" b="0" i="1" noProof="0" dirty="0">
+                    <a:solidFill>
+                      <a:srgbClr val="3C3C3C"/>
+                    </a:solidFill>
+                  </a:rPr>
+                  <a:t>Passionate lifelong learner and </a:t>
+                </a:r>
+                <a:r>
+                  <a:rPr lang="en-GB" sz="800" i="1" noProof="0" dirty="0">
+                    <a:solidFill>
+                      <a:srgbClr val="3C3C3C"/>
+                    </a:solidFill>
+                  </a:rPr>
+                  <a:t>creative data </a:t>
+                </a:r>
+                <a:r>
+                  <a:rPr lang="en-US" sz="800" i="1" dirty="0">
+                    <a:solidFill>
+                      <a:srgbClr val="3C3C3C"/>
+                    </a:solidFill>
+                  </a:rPr>
+                  <a:t>e</a:t>
+                </a:r>
+                <a:r>
+                  <a:rPr lang="en-US" sz="800" i="1" noProof="0" dirty="0" err="1">
+                    <a:solidFill>
+                      <a:srgbClr val="3C3C3C"/>
+                    </a:solidFill>
+                  </a:rPr>
+                  <a:t>nthusiast</a:t>
+                </a:r>
+                <a:r>
+                  <a:rPr lang="en-GB" sz="800" i="1" noProof="0" dirty="0">
+                    <a:solidFill>
+                      <a:srgbClr val="3C3C3C"/>
+                    </a:solidFill>
+                  </a:rPr>
+                  <a:t> </a:t>
+                </a:r>
+                <a:r>
+                  <a:rPr lang="en-GB" sz="800" b="0" i="1" noProof="0" dirty="0">
+                    <a:solidFill>
+                      <a:srgbClr val="3C3C3C"/>
+                    </a:solidFill>
+                  </a:rPr>
+                  <a:t>with </a:t>
+                </a:r>
+                <a:r>
+                  <a:rPr lang="en-GB" sz="800" b="0" i="1" dirty="0">
+                    <a:solidFill>
+                      <a:srgbClr val="3C3C3C"/>
+                    </a:solidFill>
+                  </a:rPr>
+                  <a:t>experience in</a:t>
+                </a:r>
+                <a:r>
+                  <a:rPr lang="en-GB" sz="800" b="0" i="1" noProof="0" dirty="0">
+                    <a:solidFill>
+                      <a:srgbClr val="3C3C3C"/>
+                    </a:solidFill>
+                  </a:rPr>
+                  <a:t> business intelligence, data science, analytics and engineering.</a:t>
+                </a:r>
+              </a:p>
+              <a:p>
+                <a:pPr algn="ctr"/>
+                <a:endParaRPr lang="en-GB" sz="500" b="0" i="1" noProof="0" dirty="0">
+                  <a:solidFill>
+                    <a:srgbClr val="3C3C3C"/>
+                  </a:solidFill>
+                </a:endParaRPr>
+              </a:p>
+              <a:p>
+                <a:pPr algn="ctr"/>
+                <a:r>
+                  <a:rPr lang="en-GB" sz="800" b="0" i="1" noProof="0" dirty="0">
+                    <a:solidFill>
+                      <a:srgbClr val="3C3C3C"/>
+                    </a:solidFill>
+                  </a:rPr>
+                  <a:t>Skilled in </a:t>
+                </a:r>
+                <a:r>
+                  <a:rPr lang="en-GB" sz="800" i="1" noProof="0" dirty="0">
+                    <a:solidFill>
+                      <a:srgbClr val="3C3C3C"/>
+                    </a:solidFill>
+                  </a:rPr>
+                  <a:t>solving business challenges </a:t>
+                </a:r>
+                <a:r>
+                  <a:rPr lang="en-GB" sz="800" b="0" i="1" noProof="0" dirty="0">
+                    <a:solidFill>
+                      <a:srgbClr val="3C3C3C"/>
+                    </a:solidFill>
+                  </a:rPr>
+                  <a:t>through data analytics, modelling, and visualization. </a:t>
+                </a:r>
+              </a:p>
+            </p:txBody>
+          </p:sp>
+        </p:grpSp>
+        <p:sp>
+          <p:nvSpPr>
+            <p:cNvPr id="7" name="TextBox 6">
+              <a:extLst>
+                <a:ext uri="{FF2B5EF4-FFF2-40B4-BE49-F238E27FC236}">
+                  <a16:creationId xmlns:a16="http://schemas.microsoft.com/office/drawing/2014/main" id="{2E84E580-7616-D7AA-EB96-38FEF715CD7C}"/>
+                </a:ext>
+              </a:extLst>
+            </p:cNvPr>
+            <p:cNvSpPr txBox="1"/>
+            <p:nvPr/>
+          </p:nvSpPr>
+          <p:spPr>
+            <a:xfrm>
+              <a:off x="-273472" y="2176042"/>
+              <a:ext cx="4198808" cy="338554"/>
+            </a:xfrm>
+            <a:prstGeom prst="rect">
+              <a:avLst/>
+            </a:prstGeom>
+            <a:noFill/>
+          </p:spPr>
+          <p:txBody>
+            <a:bodyPr wrap="square">
+              <a:spAutoFit/>
+            </a:bodyPr>
+            <a:lstStyle/>
+            <a:p>
+              <a:pPr algn="ctr"/>
+              <a:r>
+                <a:rPr lang="en-GB" sz="800" b="1" i="1" dirty="0">
+                  <a:solidFill>
+                    <a:srgbClr val="D6465F"/>
+                  </a:solidFill>
+                  <a:latin typeface="Raleway" pitchFamily="2" charset="0"/>
+                </a:rPr>
+                <a:t>“I love merging art, data and technology</a:t>
+              </a:r>
+            </a:p>
+            <a:p>
+              <a:pPr algn="ctr"/>
+              <a:r>
+                <a:rPr lang="en-GB" sz="800" b="1" i="1" dirty="0">
+                  <a:solidFill>
+                    <a:srgbClr val="D6465F"/>
+                  </a:solidFill>
+                  <a:latin typeface="Raleway" pitchFamily="2" charset="0"/>
+                </a:rPr>
+                <a:t> to create impactful solutions” </a:t>
+              </a:r>
+            </a:p>
+          </p:txBody>
+        </p:sp>
+      </p:grpSp>
       <p:grpSp>
         <p:nvGrpSpPr>
           <p:cNvPr id="106" name="Group 105">
@@ -12292,10 +12328,10 @@
         </p:nvGrpSpPr>
         <p:grpSpPr>
           <a:xfrm>
-            <a:off x="2856891" y="1339764"/>
-            <a:ext cx="3855851" cy="2192948"/>
-            <a:chOff x="2848671" y="1307241"/>
-            <a:chExt cx="3855851" cy="2192948"/>
+            <a:off x="2859809" y="1284986"/>
+            <a:ext cx="3855851" cy="2147806"/>
+            <a:chOff x="2848671" y="1352383"/>
+            <a:chExt cx="3855851" cy="2147806"/>
           </a:xfrm>
         </p:grpSpPr>
         <p:sp>
@@ -12360,6 +12396,7 @@
         <p:sp>
           <p:nvSpPr>
             <p:cNvPr id="192" name="Rectángulo 236">
+              <a:hlinkClick r:id="rId20"/>
               <a:extLst>
                 <a:ext uri="{FF2B5EF4-FFF2-40B4-BE49-F238E27FC236}">
                   <a16:creationId xmlns:a16="http://schemas.microsoft.com/office/drawing/2014/main" id="{C3ED687D-0889-41E0-A8C6-E29638892275}"/>
@@ -12433,8 +12470,8 @@
           </p:nvSpPr>
           <p:spPr>
             <a:xfrm>
-              <a:off x="4822627" y="1307241"/>
-              <a:ext cx="1163339" cy="230832"/>
+              <a:off x="4245075" y="1352383"/>
+              <a:ext cx="1679016" cy="230832"/>
             </a:xfrm>
             <a:prstGeom prst="rect">
               <a:avLst/>
@@ -12457,7 +12494,7 @@
                   </a:solidFill>
                   <a:latin typeface="Raleway" panose="020B0503030101060003" pitchFamily="34" charset="0"/>
                 </a:rPr>
-                <a:t>&lt; EDUCATION /&gt;</a:t>
+                <a:t>&lt; FORMAL EDUCATION /&gt;</a:t>
               </a:r>
             </a:p>
           </p:txBody>
@@ -12465,7 +12502,7 @@
         <p:sp>
           <p:nvSpPr>
             <p:cNvPr id="240" name="Rectángulo 239">
-              <a:hlinkClick r:id="rId20"/>
+              <a:hlinkClick r:id="rId21"/>
               <a:extLst>
                 <a:ext uri="{FF2B5EF4-FFF2-40B4-BE49-F238E27FC236}">
                   <a16:creationId xmlns:a16="http://schemas.microsoft.com/office/drawing/2014/main" id="{04E516E9-A51A-4BF2-AAA5-A904F02F29C8}"/>
@@ -12542,7 +12579,7 @@
         <p:sp>
           <p:nvSpPr>
             <p:cNvPr id="242" name="Rectángulo 241">
-              <a:hlinkClick r:id="rId21"/>
+              <a:hlinkClick r:id="rId22"/>
               <a:extLst>
                 <a:ext uri="{FF2B5EF4-FFF2-40B4-BE49-F238E27FC236}">
                   <a16:creationId xmlns:a16="http://schemas.microsoft.com/office/drawing/2014/main" id="{10A09ED2-2B24-4F7B-BE18-11988B3C9B3F}"/>
@@ -12612,7 +12649,7 @@
         <p:sp>
           <p:nvSpPr>
             <p:cNvPr id="254" name="Rectángulo 253">
-              <a:hlinkClick r:id="rId22"/>
+              <a:hlinkClick r:id="rId23"/>
               <a:extLst>
                 <a:ext uri="{FF2B5EF4-FFF2-40B4-BE49-F238E27FC236}">
                   <a16:creationId xmlns:a16="http://schemas.microsoft.com/office/drawing/2014/main" id="{E8316D59-CA05-4702-A462-4E6167BC0738}"/>
@@ -13314,10 +13351,10 @@
       </p:grpSp>
       <p:grpSp>
         <p:nvGrpSpPr>
-          <p:cNvPr id="108" name="Group 107">
+          <p:cNvPr id="39" name="Group 38">
             <a:extLst>
               <a:ext uri="{FF2B5EF4-FFF2-40B4-BE49-F238E27FC236}">
-                <a16:creationId xmlns:a16="http://schemas.microsoft.com/office/drawing/2014/main" id="{12645067-6AB9-90A4-E447-4756174602EF}"/>
+                <a16:creationId xmlns:a16="http://schemas.microsoft.com/office/drawing/2014/main" id="{CD904382-FCEC-7D35-2AF2-E6E6629858D3}"/>
               </a:ext>
             </a:extLst>
           </p:cNvPr>
@@ -13326,18 +13363,18 @@
         </p:nvGrpSpPr>
         <p:grpSpPr>
           <a:xfrm>
-            <a:off x="3375196" y="5833508"/>
-            <a:ext cx="3119271" cy="3689605"/>
-            <a:chOff x="3268046" y="5809930"/>
-            <a:chExt cx="3119271" cy="3689605"/>
+            <a:off x="191390" y="4902197"/>
+            <a:ext cx="4166958" cy="4726781"/>
+            <a:chOff x="272956" y="4817160"/>
+            <a:chExt cx="4166958" cy="4726781"/>
           </a:xfrm>
         </p:grpSpPr>
         <p:sp>
           <p:nvSpPr>
-            <p:cNvPr id="249" name="Rectángulo 248">
+            <p:cNvPr id="43" name="Rectángulo 185">
               <a:extLst>
                 <a:ext uri="{FF2B5EF4-FFF2-40B4-BE49-F238E27FC236}">
-                  <a16:creationId xmlns:a16="http://schemas.microsoft.com/office/drawing/2014/main" id="{0C264F21-432C-42C0-A06A-BB6AE92EEC9C}"/>
+                  <a16:creationId xmlns:a16="http://schemas.microsoft.com/office/drawing/2014/main" id="{612D4462-BAED-573C-68F9-8EFEDF1C2980}"/>
                 </a:ext>
               </a:extLst>
             </p:cNvPr>
@@ -13346,8 +13383,8 @@
           </p:nvSpPr>
           <p:spPr>
             <a:xfrm>
-              <a:off x="3312919" y="8306234"/>
-              <a:ext cx="3008493" cy="276999"/>
+              <a:off x="418848" y="7929045"/>
+              <a:ext cx="4016957" cy="369332"/>
             </a:xfrm>
             <a:prstGeom prst="rect">
               <a:avLst/>
@@ -13359,54 +13396,63 @@
             </a:bodyPr>
             <a:lstStyle/>
             <a:p>
-              <a:pPr algn="r"/>
               <a:r>
-                <a:rPr lang="en-US" sz="700" noProof="0" dirty="0">
+                <a:rPr lang="en-US" sz="700" b="1" noProof="0" dirty="0">
                   <a:solidFill>
-                    <a:srgbClr val="3C3C3C"/>
+                    <a:srgbClr val="383838"/>
                   </a:solidFill>
                   <a:latin typeface="Raleway" panose="020B0503030101060003" pitchFamily="34" charset="0"/>
                   <a:cs typeface="Arial" panose="020B0604020202020204" pitchFamily="34" charset="0"/>
                 </a:rPr>
-                <a:t> </a:t>
-              </a:r>
-              <a:r>
-                <a:rPr lang="en-US" sz="700" b="1" noProof="0" dirty="0">
-                  <a:solidFill>
-                    <a:srgbClr val="3C3C3C"/>
-                  </a:solidFill>
-                  <a:latin typeface="Raleway" panose="020B0503030101060003" pitchFamily="34" charset="0"/>
-                  <a:cs typeface="Arial" panose="020B0604020202020204" pitchFamily="34" charset="0"/>
-                </a:rPr>
-                <a:t>Certificate in Purchasing &amp; Logistics</a:t>
+                <a:t>Quality Assurance (QA) Specialist</a:t>
               </a:r>
             </a:p>
             <a:p>
-              <a:pPr algn="r"/>
               <a:r>
-                <a:rPr lang="en-US" sz="500" noProof="0" dirty="0">
+                <a:rPr lang="en-GB" sz="600" noProof="0" dirty="0">
                   <a:solidFill>
                     <a:srgbClr val="3C3C3C"/>
                   </a:solidFill>
                   <a:latin typeface="Raleway" panose="020B0503030101060003" pitchFamily="34" charset="0"/>
                 </a:rPr>
-                <a:t>Universitat Oberta de Catalunya, Online, 2018 </a:t>
+                <a:t>Quality monitoring and compliance using ISO standards</a:t>
               </a:r>
-              <a:endParaRPr lang="en-US" sz="1050" noProof="0" dirty="0">
-                <a:solidFill>
-                  <a:srgbClr val="3C3C3C"/>
-                </a:solidFill>
-                <a:latin typeface="Raleway" panose="020B0503030101060003" pitchFamily="34" charset="0"/>
-              </a:endParaRPr>
+              <a:r>
+                <a:rPr lang="en-US" sz="600" noProof="0" dirty="0">
+                  <a:solidFill>
+                    <a:srgbClr val="3C3C3C"/>
+                  </a:solidFill>
+                  <a:latin typeface="Raleway" panose="020B0503030101060003" pitchFamily="34" charset="0"/>
+                </a:rPr>
+                <a:t>, </a:t>
+              </a:r>
+              <a:r>
+                <a:rPr lang="en-US" sz="600" i="1" noProof="0" dirty="0">
+                  <a:solidFill>
+                    <a:srgbClr val="3C3C3C"/>
+                  </a:solidFill>
+                  <a:latin typeface="Raleway" panose="020B0503030101060003" pitchFamily="34" charset="0"/>
+                </a:rPr>
+                <a:t>JIT Department, Bs. As.</a:t>
+              </a:r>
+              <a:r>
+                <a:rPr lang="en-US" sz="1100" i="1" noProof="0" dirty="0">
+                  <a:solidFill>
+                    <a:srgbClr val="3C3C3C"/>
+                  </a:solidFill>
+                  <a:latin typeface="Raleway" panose="020B0503030101060003" pitchFamily="34" charset="0"/>
+                </a:rPr>
+                <a:t>	</a:t>
+              </a:r>
             </a:p>
           </p:txBody>
         </p:sp>
         <p:grpSp>
           <p:nvGrpSpPr>
-            <p:cNvPr id="107" name="Group 106">
+            <p:cNvPr id="38" name="Group 37">
               <a:extLst>
                 <a:ext uri="{FF2B5EF4-FFF2-40B4-BE49-F238E27FC236}">
-                  <a16:creationId xmlns:a16="http://schemas.microsoft.com/office/drawing/2014/main" id="{1B672412-A27F-08C3-C8EE-5BD37B126037}"/>
+                  <a16:creationId xmlns:a16="http://schemas.microsoft.com/office/drawing/2014/main" id="{B36C2807-B6A5-EA05-9F26-5CF6FCDA2183}"/>
                 </a:ext>
               </a:extLst>
             </p:cNvPr>
@@ -13415,12 +13461,2517 @@
           </p:nvGrpSpPr>
           <p:grpSpPr>
             <a:xfrm>
-              <a:off x="3268046" y="5809930"/>
-              <a:ext cx="3119271" cy="3689605"/>
-              <a:chOff x="3268046" y="5809930"/>
-              <a:chExt cx="3119271" cy="3689605"/>
+              <a:off x="272956" y="4817160"/>
+              <a:ext cx="4166958" cy="4726781"/>
+              <a:chOff x="272956" y="4817160"/>
+              <a:chExt cx="4166958" cy="4726781"/>
             </a:xfrm>
           </p:grpSpPr>
+          <p:sp>
+            <p:nvSpPr>
+              <p:cNvPr id="25" name="Rectángulo 185">
+                <a:extLst>
+                  <a:ext uri="{FF2B5EF4-FFF2-40B4-BE49-F238E27FC236}">
+                    <a16:creationId xmlns:a16="http://schemas.microsoft.com/office/drawing/2014/main" id="{184E19EF-601D-BB49-82CE-EC7E0A44B772}"/>
+                  </a:ext>
+                </a:extLst>
+              </p:cNvPr>
+              <p:cNvSpPr/>
+              <p:nvPr/>
+            </p:nvSpPr>
+            <p:spPr>
+              <a:xfrm>
+                <a:off x="422952" y="7303820"/>
+                <a:ext cx="4016962" cy="369332"/>
+              </a:xfrm>
+              <a:prstGeom prst="rect">
+                <a:avLst/>
+              </a:prstGeom>
+            </p:spPr>
+            <p:txBody>
+              <a:bodyPr wrap="square">
+                <a:spAutoFit/>
+              </a:bodyPr>
+              <a:lstStyle/>
+              <a:p>
+                <a:r>
+                  <a:rPr lang="en-US" sz="700" b="1" noProof="0" dirty="0">
+                    <a:solidFill>
+                      <a:srgbClr val="383838"/>
+                    </a:solidFill>
+                    <a:latin typeface="Raleway" panose="020B0503030101060003" pitchFamily="34" charset="0"/>
+                    <a:cs typeface="Arial" panose="020B0604020202020204" pitchFamily="34" charset="0"/>
+                  </a:rPr>
+                  <a:t>Logistics Data Analyst</a:t>
+                </a:r>
+              </a:p>
+              <a:p>
+                <a:r>
+                  <a:rPr lang="en-GB" sz="600" noProof="0" dirty="0">
+                    <a:solidFill>
+                      <a:srgbClr val="3C3C3C"/>
+                    </a:solidFill>
+                    <a:latin typeface="Raleway" panose="020B0503030101060003" pitchFamily="34" charset="0"/>
+                  </a:rPr>
+                  <a:t>Logistics support and shipment tracking</a:t>
+                </a:r>
+                <a:r>
+                  <a:rPr lang="en-US" sz="600" noProof="0" dirty="0">
+                    <a:solidFill>
+                      <a:srgbClr val="3C3C3C"/>
+                    </a:solidFill>
+                    <a:latin typeface="Raleway" panose="020B0503030101060003" pitchFamily="34" charset="0"/>
+                  </a:rPr>
+                  <a:t>,</a:t>
+                </a:r>
+                <a:r>
+                  <a:rPr lang="en-US" sz="600" dirty="0">
+                    <a:solidFill>
+                      <a:srgbClr val="3C3C3C"/>
+                    </a:solidFill>
+                    <a:latin typeface="Raleway" panose="020B0503030101060003" pitchFamily="34" charset="0"/>
+                  </a:rPr>
+                  <a:t> </a:t>
+                </a:r>
+                <a:r>
+                  <a:rPr lang="en-US" sz="600" i="1" dirty="0">
+                    <a:solidFill>
+                      <a:srgbClr val="3C3C3C"/>
+                    </a:solidFill>
+                    <a:latin typeface="Raleway" panose="020B0503030101060003" pitchFamily="34" charset="0"/>
+                  </a:rPr>
+                  <a:t>Shipping Department at HP Spain</a:t>
+                </a:r>
+                <a:r>
+                  <a:rPr lang="en-US" sz="600" i="1" noProof="0" dirty="0">
+                    <a:solidFill>
+                      <a:srgbClr val="3C3C3C"/>
+                    </a:solidFill>
+                    <a:latin typeface="Raleway" panose="020B0503030101060003" pitchFamily="34" charset="0"/>
+                  </a:rPr>
+                  <a:t>, Barcelona</a:t>
+                </a:r>
+                <a:r>
+                  <a:rPr lang="en-US" sz="1100" noProof="0" dirty="0">
+                    <a:solidFill>
+                      <a:srgbClr val="3C3C3C"/>
+                    </a:solidFill>
+                    <a:latin typeface="Raleway" panose="020B0503030101060003" pitchFamily="34" charset="0"/>
+                  </a:rPr>
+                  <a:t>	</a:t>
+                </a:r>
+              </a:p>
+            </p:txBody>
+          </p:sp>
+          <p:grpSp>
+            <p:nvGrpSpPr>
+              <p:cNvPr id="37" name="Group 36">
+                <a:extLst>
+                  <a:ext uri="{FF2B5EF4-FFF2-40B4-BE49-F238E27FC236}">
+                    <a16:creationId xmlns:a16="http://schemas.microsoft.com/office/drawing/2014/main" id="{E4EBF656-04B0-1FF2-8D9E-EAD4B45913DB}"/>
+                  </a:ext>
+                </a:extLst>
+              </p:cNvPr>
+              <p:cNvGrpSpPr/>
+              <p:nvPr/>
+            </p:nvGrpSpPr>
+            <p:grpSpPr>
+              <a:xfrm>
+                <a:off x="272956" y="4817160"/>
+                <a:ext cx="3994243" cy="4726781"/>
+                <a:chOff x="272956" y="4817160"/>
+                <a:chExt cx="3994243" cy="4726781"/>
+              </a:xfrm>
+            </p:grpSpPr>
+            <p:sp>
+              <p:nvSpPr>
+                <p:cNvPr id="4" name="CuadroTexto 180">
+                  <a:extLst>
+                    <a:ext uri="{FF2B5EF4-FFF2-40B4-BE49-F238E27FC236}">
+                      <a16:creationId xmlns:a16="http://schemas.microsoft.com/office/drawing/2014/main" id="{414486D2-FDB1-279D-063B-B75EB476639D}"/>
+                    </a:ext>
+                  </a:extLst>
+                </p:cNvPr>
+                <p:cNvSpPr txBox="1"/>
+                <p:nvPr/>
+              </p:nvSpPr>
+              <p:spPr>
+                <a:xfrm>
+                  <a:off x="840573" y="4817160"/>
+                  <a:ext cx="1708791" cy="230832"/>
+                </a:xfrm>
+                <a:prstGeom prst="rect">
+                  <a:avLst/>
+                </a:prstGeom>
+                <a:solidFill>
+                  <a:srgbClr val="3C3C3C"/>
+                </a:solidFill>
+              </p:spPr>
+              <p:txBody>
+                <a:bodyPr wrap="square" rtlCol="0" anchor="ctr">
+                  <a:spAutoFit/>
+                </a:bodyPr>
+                <a:lstStyle/>
+                <a:p>
+                  <a:pPr algn="ctr"/>
+                  <a:r>
+                    <a:rPr lang="en-US" sz="900" b="1" noProof="0" dirty="0">
+                      <a:solidFill>
+                        <a:schemeClr val="bg1"/>
+                      </a:solidFill>
+                      <a:latin typeface="Raleway" panose="020B0503030101060003" pitchFamily="34" charset="0"/>
+                    </a:rPr>
+                    <a:t>&lt; WORK EXPERIENCE /&gt;</a:t>
+                  </a:r>
+                </a:p>
+              </p:txBody>
+            </p:sp>
+            <p:sp>
+              <p:nvSpPr>
+                <p:cNvPr id="5" name="Rectángulo 143">
+                  <a:extLst>
+                    <a:ext uri="{FF2B5EF4-FFF2-40B4-BE49-F238E27FC236}">
+                      <a16:creationId xmlns:a16="http://schemas.microsoft.com/office/drawing/2014/main" id="{D9D0B8C7-C2F6-8D6C-43B2-86F4C56812D6}"/>
+                    </a:ext>
+                  </a:extLst>
+                </p:cNvPr>
+                <p:cNvSpPr/>
+                <p:nvPr/>
+              </p:nvSpPr>
+              <p:spPr>
+                <a:xfrm>
+                  <a:off x="272956" y="5128825"/>
+                  <a:ext cx="1569660" cy="307777"/>
+                </a:xfrm>
+                <a:prstGeom prst="rect">
+                  <a:avLst/>
+                </a:prstGeom>
+              </p:spPr>
+              <p:txBody>
+                <a:bodyPr wrap="square">
+                  <a:spAutoFit/>
+                </a:bodyPr>
+                <a:lstStyle/>
+                <a:p>
+                  <a:r>
+                    <a:rPr lang="en-US" sz="800" b="1" noProof="0" dirty="0">
+                      <a:solidFill>
+                        <a:srgbClr val="3C3C3C"/>
+                      </a:solidFill>
+                      <a:latin typeface="Raleway" panose="020B0503030101060003" pitchFamily="34" charset="0"/>
+                    </a:rPr>
+                    <a:t>PLAY’N GO</a:t>
+                  </a:r>
+                  <a:r>
+                    <a:rPr lang="en-US" sz="1400" noProof="0" dirty="0">
+                      <a:solidFill>
+                        <a:srgbClr val="3C3C3C"/>
+                      </a:solidFill>
+                      <a:latin typeface="Raleway" panose="020B0503030101060003" pitchFamily="34" charset="0"/>
+                    </a:rPr>
+                    <a:t>	</a:t>
+                  </a:r>
+                </a:p>
+              </p:txBody>
+            </p:sp>
+            <p:sp>
+              <p:nvSpPr>
+                <p:cNvPr id="6" name="Rectángulo 185">
+                  <a:extLst>
+                    <a:ext uri="{FF2B5EF4-FFF2-40B4-BE49-F238E27FC236}">
+                      <a16:creationId xmlns:a16="http://schemas.microsoft.com/office/drawing/2014/main" id="{58306C85-0D1C-05B7-36EB-F260D12C24DD}"/>
+                    </a:ext>
+                  </a:extLst>
+                </p:cNvPr>
+                <p:cNvSpPr/>
+                <p:nvPr/>
+              </p:nvSpPr>
+              <p:spPr>
+                <a:xfrm>
+                  <a:off x="407345" y="5419999"/>
+                  <a:ext cx="3429000" cy="369332"/>
+                </a:xfrm>
+                <a:prstGeom prst="rect">
+                  <a:avLst/>
+                </a:prstGeom>
+              </p:spPr>
+              <p:txBody>
+                <a:bodyPr wrap="square">
+                  <a:spAutoFit/>
+                </a:bodyPr>
+                <a:lstStyle/>
+                <a:p>
+                  <a:r>
+                    <a:rPr lang="en-US" sz="700" b="1" noProof="0" dirty="0">
+                      <a:solidFill>
+                        <a:srgbClr val="383838"/>
+                      </a:solidFill>
+                      <a:latin typeface="Raleway" panose="020B0503030101060003" pitchFamily="34" charset="0"/>
+                      <a:cs typeface="Arial" panose="020B0604020202020204" pitchFamily="34" charset="0"/>
+                    </a:rPr>
+                    <a:t>Senior Product Data Analyst</a:t>
+                  </a:r>
+                  <a:endParaRPr lang="en-US" sz="700" b="1" dirty="0">
+                    <a:solidFill>
+                      <a:srgbClr val="383838"/>
+                    </a:solidFill>
+                    <a:latin typeface="Raleway" panose="020B0503030101060003" pitchFamily="34" charset="0"/>
+                    <a:cs typeface="Arial" panose="020B0604020202020204" pitchFamily="34" charset="0"/>
+                  </a:endParaRPr>
+                </a:p>
+                <a:p>
+                  <a:r>
+                    <a:rPr lang="en-GB" sz="600" noProof="0" dirty="0">
+                      <a:solidFill>
+                        <a:srgbClr val="3C3C3C"/>
+                      </a:solidFill>
+                      <a:latin typeface="Raleway" panose="020B0503030101060003" pitchFamily="34" charset="0"/>
+                    </a:rPr>
+                    <a:t>Game analytics and product insights. </a:t>
+                  </a:r>
+                  <a:r>
+                    <a:rPr lang="en-GB" sz="600" i="1" noProof="0" dirty="0">
+                      <a:solidFill>
+                        <a:srgbClr val="3C3C3C"/>
+                      </a:solidFill>
+                      <a:latin typeface="Raleway" panose="020B0503030101060003" pitchFamily="34" charset="0"/>
+                    </a:rPr>
+                    <a:t>Engineering Department</a:t>
+                  </a:r>
+                  <a:r>
+                    <a:rPr lang="en-US" sz="600" i="1" noProof="0" dirty="0">
+                      <a:solidFill>
+                        <a:srgbClr val="3C3C3C"/>
+                      </a:solidFill>
+                      <a:latin typeface="Raleway" panose="020B0503030101060003" pitchFamily="34" charset="0"/>
+                    </a:rPr>
+                    <a:t>, Sweden</a:t>
+                  </a:r>
+                  <a:r>
+                    <a:rPr lang="en-US" sz="600" i="1" dirty="0">
+                      <a:solidFill>
+                        <a:srgbClr val="3C3C3C"/>
+                      </a:solidFill>
+                      <a:latin typeface="Raleway" panose="020B0503030101060003" pitchFamily="34" charset="0"/>
+                    </a:rPr>
+                    <a:t>, Remote</a:t>
+                  </a:r>
+                  <a:r>
+                    <a:rPr lang="en-US" sz="1100" noProof="0" dirty="0">
+                      <a:solidFill>
+                        <a:srgbClr val="3C3C3C"/>
+                      </a:solidFill>
+                      <a:latin typeface="Raleway" panose="020B0503030101060003" pitchFamily="34" charset="0"/>
+                    </a:rPr>
+                    <a:t>	</a:t>
+                  </a:r>
+                </a:p>
+              </p:txBody>
+            </p:sp>
+            <p:sp>
+              <p:nvSpPr>
+                <p:cNvPr id="8" name="Rectángulo 187">
+                  <a:extLst>
+                    <a:ext uri="{FF2B5EF4-FFF2-40B4-BE49-F238E27FC236}">
+                      <a16:creationId xmlns:a16="http://schemas.microsoft.com/office/drawing/2014/main" id="{E20EA91D-6106-E929-005D-772F7EB9D131}"/>
+                    </a:ext>
+                  </a:extLst>
+                </p:cNvPr>
+                <p:cNvSpPr/>
+                <p:nvPr/>
+              </p:nvSpPr>
+              <p:spPr>
+                <a:xfrm>
+                  <a:off x="801733" y="5172408"/>
+                  <a:ext cx="604653" cy="256480"/>
+                </a:xfrm>
+                <a:prstGeom prst="rect">
+                  <a:avLst/>
+                </a:prstGeom>
+              </p:spPr>
+              <p:txBody>
+                <a:bodyPr wrap="square">
+                  <a:spAutoFit/>
+                </a:bodyPr>
+                <a:lstStyle/>
+                <a:p>
+                  <a:pPr algn="r"/>
+                  <a:r>
+                    <a:rPr lang="en-US" sz="1600" b="1" baseline="-25000" noProof="0" dirty="0">
+                      <a:solidFill>
+                        <a:srgbClr val="D6465F"/>
+                      </a:solidFill>
+                      <a:latin typeface="Raleway" panose="020B0503030101060003" pitchFamily="34" charset="0"/>
+                    </a:rPr>
+                    <a:t>*</a:t>
+                  </a:r>
+                  <a:r>
+                    <a:rPr lang="en-US" sz="500" b="1" noProof="0" dirty="0">
+                      <a:solidFill>
+                        <a:srgbClr val="D6465F"/>
+                      </a:solidFill>
+                      <a:latin typeface="Raleway" panose="020B0503030101060003" pitchFamily="34" charset="0"/>
+                    </a:rPr>
+                    <a:t>Currently</a:t>
+                  </a:r>
+                </a:p>
+              </p:txBody>
+            </p:sp>
+            <p:sp>
+              <p:nvSpPr>
+                <p:cNvPr id="11" name="Elipse 206">
+                  <a:extLst>
+                    <a:ext uri="{FF2B5EF4-FFF2-40B4-BE49-F238E27FC236}">
+                      <a16:creationId xmlns:a16="http://schemas.microsoft.com/office/drawing/2014/main" id="{7A9E880E-1B9F-C87F-F2F6-0E21E5D3A406}"/>
+                    </a:ext>
+                  </a:extLst>
+                </p:cNvPr>
+                <p:cNvSpPr/>
+                <p:nvPr/>
+              </p:nvSpPr>
+              <p:spPr>
+                <a:xfrm>
+                  <a:off x="356502" y="5497715"/>
+                  <a:ext cx="36000" cy="36000"/>
+                </a:xfrm>
+                <a:prstGeom prst="rect">
+                  <a:avLst/>
+                </a:prstGeom>
+                <a:solidFill>
+                  <a:srgbClr val="D6465F"/>
+                </a:solidFill>
+                <a:ln>
+                  <a:noFill/>
+                </a:ln>
+              </p:spPr>
+              <p:style>
+                <a:lnRef idx="2">
+                  <a:schemeClr val="accent1">
+                    <a:shade val="50000"/>
+                  </a:schemeClr>
+                </a:lnRef>
+                <a:fillRef idx="1">
+                  <a:schemeClr val="accent1"/>
+                </a:fillRef>
+                <a:effectRef idx="0">
+                  <a:schemeClr val="accent1"/>
+                </a:effectRef>
+                <a:fontRef idx="minor">
+                  <a:schemeClr val="lt1"/>
+                </a:fontRef>
+              </p:style>
+              <p:txBody>
+                <a:bodyPr rtlCol="0" anchor="ctr"/>
+                <a:lstStyle/>
+                <a:p>
+                  <a:pPr algn="ctr"/>
+                  <a:endParaRPr lang="en-US" noProof="0" dirty="0"/>
+                </a:p>
+              </p:txBody>
+            </p:sp>
+            <p:cxnSp>
+              <p:nvCxnSpPr>
+                <p:cNvPr id="13" name="Conector recto 278">
+                  <a:extLst>
+                    <a:ext uri="{FF2B5EF4-FFF2-40B4-BE49-F238E27FC236}">
+                      <a16:creationId xmlns:a16="http://schemas.microsoft.com/office/drawing/2014/main" id="{56423724-1CFB-E95A-8691-AE1D0030C15E}"/>
+                    </a:ext>
+                  </a:extLst>
+                </p:cNvPr>
+                <p:cNvCxnSpPr>
+                  <a:cxnSpLocks/>
+                </p:cNvCxnSpPr>
+                <p:nvPr/>
+              </p:nvCxnSpPr>
+              <p:spPr>
+                <a:xfrm>
+                  <a:off x="374502" y="5577033"/>
+                  <a:ext cx="0" cy="144000"/>
+                </a:xfrm>
+                <a:prstGeom prst="line">
+                  <a:avLst/>
+                </a:prstGeom>
+                <a:ln>
+                  <a:solidFill>
+                    <a:srgbClr val="3C3C3C"/>
+                  </a:solidFill>
+                </a:ln>
+              </p:spPr>
+              <p:style>
+                <a:lnRef idx="1">
+                  <a:schemeClr val="accent1"/>
+                </a:lnRef>
+                <a:fillRef idx="0">
+                  <a:schemeClr val="accent1"/>
+                </a:fillRef>
+                <a:effectRef idx="0">
+                  <a:schemeClr val="accent1"/>
+                </a:effectRef>
+                <a:fontRef idx="minor">
+                  <a:schemeClr val="tx1"/>
+                </a:fontRef>
+              </p:style>
+            </p:cxnSp>
+            <p:sp>
+              <p:nvSpPr>
+                <p:cNvPr id="14" name="Rectángulo 185">
+                  <a:extLst>
+                    <a:ext uri="{FF2B5EF4-FFF2-40B4-BE49-F238E27FC236}">
+                      <a16:creationId xmlns:a16="http://schemas.microsoft.com/office/drawing/2014/main" id="{A279AA5F-AFD2-96AA-6DCA-63E9ACDF1BDF}"/>
+                    </a:ext>
+                  </a:extLst>
+                </p:cNvPr>
+                <p:cNvSpPr/>
+                <p:nvPr/>
+              </p:nvSpPr>
+              <p:spPr>
+                <a:xfrm>
+                  <a:off x="413198" y="6022941"/>
+                  <a:ext cx="3854001" cy="369332"/>
+                </a:xfrm>
+                <a:prstGeom prst="rect">
+                  <a:avLst/>
+                </a:prstGeom>
+              </p:spPr>
+              <p:txBody>
+                <a:bodyPr wrap="square">
+                  <a:spAutoFit/>
+                </a:bodyPr>
+                <a:lstStyle/>
+                <a:p>
+                  <a:r>
+                    <a:rPr lang="en-US" sz="700" b="1" noProof="0" dirty="0">
+                      <a:solidFill>
+                        <a:srgbClr val="383838"/>
+                      </a:solidFill>
+                      <a:latin typeface="Raleway" panose="020B0503030101060003" pitchFamily="34" charset="0"/>
+                      <a:cs typeface="Arial" panose="020B0604020202020204" pitchFamily="34" charset="0"/>
+                    </a:rPr>
+                    <a:t>Senior Business Data Analyst</a:t>
+                  </a:r>
+                  <a:endParaRPr lang="en-US" sz="700" b="1" dirty="0">
+                    <a:solidFill>
+                      <a:srgbClr val="383838"/>
+                    </a:solidFill>
+                    <a:latin typeface="Raleway" panose="020B0503030101060003" pitchFamily="34" charset="0"/>
+                    <a:cs typeface="Arial" panose="020B0604020202020204" pitchFamily="34" charset="0"/>
+                  </a:endParaRPr>
+                </a:p>
+                <a:p>
+                  <a:r>
+                    <a:rPr lang="en-US" sz="600" noProof="0" dirty="0">
+                      <a:solidFill>
+                        <a:srgbClr val="3C3C3C"/>
+                      </a:solidFill>
+                      <a:latin typeface="Raleway" panose="020B0503030101060003" pitchFamily="34" charset="0"/>
+                    </a:rPr>
+                    <a:t>BI solutions &amp; data analysis for operational improvements. </a:t>
+                  </a:r>
+                  <a:r>
+                    <a:rPr lang="en-US" sz="600" i="1" noProof="0" dirty="0">
+                      <a:solidFill>
+                        <a:srgbClr val="3C3C3C"/>
+                      </a:solidFill>
+                      <a:latin typeface="Raleway" panose="020B0503030101060003" pitchFamily="34" charset="0"/>
+                    </a:rPr>
+                    <a:t>Central Ops Department, Barcelona</a:t>
+                  </a:r>
+                  <a:r>
+                    <a:rPr lang="en-US" sz="1100" noProof="0" dirty="0">
+                      <a:solidFill>
+                        <a:srgbClr val="3C3C3C"/>
+                      </a:solidFill>
+                      <a:latin typeface="Raleway" panose="020B0503030101060003" pitchFamily="34" charset="0"/>
+                    </a:rPr>
+                    <a:t>	</a:t>
+                  </a:r>
+                </a:p>
+              </p:txBody>
+            </p:sp>
+            <p:sp>
+              <p:nvSpPr>
+                <p:cNvPr id="16" name="Rectángulo 187">
+                  <a:extLst>
+                    <a:ext uri="{FF2B5EF4-FFF2-40B4-BE49-F238E27FC236}">
+                      <a16:creationId xmlns:a16="http://schemas.microsoft.com/office/drawing/2014/main" id="{A75B9864-E372-E28D-5814-D31C49F64BDF}"/>
+                    </a:ext>
+                  </a:extLst>
+                </p:cNvPr>
+                <p:cNvSpPr/>
+                <p:nvPr/>
+              </p:nvSpPr>
+              <p:spPr>
+                <a:xfrm>
+                  <a:off x="762060" y="5829471"/>
+                  <a:ext cx="684000" cy="169277"/>
+                </a:xfrm>
+                <a:prstGeom prst="rect">
+                  <a:avLst/>
+                </a:prstGeom>
+              </p:spPr>
+              <p:txBody>
+                <a:bodyPr wrap="square">
+                  <a:spAutoFit/>
+                </a:bodyPr>
+                <a:lstStyle/>
+                <a:p>
+                  <a:pPr algn="ctr"/>
+                  <a:r>
+                    <a:rPr lang="en-US" sz="500" b="1" noProof="0" dirty="0">
+                      <a:solidFill>
+                        <a:srgbClr val="D6465F"/>
+                      </a:solidFill>
+                      <a:latin typeface="Raleway" panose="020B0503030101060003" pitchFamily="34" charset="0"/>
+                    </a:rPr>
+                    <a:t>2020 - 2024</a:t>
+                  </a:r>
+                </a:p>
+              </p:txBody>
+            </p:sp>
+            <p:sp>
+              <p:nvSpPr>
+                <p:cNvPr id="20" name="Rectángulo 143">
+                  <a:extLst>
+                    <a:ext uri="{FF2B5EF4-FFF2-40B4-BE49-F238E27FC236}">
+                      <a16:creationId xmlns:a16="http://schemas.microsoft.com/office/drawing/2014/main" id="{3855D5BC-7CB2-D174-8346-2C4CF9A28E7D}"/>
+                    </a:ext>
+                  </a:extLst>
+                </p:cNvPr>
+                <p:cNvSpPr/>
+                <p:nvPr/>
+              </p:nvSpPr>
+              <p:spPr>
+                <a:xfrm>
+                  <a:off x="272956" y="5724398"/>
+                  <a:ext cx="1569660" cy="307777"/>
+                </a:xfrm>
+                <a:prstGeom prst="rect">
+                  <a:avLst/>
+                </a:prstGeom>
+              </p:spPr>
+              <p:txBody>
+                <a:bodyPr wrap="square">
+                  <a:spAutoFit/>
+                </a:bodyPr>
+                <a:lstStyle/>
+                <a:p>
+                  <a:r>
+                    <a:rPr lang="en-US" sz="800" b="1" noProof="0" dirty="0">
+                      <a:solidFill>
+                        <a:srgbClr val="3C3C3C"/>
+                      </a:solidFill>
+                      <a:latin typeface="Raleway" panose="020B0503030101060003" pitchFamily="34" charset="0"/>
+                    </a:rPr>
+                    <a:t>AMAZON</a:t>
+                  </a:r>
+                  <a:r>
+                    <a:rPr lang="en-US" sz="1400" noProof="0" dirty="0">
+                      <a:solidFill>
+                        <a:srgbClr val="3C3C3C"/>
+                      </a:solidFill>
+                      <a:latin typeface="Raleway" panose="020B0503030101060003" pitchFamily="34" charset="0"/>
+                    </a:rPr>
+                    <a:t>	</a:t>
+                  </a:r>
+                </a:p>
+              </p:txBody>
+            </p:sp>
+            <p:sp>
+              <p:nvSpPr>
+                <p:cNvPr id="21" name="Rectángulo 185">
+                  <a:extLst>
+                    <a:ext uri="{FF2B5EF4-FFF2-40B4-BE49-F238E27FC236}">
+                      <a16:creationId xmlns:a16="http://schemas.microsoft.com/office/drawing/2014/main" id="{880A0113-1D35-9BF7-D163-6A435D64FCDF}"/>
+                    </a:ext>
+                  </a:extLst>
+                </p:cNvPr>
+                <p:cNvSpPr/>
+                <p:nvPr/>
+              </p:nvSpPr>
+              <p:spPr>
+                <a:xfrm>
+                  <a:off x="422127" y="6348563"/>
+                  <a:ext cx="3429000" cy="369332"/>
+                </a:xfrm>
+                <a:prstGeom prst="rect">
+                  <a:avLst/>
+                </a:prstGeom>
+              </p:spPr>
+              <p:txBody>
+                <a:bodyPr wrap="square">
+                  <a:spAutoFit/>
+                </a:bodyPr>
+                <a:lstStyle/>
+                <a:p>
+                  <a:r>
+                    <a:rPr lang="en-US" sz="700" b="1" noProof="0" dirty="0">
+                      <a:solidFill>
+                        <a:srgbClr val="383838"/>
+                      </a:solidFill>
+                      <a:latin typeface="Raleway" panose="020B0503030101060003" pitchFamily="34" charset="0"/>
+                      <a:cs typeface="Arial" panose="020B0604020202020204" pitchFamily="34" charset="0"/>
+                    </a:rPr>
+                    <a:t>Logistics Data Analyst &amp; Lead Learning Coordinator</a:t>
+                  </a:r>
+                </a:p>
+                <a:p>
+                  <a:r>
+                    <a:rPr lang="en-GB" sz="600" noProof="0" dirty="0">
+                      <a:solidFill>
+                        <a:srgbClr val="3C3C3C"/>
+                      </a:solidFill>
+                      <a:latin typeface="Raleway" panose="020B0503030101060003" pitchFamily="34" charset="0"/>
+                    </a:rPr>
+                    <a:t>Logistics data analysis and new joiners training</a:t>
+                  </a:r>
+                  <a:r>
+                    <a:rPr lang="en-US" sz="600" dirty="0">
+                      <a:solidFill>
+                        <a:srgbClr val="3C3C3C"/>
+                      </a:solidFill>
+                      <a:latin typeface="Raleway" panose="020B0503030101060003" pitchFamily="34" charset="0"/>
+                    </a:rPr>
+                    <a:t>.</a:t>
+                  </a:r>
+                  <a:r>
+                    <a:rPr lang="en-US" sz="600" noProof="0" dirty="0">
+                      <a:solidFill>
+                        <a:srgbClr val="3C3C3C"/>
+                      </a:solidFill>
+                      <a:latin typeface="Raleway" panose="020B0503030101060003" pitchFamily="34" charset="0"/>
+                    </a:rPr>
+                    <a:t> </a:t>
+                  </a:r>
+                  <a:r>
+                    <a:rPr lang="en-US" sz="600" i="1" dirty="0">
+                      <a:solidFill>
+                        <a:srgbClr val="3C3C3C"/>
+                      </a:solidFill>
+                      <a:latin typeface="Raleway" panose="020B0503030101060003" pitchFamily="34" charset="0"/>
+                    </a:rPr>
+                    <a:t>Risk &amp; Flow </a:t>
+                  </a:r>
+                  <a:r>
+                    <a:rPr lang="en-US" sz="600" i="1" noProof="0" dirty="0">
+                      <a:solidFill>
+                        <a:srgbClr val="3C3C3C"/>
+                      </a:solidFill>
+                      <a:latin typeface="Raleway" panose="020B0503030101060003" pitchFamily="34" charset="0"/>
+                    </a:rPr>
+                    <a:t>Department, Barcelona</a:t>
+                  </a:r>
+                  <a:r>
+                    <a:rPr lang="en-US" sz="1100" noProof="0" dirty="0">
+                      <a:solidFill>
+                        <a:srgbClr val="3C3C3C"/>
+                      </a:solidFill>
+                      <a:latin typeface="Raleway" panose="020B0503030101060003" pitchFamily="34" charset="0"/>
+                    </a:rPr>
+                    <a:t>	</a:t>
+                  </a:r>
+                </a:p>
+              </p:txBody>
+            </p:sp>
+            <p:sp>
+              <p:nvSpPr>
+                <p:cNvPr id="22" name="Elipse 206">
+                  <a:extLst>
+                    <a:ext uri="{FF2B5EF4-FFF2-40B4-BE49-F238E27FC236}">
+                      <a16:creationId xmlns:a16="http://schemas.microsoft.com/office/drawing/2014/main" id="{CCC51612-9CD7-50CF-119C-0C749537B99C}"/>
+                    </a:ext>
+                  </a:extLst>
+                </p:cNvPr>
+                <p:cNvSpPr/>
+                <p:nvPr/>
+              </p:nvSpPr>
+              <p:spPr>
+                <a:xfrm>
+                  <a:off x="356502" y="6100547"/>
+                  <a:ext cx="36000" cy="36000"/>
+                </a:xfrm>
+                <a:prstGeom prst="rect">
+                  <a:avLst/>
+                </a:prstGeom>
+                <a:solidFill>
+                  <a:srgbClr val="D6465F"/>
+                </a:solidFill>
+                <a:ln>
+                  <a:noFill/>
+                </a:ln>
+              </p:spPr>
+              <p:style>
+                <a:lnRef idx="2">
+                  <a:schemeClr val="accent1">
+                    <a:shade val="50000"/>
+                  </a:schemeClr>
+                </a:lnRef>
+                <a:fillRef idx="1">
+                  <a:schemeClr val="accent1"/>
+                </a:fillRef>
+                <a:effectRef idx="0">
+                  <a:schemeClr val="accent1"/>
+                </a:effectRef>
+                <a:fontRef idx="minor">
+                  <a:schemeClr val="lt1"/>
+                </a:fontRef>
+              </p:style>
+              <p:txBody>
+                <a:bodyPr rtlCol="0" anchor="ctr"/>
+                <a:lstStyle/>
+                <a:p>
+                  <a:pPr algn="ctr"/>
+                  <a:endParaRPr lang="en-US" noProof="0" dirty="0"/>
+                </a:p>
+              </p:txBody>
+            </p:sp>
+            <p:cxnSp>
+              <p:nvCxnSpPr>
+                <p:cNvPr id="23" name="Conector recto 278">
+                  <a:extLst>
+                    <a:ext uri="{FF2B5EF4-FFF2-40B4-BE49-F238E27FC236}">
+                      <a16:creationId xmlns:a16="http://schemas.microsoft.com/office/drawing/2014/main" id="{CEA8D708-9F30-A2F6-BFC7-719038F0CC84}"/>
+                    </a:ext>
+                  </a:extLst>
+                </p:cNvPr>
+                <p:cNvCxnSpPr>
+                  <a:cxnSpLocks/>
+                </p:cNvCxnSpPr>
+                <p:nvPr/>
+              </p:nvCxnSpPr>
+              <p:spPr>
+                <a:xfrm>
+                  <a:off x="374502" y="6184856"/>
+                  <a:ext cx="0" cy="198000"/>
+                </a:xfrm>
+                <a:prstGeom prst="line">
+                  <a:avLst/>
+                </a:prstGeom>
+                <a:ln>
+                  <a:solidFill>
+                    <a:srgbClr val="3C3C3C"/>
+                  </a:solidFill>
+                </a:ln>
+              </p:spPr>
+              <p:style>
+                <a:lnRef idx="1">
+                  <a:schemeClr val="accent1"/>
+                </a:lnRef>
+                <a:fillRef idx="0">
+                  <a:schemeClr val="accent1"/>
+                </a:fillRef>
+                <a:effectRef idx="0">
+                  <a:schemeClr val="accent1"/>
+                </a:effectRef>
+                <a:fontRef idx="minor">
+                  <a:schemeClr val="tx1"/>
+                </a:fontRef>
+              </p:style>
+            </p:cxnSp>
+            <p:sp>
+              <p:nvSpPr>
+                <p:cNvPr id="24" name="Elipse 206">
+                  <a:extLst>
+                    <a:ext uri="{FF2B5EF4-FFF2-40B4-BE49-F238E27FC236}">
+                      <a16:creationId xmlns:a16="http://schemas.microsoft.com/office/drawing/2014/main" id="{6B3D50D7-4489-DC05-3304-8F2A9DB36460}"/>
+                    </a:ext>
+                  </a:extLst>
+                </p:cNvPr>
+                <p:cNvSpPr/>
+                <p:nvPr/>
+              </p:nvSpPr>
+              <p:spPr>
+                <a:xfrm>
+                  <a:off x="356502" y="6431165"/>
+                  <a:ext cx="36000" cy="36000"/>
+                </a:xfrm>
+                <a:prstGeom prst="rect">
+                  <a:avLst/>
+                </a:prstGeom>
+                <a:solidFill>
+                  <a:srgbClr val="D6465F"/>
+                </a:solidFill>
+                <a:ln>
+                  <a:noFill/>
+                </a:ln>
+              </p:spPr>
+              <p:style>
+                <a:lnRef idx="2">
+                  <a:schemeClr val="accent1">
+                    <a:shade val="50000"/>
+                  </a:schemeClr>
+                </a:lnRef>
+                <a:fillRef idx="1">
+                  <a:schemeClr val="accent1"/>
+                </a:fillRef>
+                <a:effectRef idx="0">
+                  <a:schemeClr val="accent1"/>
+                </a:effectRef>
+                <a:fontRef idx="minor">
+                  <a:schemeClr val="lt1"/>
+                </a:fontRef>
+              </p:style>
+              <p:txBody>
+                <a:bodyPr rtlCol="0" anchor="ctr"/>
+                <a:lstStyle/>
+                <a:p>
+                  <a:pPr algn="ctr"/>
+                  <a:endParaRPr lang="en-US" noProof="0" dirty="0"/>
+                </a:p>
+              </p:txBody>
+            </p:sp>
+            <p:sp>
+              <p:nvSpPr>
+                <p:cNvPr id="28" name="Rectángulo 143">
+                  <a:extLst>
+                    <a:ext uri="{FF2B5EF4-FFF2-40B4-BE49-F238E27FC236}">
+                      <a16:creationId xmlns:a16="http://schemas.microsoft.com/office/drawing/2014/main" id="{C45F848B-CA3F-A028-46A7-AF6EDC20CAC0}"/>
+                    </a:ext>
+                  </a:extLst>
+                </p:cNvPr>
+                <p:cNvSpPr/>
+                <p:nvPr/>
+              </p:nvSpPr>
+              <p:spPr>
+                <a:xfrm>
+                  <a:off x="272956" y="6651274"/>
+                  <a:ext cx="1569660" cy="307777"/>
+                </a:xfrm>
+                <a:prstGeom prst="rect">
+                  <a:avLst/>
+                </a:prstGeom>
+              </p:spPr>
+              <p:txBody>
+                <a:bodyPr wrap="square">
+                  <a:spAutoFit/>
+                </a:bodyPr>
+                <a:lstStyle/>
+                <a:p>
+                  <a:r>
+                    <a:rPr lang="en-US" sz="800" b="1" noProof="0" dirty="0">
+                      <a:solidFill>
+                        <a:srgbClr val="3C3C3C"/>
+                      </a:solidFill>
+                      <a:latin typeface="Raleway" panose="020B0503030101060003" pitchFamily="34" charset="0"/>
+                    </a:rPr>
+                    <a:t>ISS FACILITY SERVICES S.A.</a:t>
+                  </a:r>
+                  <a:r>
+                    <a:rPr lang="en-US" sz="1400" b="1" noProof="0" dirty="0">
+                      <a:solidFill>
+                        <a:srgbClr val="3C3C3C"/>
+                      </a:solidFill>
+                      <a:latin typeface="Raleway" panose="020B0503030101060003" pitchFamily="34" charset="0"/>
+                    </a:rPr>
+                    <a:t>	</a:t>
+                  </a:r>
+                </a:p>
+              </p:txBody>
+            </p:sp>
+            <p:sp>
+              <p:nvSpPr>
+                <p:cNvPr id="29" name="Rectángulo 207">
+                  <a:extLst>
+                    <a:ext uri="{FF2B5EF4-FFF2-40B4-BE49-F238E27FC236}">
+                      <a16:creationId xmlns:a16="http://schemas.microsoft.com/office/drawing/2014/main" id="{474F93AD-3E76-56D2-57A9-3DF84C491EA5}"/>
+                    </a:ext>
+                  </a:extLst>
+                </p:cNvPr>
+                <p:cNvSpPr/>
+                <p:nvPr/>
+              </p:nvSpPr>
+              <p:spPr>
+                <a:xfrm>
+                  <a:off x="1660044" y="6764731"/>
+                  <a:ext cx="609077" cy="169277"/>
+                </a:xfrm>
+                <a:prstGeom prst="rect">
+                  <a:avLst/>
+                </a:prstGeom>
+              </p:spPr>
+              <p:txBody>
+                <a:bodyPr wrap="square">
+                  <a:spAutoFit/>
+                </a:bodyPr>
+                <a:lstStyle/>
+                <a:p>
+                  <a:pPr algn="ctr"/>
+                  <a:r>
+                    <a:rPr lang="en-US" sz="500" b="1" noProof="0" dirty="0">
+                      <a:solidFill>
+                        <a:srgbClr val="D6465F"/>
+                      </a:solidFill>
+                      <a:latin typeface="Raleway" panose="020B0503030101060003" pitchFamily="34" charset="0"/>
+                    </a:rPr>
+                    <a:t>2016 -2020</a:t>
+                  </a:r>
+                </a:p>
+              </p:txBody>
+            </p:sp>
+            <p:sp>
+              <p:nvSpPr>
+                <p:cNvPr id="30" name="Rectángulo 185">
+                  <a:extLst>
+                    <a:ext uri="{FF2B5EF4-FFF2-40B4-BE49-F238E27FC236}">
+                      <a16:creationId xmlns:a16="http://schemas.microsoft.com/office/drawing/2014/main" id="{B67C0955-14AA-61E2-2C7D-4CA522A34D0C}"/>
+                    </a:ext>
+                  </a:extLst>
+                </p:cNvPr>
+                <p:cNvSpPr/>
+                <p:nvPr/>
+              </p:nvSpPr>
+              <p:spPr>
+                <a:xfrm>
+                  <a:off x="414686" y="6954137"/>
+                  <a:ext cx="3429000" cy="369332"/>
+                </a:xfrm>
+                <a:prstGeom prst="rect">
+                  <a:avLst/>
+                </a:prstGeom>
+              </p:spPr>
+              <p:txBody>
+                <a:bodyPr wrap="square">
+                  <a:spAutoFit/>
+                </a:bodyPr>
+                <a:lstStyle/>
+                <a:p>
+                  <a:r>
+                    <a:rPr lang="en-US" sz="700" b="1" noProof="0" dirty="0">
+                      <a:solidFill>
+                        <a:srgbClr val="383838"/>
+                      </a:solidFill>
+                      <a:latin typeface="Raleway" panose="020B0503030101060003" pitchFamily="34" charset="0"/>
+                      <a:cs typeface="Arial" panose="020B0604020202020204" pitchFamily="34" charset="0"/>
+                    </a:rPr>
+                    <a:t>Business Solutions Data Analyst</a:t>
+                  </a:r>
+                  <a:endParaRPr lang="en-US" sz="700" b="1" dirty="0">
+                    <a:solidFill>
+                      <a:srgbClr val="383838"/>
+                    </a:solidFill>
+                    <a:latin typeface="Raleway" panose="020B0503030101060003" pitchFamily="34" charset="0"/>
+                    <a:cs typeface="Arial" panose="020B0604020202020204" pitchFamily="34" charset="0"/>
+                  </a:endParaRPr>
+                </a:p>
+                <a:p>
+                  <a:r>
+                    <a:rPr lang="en-GB" sz="600" noProof="0" dirty="0">
+                      <a:solidFill>
+                        <a:srgbClr val="3C3C3C"/>
+                      </a:solidFill>
+                      <a:latin typeface="Raleway" panose="020B0503030101060003" pitchFamily="34" charset="0"/>
+                    </a:rPr>
+                    <a:t>BI solutions for process optimization.</a:t>
+                  </a:r>
+                  <a:r>
+                    <a:rPr lang="en-US" sz="600" noProof="0" dirty="0">
+                      <a:solidFill>
+                        <a:srgbClr val="3C3C3C"/>
+                      </a:solidFill>
+                      <a:latin typeface="Raleway" panose="020B0503030101060003" pitchFamily="34" charset="0"/>
+                    </a:rPr>
+                    <a:t> </a:t>
+                  </a:r>
+                  <a:r>
+                    <a:rPr lang="en-US" sz="600" i="1" noProof="0" dirty="0">
+                      <a:solidFill>
+                        <a:srgbClr val="3C3C3C"/>
+                      </a:solidFill>
+                      <a:latin typeface="Raleway" panose="020B0503030101060003" pitchFamily="34" charset="0"/>
+                    </a:rPr>
+                    <a:t>Excellence Service Department, Barcelona</a:t>
+                  </a:r>
+                  <a:r>
+                    <a:rPr lang="en-US" sz="1100" noProof="0" dirty="0">
+                      <a:solidFill>
+                        <a:srgbClr val="3C3C3C"/>
+                      </a:solidFill>
+                      <a:latin typeface="Raleway" panose="020B0503030101060003" pitchFamily="34" charset="0"/>
+                    </a:rPr>
+                    <a:t>	</a:t>
+                  </a:r>
+                </a:p>
+              </p:txBody>
+            </p:sp>
+            <p:sp>
+              <p:nvSpPr>
+                <p:cNvPr id="31" name="Rectángulo 204">
+                  <a:extLst>
+                    <a:ext uri="{FF2B5EF4-FFF2-40B4-BE49-F238E27FC236}">
+                      <a16:creationId xmlns:a16="http://schemas.microsoft.com/office/drawing/2014/main" id="{9E70EDB0-45DE-175D-9D62-4AA13DE8FCA2}"/>
+                    </a:ext>
+                  </a:extLst>
+                </p:cNvPr>
+                <p:cNvSpPr/>
+                <p:nvPr/>
+              </p:nvSpPr>
+              <p:spPr>
+                <a:xfrm>
+                  <a:off x="420541" y="8886008"/>
+                  <a:ext cx="2668099" cy="353943"/>
+                </a:xfrm>
+                <a:prstGeom prst="rect">
+                  <a:avLst/>
+                </a:prstGeom>
+              </p:spPr>
+              <p:txBody>
+                <a:bodyPr wrap="square">
+                  <a:spAutoFit/>
+                </a:bodyPr>
+                <a:lstStyle/>
+                <a:p>
+                  <a:r>
+                    <a:rPr lang="en-US" sz="700" noProof="0" dirty="0">
+                      <a:solidFill>
+                        <a:srgbClr val="3C3C3C"/>
+                      </a:solidFill>
+                      <a:latin typeface="Raleway" panose="020B0503030101060003" pitchFamily="34" charset="0"/>
+                      <a:cs typeface="Arial" panose="020B0604020202020204" pitchFamily="34" charset="0"/>
+                    </a:rPr>
+                    <a:t> </a:t>
+                  </a:r>
+                  <a:r>
+                    <a:rPr lang="en-US" sz="700" b="1" noProof="0" dirty="0">
+                      <a:solidFill>
+                        <a:srgbClr val="3C3C3C"/>
+                      </a:solidFill>
+                      <a:latin typeface="Raleway" panose="020B0503030101060003" pitchFamily="34" charset="0"/>
+                      <a:cs typeface="Arial" panose="020B0604020202020204" pitchFamily="34" charset="0"/>
+                    </a:rPr>
+                    <a:t>Administrative</a:t>
+                  </a:r>
+                </a:p>
+                <a:p>
+                  <a:endParaRPr lang="en-US" sz="300" b="1" dirty="0">
+                    <a:solidFill>
+                      <a:srgbClr val="3C3C3C"/>
+                    </a:solidFill>
+                    <a:latin typeface="Raleway" panose="020B0503030101060003" pitchFamily="34" charset="0"/>
+                    <a:cs typeface="Arial" panose="020B0604020202020204" pitchFamily="34" charset="0"/>
+                  </a:endParaRPr>
+                </a:p>
+                <a:p>
+                  <a:r>
+                    <a:rPr lang="en-US" sz="600" noProof="0" dirty="0">
+                      <a:solidFill>
+                        <a:srgbClr val="3C3C3C"/>
+                      </a:solidFill>
+                      <a:latin typeface="Raleway" panose="020B0503030101060003" pitchFamily="34" charset="0"/>
+                    </a:rPr>
+                    <a:t> Controller &amp; budgeting, </a:t>
+                  </a:r>
+                  <a:r>
+                    <a:rPr lang="en-US" sz="600" i="1" noProof="0" dirty="0">
+                      <a:solidFill>
+                        <a:srgbClr val="3C3C3C"/>
+                      </a:solidFill>
+                      <a:latin typeface="Raleway" panose="020B0503030101060003" pitchFamily="34" charset="0"/>
+                    </a:rPr>
+                    <a:t>L&amp;D Department, Bs. As</a:t>
+                  </a:r>
+                  <a:r>
+                    <a:rPr lang="en-US" sz="700" i="1" noProof="0" dirty="0">
+                      <a:solidFill>
+                        <a:srgbClr val="3C3C3C"/>
+                      </a:solidFill>
+                      <a:latin typeface="Raleway" panose="020B0503030101060003" pitchFamily="34" charset="0"/>
+                    </a:rPr>
+                    <a:t>.</a:t>
+                  </a:r>
+                  <a:endParaRPr lang="en-US" sz="800" i="1" noProof="0" dirty="0">
+                    <a:solidFill>
+                      <a:srgbClr val="3C3C3C"/>
+                    </a:solidFill>
+                    <a:latin typeface="Raleway" panose="020B0503030101060003" pitchFamily="34" charset="0"/>
+                    <a:cs typeface="Arial" panose="020B0604020202020204" pitchFamily="34" charset="0"/>
+                  </a:endParaRPr>
+                </a:p>
+              </p:txBody>
+            </p:sp>
+            <p:sp>
+              <p:nvSpPr>
+                <p:cNvPr id="32" name="Rectángulo 209">
+                  <a:extLst>
+                    <a:ext uri="{FF2B5EF4-FFF2-40B4-BE49-F238E27FC236}">
+                      <a16:creationId xmlns:a16="http://schemas.microsoft.com/office/drawing/2014/main" id="{A96E1719-AEBB-3C30-1D56-6A4D35A8A3DC}"/>
+                    </a:ext>
+                  </a:extLst>
+                </p:cNvPr>
+                <p:cNvSpPr/>
+                <p:nvPr/>
+              </p:nvSpPr>
+              <p:spPr>
+                <a:xfrm>
+                  <a:off x="414686" y="9205387"/>
+                  <a:ext cx="2671698" cy="338554"/>
+                </a:xfrm>
+                <a:prstGeom prst="rect">
+                  <a:avLst/>
+                </a:prstGeom>
+              </p:spPr>
+              <p:txBody>
+                <a:bodyPr wrap="square">
+                  <a:spAutoFit/>
+                </a:bodyPr>
+                <a:lstStyle/>
+                <a:p>
+                  <a:r>
+                    <a:rPr lang="en-US" sz="700" noProof="0" dirty="0">
+                      <a:solidFill>
+                        <a:srgbClr val="3C3C3C"/>
+                      </a:solidFill>
+                      <a:latin typeface="Raleway" panose="020B0503030101060003" pitchFamily="34" charset="0"/>
+                      <a:cs typeface="Arial" panose="020B0604020202020204" pitchFamily="34" charset="0"/>
+                    </a:rPr>
+                    <a:t> </a:t>
+                  </a:r>
+                  <a:r>
+                    <a:rPr lang="en-US" sz="700" b="1" noProof="0" dirty="0">
+                      <a:solidFill>
+                        <a:srgbClr val="3C3C3C"/>
+                      </a:solidFill>
+                      <a:latin typeface="Raleway" panose="020B0503030101060003" pitchFamily="34" charset="0"/>
+                      <a:cs typeface="Arial" panose="020B0604020202020204" pitchFamily="34" charset="0"/>
+                    </a:rPr>
+                    <a:t>Student Internship</a:t>
+                  </a:r>
+                </a:p>
+                <a:p>
+                  <a:endParaRPr lang="en-US" sz="300" b="1" dirty="0">
+                    <a:solidFill>
+                      <a:srgbClr val="3C3C3C"/>
+                    </a:solidFill>
+                    <a:latin typeface="Raleway" panose="020B0503030101060003" pitchFamily="34" charset="0"/>
+                    <a:cs typeface="Arial" panose="020B0604020202020204" pitchFamily="34" charset="0"/>
+                  </a:endParaRPr>
+                </a:p>
+                <a:p>
+                  <a:r>
+                    <a:rPr lang="en-US" sz="600" b="1" noProof="0" dirty="0">
+                      <a:solidFill>
+                        <a:srgbClr val="3C3C3C"/>
+                      </a:solidFill>
+                      <a:latin typeface="Raleway" panose="020B0503030101060003" pitchFamily="34" charset="0"/>
+                      <a:cs typeface="Arial" panose="020B0604020202020204" pitchFamily="34" charset="0"/>
+                    </a:rPr>
+                    <a:t> </a:t>
+                  </a:r>
+                  <a:r>
+                    <a:rPr lang="en-US" sz="600" i="1" noProof="0" dirty="0">
+                      <a:solidFill>
+                        <a:srgbClr val="3C3C3C"/>
+                      </a:solidFill>
+                      <a:latin typeface="Raleway" panose="020B0503030101060003" pitchFamily="34" charset="0"/>
+                    </a:rPr>
+                    <a:t>Customer Service Division, Bs. As.</a:t>
+                  </a:r>
+                  <a:endParaRPr lang="en-US" sz="600" i="1" noProof="0" dirty="0">
+                    <a:solidFill>
+                      <a:srgbClr val="3C3C3C"/>
+                    </a:solidFill>
+                    <a:latin typeface="Raleway" panose="020B0503030101060003" pitchFamily="34" charset="0"/>
+                    <a:cs typeface="Arial" panose="020B0604020202020204" pitchFamily="34" charset="0"/>
+                  </a:endParaRPr>
+                </a:p>
+              </p:txBody>
+            </p:sp>
+            <p:grpSp>
+              <p:nvGrpSpPr>
+                <p:cNvPr id="33" name="Group 32">
+                  <a:extLst>
+                    <a:ext uri="{FF2B5EF4-FFF2-40B4-BE49-F238E27FC236}">
+                      <a16:creationId xmlns:a16="http://schemas.microsoft.com/office/drawing/2014/main" id="{76C47061-F20F-E4AC-C802-04F33F47FD14}"/>
+                    </a:ext>
+                  </a:extLst>
+                </p:cNvPr>
+                <p:cNvGrpSpPr/>
+                <p:nvPr/>
+              </p:nvGrpSpPr>
+              <p:grpSpPr>
+                <a:xfrm>
+                  <a:off x="272956" y="8577278"/>
+                  <a:ext cx="1923533" cy="307777"/>
+                  <a:chOff x="412928" y="9116731"/>
+                  <a:chExt cx="1923533" cy="307777"/>
+                </a:xfrm>
+              </p:grpSpPr>
+              <p:sp>
+                <p:nvSpPr>
+                  <p:cNvPr id="104" name="Rectángulo 213">
+                    <a:extLst>
+                      <a:ext uri="{FF2B5EF4-FFF2-40B4-BE49-F238E27FC236}">
+                        <a16:creationId xmlns:a16="http://schemas.microsoft.com/office/drawing/2014/main" id="{C1E04AAB-B203-7C7B-99FD-D9D4E4B7FBB2}"/>
+                      </a:ext>
+                    </a:extLst>
+                  </p:cNvPr>
+                  <p:cNvSpPr/>
+                  <p:nvPr/>
+                </p:nvSpPr>
+                <p:spPr>
+                  <a:xfrm>
+                    <a:off x="1652461" y="9223055"/>
+                    <a:ext cx="684000" cy="169277"/>
+                  </a:xfrm>
+                  <a:prstGeom prst="rect">
+                    <a:avLst/>
+                  </a:prstGeom>
+                </p:spPr>
+                <p:txBody>
+                  <a:bodyPr wrap="square">
+                    <a:spAutoFit/>
+                  </a:bodyPr>
+                  <a:lstStyle/>
+                  <a:p>
+                    <a:pPr algn="ctr"/>
+                    <a:r>
+                      <a:rPr lang="en-US" sz="500" b="1" noProof="0" dirty="0">
+                        <a:solidFill>
+                          <a:srgbClr val="D6465F"/>
+                        </a:solidFill>
+                        <a:latin typeface="Raleway" panose="020B0503030101060003" pitchFamily="34" charset="0"/>
+                      </a:rPr>
+                      <a:t>2004 - 2007</a:t>
+                    </a:r>
+                  </a:p>
+                </p:txBody>
+              </p:sp>
+              <p:sp>
+                <p:nvSpPr>
+                  <p:cNvPr id="105" name="Rectángulo 145">
+                    <a:extLst>
+                      <a:ext uri="{FF2B5EF4-FFF2-40B4-BE49-F238E27FC236}">
+                        <a16:creationId xmlns:a16="http://schemas.microsoft.com/office/drawing/2014/main" id="{5F839647-0E42-CD15-A2B5-A963F2B15AA7}"/>
+                      </a:ext>
+                    </a:extLst>
+                  </p:cNvPr>
+                  <p:cNvSpPr/>
+                  <p:nvPr/>
+                </p:nvSpPr>
+                <p:spPr>
+                  <a:xfrm>
+                    <a:off x="412928" y="9116731"/>
+                    <a:ext cx="1569660" cy="307777"/>
+                  </a:xfrm>
+                  <a:prstGeom prst="rect">
+                    <a:avLst/>
+                  </a:prstGeom>
+                </p:spPr>
+                <p:txBody>
+                  <a:bodyPr wrap="none">
+                    <a:spAutoFit/>
+                  </a:bodyPr>
+                  <a:lstStyle/>
+                  <a:p>
+                    <a:r>
+                      <a:rPr lang="en-US" sz="800" b="1" noProof="0" dirty="0">
+                        <a:solidFill>
+                          <a:srgbClr val="3C3C3C"/>
+                        </a:solidFill>
+                        <a:latin typeface="Raleway" panose="020B0503030101060003" pitchFamily="34" charset="0"/>
+                      </a:rPr>
+                      <a:t>FORD ARGENTINA S.C.A.</a:t>
+                    </a:r>
+                    <a:r>
+                      <a:rPr lang="en-US" sz="1400" noProof="0" dirty="0">
+                        <a:solidFill>
+                          <a:srgbClr val="3C3C3C"/>
+                        </a:solidFill>
+                        <a:latin typeface="Raleway" panose="020B0503030101060003" pitchFamily="34" charset="0"/>
+                      </a:rPr>
+                      <a:t>	</a:t>
+                    </a:r>
+                  </a:p>
+                </p:txBody>
+              </p:sp>
+            </p:grpSp>
+            <p:sp>
+              <p:nvSpPr>
+                <p:cNvPr id="40" name="Rectángulo 195">
+                  <a:extLst>
+                    <a:ext uri="{FF2B5EF4-FFF2-40B4-BE49-F238E27FC236}">
+                      <a16:creationId xmlns:a16="http://schemas.microsoft.com/office/drawing/2014/main" id="{522B5F73-4DBC-F9B2-6F74-680386819098}"/>
+                    </a:ext>
+                  </a:extLst>
+                </p:cNvPr>
+                <p:cNvSpPr/>
+                <p:nvPr/>
+              </p:nvSpPr>
+              <p:spPr>
+                <a:xfrm>
+                  <a:off x="410116" y="7880344"/>
+                  <a:ext cx="2901284" cy="261610"/>
+                </a:xfrm>
+                <a:prstGeom prst="rect">
+                  <a:avLst/>
+                </a:prstGeom>
+              </p:spPr>
+              <p:txBody>
+                <a:bodyPr wrap="square">
+                  <a:spAutoFit/>
+                </a:bodyPr>
+                <a:lstStyle/>
+                <a:p>
+                  <a:r>
+                    <a:rPr lang="en-US" sz="1100" noProof="0" dirty="0">
+                      <a:solidFill>
+                        <a:srgbClr val="3C3C3C"/>
+                      </a:solidFill>
+                      <a:latin typeface="Raleway" panose="020B0503030101060003" pitchFamily="34" charset="0"/>
+                    </a:rPr>
+                    <a:t>	</a:t>
+                  </a:r>
+                </a:p>
+              </p:txBody>
+            </p:sp>
+            <p:sp>
+              <p:nvSpPr>
+                <p:cNvPr id="41" name="Rectángulo 208">
+                  <a:extLst>
+                    <a:ext uri="{FF2B5EF4-FFF2-40B4-BE49-F238E27FC236}">
+                      <a16:creationId xmlns:a16="http://schemas.microsoft.com/office/drawing/2014/main" id="{64D4AA2C-35D3-2515-B2D5-E68EC003B729}"/>
+                    </a:ext>
+                  </a:extLst>
+                </p:cNvPr>
+                <p:cNvSpPr/>
+                <p:nvPr/>
+              </p:nvSpPr>
+              <p:spPr>
+                <a:xfrm>
+                  <a:off x="2945061" y="7725892"/>
+                  <a:ext cx="684000" cy="169277"/>
+                </a:xfrm>
+                <a:prstGeom prst="rect">
+                  <a:avLst/>
+                </a:prstGeom>
+              </p:spPr>
+              <p:txBody>
+                <a:bodyPr wrap="square">
+                  <a:spAutoFit/>
+                </a:bodyPr>
+                <a:lstStyle/>
+                <a:p>
+                  <a:pPr algn="ctr"/>
+                  <a:r>
+                    <a:rPr lang="en-US" sz="500" b="1" noProof="0" dirty="0">
+                      <a:solidFill>
+                        <a:srgbClr val="D6465F"/>
+                      </a:solidFill>
+                      <a:latin typeface="Raleway" panose="020B0503030101060003" pitchFamily="34" charset="0"/>
+                    </a:rPr>
+                    <a:t>2008 - 2014</a:t>
+                  </a:r>
+                </a:p>
+              </p:txBody>
+            </p:sp>
+            <p:sp>
+              <p:nvSpPr>
+                <p:cNvPr id="42" name="Rectángulo 144">
+                  <a:extLst>
+                    <a:ext uri="{FF2B5EF4-FFF2-40B4-BE49-F238E27FC236}">
+                      <a16:creationId xmlns:a16="http://schemas.microsoft.com/office/drawing/2014/main" id="{6F2BFF5E-4398-0127-A4F6-3B9E0998794A}"/>
+                    </a:ext>
+                  </a:extLst>
+                </p:cNvPr>
+                <p:cNvSpPr/>
+                <p:nvPr/>
+              </p:nvSpPr>
+              <p:spPr>
+                <a:xfrm>
+                  <a:off x="272956" y="7620829"/>
+                  <a:ext cx="2954655" cy="307777"/>
+                </a:xfrm>
+                <a:prstGeom prst="rect">
+                  <a:avLst/>
+                </a:prstGeom>
+              </p:spPr>
+              <p:txBody>
+                <a:bodyPr wrap="none">
+                  <a:spAutoFit/>
+                </a:bodyPr>
+                <a:lstStyle/>
+                <a:p>
+                  <a:r>
+                    <a:rPr lang="en-US" sz="800" b="1" noProof="0" dirty="0">
+                      <a:solidFill>
+                        <a:srgbClr val="3C3C3C"/>
+                      </a:solidFill>
+                      <a:latin typeface="Raleway" panose="020B0503030101060003" pitchFamily="34" charset="0"/>
+                    </a:rPr>
+                    <a:t>GRUPO CARGO S.A at VOLKSWAGEN ARGENTINA  S.A</a:t>
+                  </a:r>
+                  <a:r>
+                    <a:rPr lang="en-US" sz="1400" noProof="0" dirty="0">
+                      <a:solidFill>
+                        <a:srgbClr val="3C3C3C"/>
+                      </a:solidFill>
+                      <a:latin typeface="Raleway" panose="020B0503030101060003" pitchFamily="34" charset="0"/>
+                    </a:rPr>
+                    <a:t>	</a:t>
+                  </a:r>
+                </a:p>
+              </p:txBody>
+            </p:sp>
+            <p:sp>
+              <p:nvSpPr>
+                <p:cNvPr id="44" name="Rectángulo 185">
+                  <a:extLst>
+                    <a:ext uri="{FF2B5EF4-FFF2-40B4-BE49-F238E27FC236}">
+                      <a16:creationId xmlns:a16="http://schemas.microsoft.com/office/drawing/2014/main" id="{61D66B20-DF6E-38C8-7ECA-C02F2E591D1D}"/>
+                    </a:ext>
+                  </a:extLst>
+                </p:cNvPr>
+                <p:cNvSpPr/>
+                <p:nvPr/>
+              </p:nvSpPr>
+              <p:spPr>
+                <a:xfrm>
+                  <a:off x="425801" y="8267512"/>
+                  <a:ext cx="3429000" cy="369332"/>
+                </a:xfrm>
+                <a:prstGeom prst="rect">
+                  <a:avLst/>
+                </a:prstGeom>
+              </p:spPr>
+              <p:txBody>
+                <a:bodyPr wrap="square">
+                  <a:spAutoFit/>
+                </a:bodyPr>
+                <a:lstStyle/>
+                <a:p>
+                  <a:r>
+                    <a:rPr lang="en-US" sz="700" b="1" noProof="0" dirty="0">
+                      <a:solidFill>
+                        <a:srgbClr val="383838"/>
+                      </a:solidFill>
+                      <a:latin typeface="Raleway" panose="020B0503030101060003" pitchFamily="34" charset="0"/>
+                      <a:cs typeface="Arial" panose="020B0604020202020204" pitchFamily="34" charset="0"/>
+                    </a:rPr>
+                    <a:t>Logistics Analyst</a:t>
+                  </a:r>
+                </a:p>
+                <a:p>
+                  <a:r>
+                    <a:rPr lang="en-US" sz="600" noProof="0" dirty="0">
+                      <a:solidFill>
+                        <a:srgbClr val="3C3C3C"/>
+                      </a:solidFill>
+                      <a:latin typeface="Raleway" panose="020B0503030101060003" pitchFamily="34" charset="0"/>
+                    </a:rPr>
+                    <a:t>Logistics analysis and Supply Chain Management. </a:t>
+                  </a:r>
+                  <a:r>
+                    <a:rPr lang="en-US" sz="600" i="1" noProof="0" dirty="0">
+                      <a:solidFill>
+                        <a:srgbClr val="3C3C3C"/>
+                      </a:solidFill>
+                      <a:latin typeface="Raleway" panose="020B0503030101060003" pitchFamily="34" charset="0"/>
+                    </a:rPr>
+                    <a:t>Milkrun &amp; Kanban Department, Bs. As.</a:t>
+                  </a:r>
+                  <a:r>
+                    <a:rPr lang="en-US" sz="1100" noProof="0" dirty="0">
+                      <a:solidFill>
+                        <a:srgbClr val="3C3C3C"/>
+                      </a:solidFill>
+                      <a:latin typeface="Raleway" panose="020B0503030101060003" pitchFamily="34" charset="0"/>
+                    </a:rPr>
+                    <a:t>	</a:t>
+                  </a:r>
+                </a:p>
+              </p:txBody>
+            </p:sp>
+            <p:sp>
+              <p:nvSpPr>
+                <p:cNvPr id="47" name="Elipse 206">
+                  <a:extLst>
+                    <a:ext uri="{FF2B5EF4-FFF2-40B4-BE49-F238E27FC236}">
+                      <a16:creationId xmlns:a16="http://schemas.microsoft.com/office/drawing/2014/main" id="{46D1BC41-EBA2-DEF7-2492-B562E7F1E802}"/>
+                    </a:ext>
+                  </a:extLst>
+                </p:cNvPr>
+                <p:cNvSpPr/>
+                <p:nvPr/>
+              </p:nvSpPr>
+              <p:spPr>
+                <a:xfrm>
+                  <a:off x="356502" y="7031673"/>
+                  <a:ext cx="36000" cy="36000"/>
+                </a:xfrm>
+                <a:prstGeom prst="rect">
+                  <a:avLst/>
+                </a:prstGeom>
+                <a:solidFill>
+                  <a:srgbClr val="D6465F"/>
+                </a:solidFill>
+                <a:ln>
+                  <a:noFill/>
+                </a:ln>
+              </p:spPr>
+              <p:style>
+                <a:lnRef idx="2">
+                  <a:schemeClr val="accent1">
+                    <a:shade val="50000"/>
+                  </a:schemeClr>
+                </a:lnRef>
+                <a:fillRef idx="1">
+                  <a:schemeClr val="accent1"/>
+                </a:fillRef>
+                <a:effectRef idx="0">
+                  <a:schemeClr val="accent1"/>
+                </a:effectRef>
+                <a:fontRef idx="minor">
+                  <a:schemeClr val="lt1"/>
+                </a:fontRef>
+              </p:style>
+              <p:txBody>
+                <a:bodyPr rtlCol="0" anchor="ctr"/>
+                <a:lstStyle/>
+                <a:p>
+                  <a:pPr algn="ctr"/>
+                  <a:endParaRPr lang="en-US" noProof="0" dirty="0"/>
+                </a:p>
+              </p:txBody>
+            </p:sp>
+            <p:cxnSp>
+              <p:nvCxnSpPr>
+                <p:cNvPr id="48" name="Conector recto 278">
+                  <a:extLst>
+                    <a:ext uri="{FF2B5EF4-FFF2-40B4-BE49-F238E27FC236}">
+                      <a16:creationId xmlns:a16="http://schemas.microsoft.com/office/drawing/2014/main" id="{B40FDF62-A390-A9BD-D1E9-6DAD19C4AFFD}"/>
+                    </a:ext>
+                  </a:extLst>
+                </p:cNvPr>
+                <p:cNvCxnSpPr>
+                  <a:cxnSpLocks/>
+                </p:cNvCxnSpPr>
+                <p:nvPr/>
+              </p:nvCxnSpPr>
+              <p:spPr>
+                <a:xfrm>
+                  <a:off x="374502" y="7115982"/>
+                  <a:ext cx="0" cy="198000"/>
+                </a:xfrm>
+                <a:prstGeom prst="line">
+                  <a:avLst/>
+                </a:prstGeom>
+                <a:ln>
+                  <a:solidFill>
+                    <a:srgbClr val="3C3C3C"/>
+                  </a:solidFill>
+                </a:ln>
+              </p:spPr>
+              <p:style>
+                <a:lnRef idx="1">
+                  <a:schemeClr val="accent1"/>
+                </a:lnRef>
+                <a:fillRef idx="0">
+                  <a:schemeClr val="accent1"/>
+                </a:fillRef>
+                <a:effectRef idx="0">
+                  <a:schemeClr val="accent1"/>
+                </a:effectRef>
+                <a:fontRef idx="minor">
+                  <a:schemeClr val="tx1"/>
+                </a:fontRef>
+              </p:style>
+            </p:cxnSp>
+            <p:sp>
+              <p:nvSpPr>
+                <p:cNvPr id="49" name="Elipse 206">
+                  <a:extLst>
+                    <a:ext uri="{FF2B5EF4-FFF2-40B4-BE49-F238E27FC236}">
+                      <a16:creationId xmlns:a16="http://schemas.microsoft.com/office/drawing/2014/main" id="{A851B2EF-471E-C2A1-F1C8-BBB0AF4F5421}"/>
+                    </a:ext>
+                  </a:extLst>
+                </p:cNvPr>
+                <p:cNvSpPr/>
+                <p:nvPr/>
+              </p:nvSpPr>
+              <p:spPr>
+                <a:xfrm>
+                  <a:off x="356502" y="7362291"/>
+                  <a:ext cx="36000" cy="36000"/>
+                </a:xfrm>
+                <a:prstGeom prst="rect">
+                  <a:avLst/>
+                </a:prstGeom>
+                <a:solidFill>
+                  <a:srgbClr val="D6465F"/>
+                </a:solidFill>
+                <a:ln>
+                  <a:noFill/>
+                </a:ln>
+              </p:spPr>
+              <p:style>
+                <a:lnRef idx="2">
+                  <a:schemeClr val="accent1">
+                    <a:shade val="50000"/>
+                  </a:schemeClr>
+                </a:lnRef>
+                <a:fillRef idx="1">
+                  <a:schemeClr val="accent1"/>
+                </a:fillRef>
+                <a:effectRef idx="0">
+                  <a:schemeClr val="accent1"/>
+                </a:effectRef>
+                <a:fontRef idx="minor">
+                  <a:schemeClr val="lt1"/>
+                </a:fontRef>
+              </p:style>
+              <p:txBody>
+                <a:bodyPr rtlCol="0" anchor="ctr"/>
+                <a:lstStyle/>
+                <a:p>
+                  <a:pPr algn="ctr"/>
+                  <a:endParaRPr lang="en-US" noProof="0" dirty="0"/>
+                </a:p>
+              </p:txBody>
+            </p:sp>
+            <p:sp>
+              <p:nvSpPr>
+                <p:cNvPr id="50" name="Elipse 206">
+                  <a:extLst>
+                    <a:ext uri="{FF2B5EF4-FFF2-40B4-BE49-F238E27FC236}">
+                      <a16:creationId xmlns:a16="http://schemas.microsoft.com/office/drawing/2014/main" id="{EFF2A123-7337-1101-688F-807655A4DDFB}"/>
+                    </a:ext>
+                  </a:extLst>
+                </p:cNvPr>
+                <p:cNvSpPr/>
+                <p:nvPr/>
+              </p:nvSpPr>
+              <p:spPr>
+                <a:xfrm>
+                  <a:off x="356502" y="8004150"/>
+                  <a:ext cx="36000" cy="36000"/>
+                </a:xfrm>
+                <a:prstGeom prst="rect">
+                  <a:avLst/>
+                </a:prstGeom>
+                <a:solidFill>
+                  <a:srgbClr val="D6465F"/>
+                </a:solidFill>
+                <a:ln>
+                  <a:noFill/>
+                </a:ln>
+              </p:spPr>
+              <p:style>
+                <a:lnRef idx="2">
+                  <a:schemeClr val="accent1">
+                    <a:shade val="50000"/>
+                  </a:schemeClr>
+                </a:lnRef>
+                <a:fillRef idx="1">
+                  <a:schemeClr val="accent1"/>
+                </a:fillRef>
+                <a:effectRef idx="0">
+                  <a:schemeClr val="accent1"/>
+                </a:effectRef>
+                <a:fontRef idx="minor">
+                  <a:schemeClr val="lt1"/>
+                </a:fontRef>
+              </p:style>
+              <p:txBody>
+                <a:bodyPr rtlCol="0" anchor="ctr"/>
+                <a:lstStyle/>
+                <a:p>
+                  <a:pPr algn="ctr"/>
+                  <a:endParaRPr lang="en-US" noProof="0" dirty="0"/>
+                </a:p>
+              </p:txBody>
+            </p:sp>
+            <p:cxnSp>
+              <p:nvCxnSpPr>
+                <p:cNvPr id="56" name="Conector recto 278">
+                  <a:extLst>
+                    <a:ext uri="{FF2B5EF4-FFF2-40B4-BE49-F238E27FC236}">
+                      <a16:creationId xmlns:a16="http://schemas.microsoft.com/office/drawing/2014/main" id="{CF5E005B-CFE2-2D84-06DF-C13C10AAE759}"/>
+                    </a:ext>
+                  </a:extLst>
+                </p:cNvPr>
+                <p:cNvCxnSpPr>
+                  <a:cxnSpLocks/>
+                </p:cNvCxnSpPr>
+                <p:nvPr/>
+              </p:nvCxnSpPr>
+              <p:spPr>
+                <a:xfrm>
+                  <a:off x="374502" y="8088459"/>
+                  <a:ext cx="0" cy="198000"/>
+                </a:xfrm>
+                <a:prstGeom prst="line">
+                  <a:avLst/>
+                </a:prstGeom>
+                <a:ln>
+                  <a:solidFill>
+                    <a:srgbClr val="3C3C3C"/>
+                  </a:solidFill>
+                </a:ln>
+              </p:spPr>
+              <p:style>
+                <a:lnRef idx="1">
+                  <a:schemeClr val="accent1"/>
+                </a:lnRef>
+                <a:fillRef idx="0">
+                  <a:schemeClr val="accent1"/>
+                </a:fillRef>
+                <a:effectRef idx="0">
+                  <a:schemeClr val="accent1"/>
+                </a:effectRef>
+                <a:fontRef idx="minor">
+                  <a:schemeClr val="tx1"/>
+                </a:fontRef>
+              </p:style>
+            </p:cxnSp>
+            <p:sp>
+              <p:nvSpPr>
+                <p:cNvPr id="71" name="Elipse 206">
+                  <a:extLst>
+                    <a:ext uri="{FF2B5EF4-FFF2-40B4-BE49-F238E27FC236}">
+                      <a16:creationId xmlns:a16="http://schemas.microsoft.com/office/drawing/2014/main" id="{DBEC59B2-13FB-3C84-4812-62DA1541525D}"/>
+                    </a:ext>
+                  </a:extLst>
+                </p:cNvPr>
+                <p:cNvSpPr/>
+                <p:nvPr/>
+              </p:nvSpPr>
+              <p:spPr>
+                <a:xfrm>
+                  <a:off x="356502" y="8334768"/>
+                  <a:ext cx="36000" cy="36000"/>
+                </a:xfrm>
+                <a:prstGeom prst="rect">
+                  <a:avLst/>
+                </a:prstGeom>
+                <a:solidFill>
+                  <a:srgbClr val="D6465F"/>
+                </a:solidFill>
+                <a:ln>
+                  <a:noFill/>
+                </a:ln>
+              </p:spPr>
+              <p:style>
+                <a:lnRef idx="2">
+                  <a:schemeClr val="accent1">
+                    <a:shade val="50000"/>
+                  </a:schemeClr>
+                </a:lnRef>
+                <a:fillRef idx="1">
+                  <a:schemeClr val="accent1"/>
+                </a:fillRef>
+                <a:effectRef idx="0">
+                  <a:schemeClr val="accent1"/>
+                </a:effectRef>
+                <a:fontRef idx="minor">
+                  <a:schemeClr val="lt1"/>
+                </a:fontRef>
+              </p:style>
+              <p:txBody>
+                <a:bodyPr rtlCol="0" anchor="ctr"/>
+                <a:lstStyle/>
+                <a:p>
+                  <a:pPr algn="ctr"/>
+                  <a:endParaRPr lang="en-US" noProof="0" dirty="0"/>
+                </a:p>
+              </p:txBody>
+            </p:sp>
+            <p:sp>
+              <p:nvSpPr>
+                <p:cNvPr id="72" name="Elipse 206">
+                  <a:extLst>
+                    <a:ext uri="{FF2B5EF4-FFF2-40B4-BE49-F238E27FC236}">
+                      <a16:creationId xmlns:a16="http://schemas.microsoft.com/office/drawing/2014/main" id="{7ADE13D9-7BA6-E88E-FE51-53E435C21293}"/>
+                    </a:ext>
+                  </a:extLst>
+                </p:cNvPr>
+                <p:cNvSpPr/>
+                <p:nvPr/>
+              </p:nvSpPr>
+              <p:spPr>
+                <a:xfrm>
+                  <a:off x="356502" y="8955118"/>
+                  <a:ext cx="36000" cy="36000"/>
+                </a:xfrm>
+                <a:prstGeom prst="rect">
+                  <a:avLst/>
+                </a:prstGeom>
+                <a:solidFill>
+                  <a:srgbClr val="D6465F"/>
+                </a:solidFill>
+                <a:ln>
+                  <a:noFill/>
+                </a:ln>
+              </p:spPr>
+              <p:style>
+                <a:lnRef idx="2">
+                  <a:schemeClr val="accent1">
+                    <a:shade val="50000"/>
+                  </a:schemeClr>
+                </a:lnRef>
+                <a:fillRef idx="1">
+                  <a:schemeClr val="accent1"/>
+                </a:fillRef>
+                <a:effectRef idx="0">
+                  <a:schemeClr val="accent1"/>
+                </a:effectRef>
+                <a:fontRef idx="minor">
+                  <a:schemeClr val="lt1"/>
+                </a:fontRef>
+              </p:style>
+              <p:txBody>
+                <a:bodyPr rtlCol="0" anchor="ctr"/>
+                <a:lstStyle/>
+                <a:p>
+                  <a:pPr algn="ctr"/>
+                  <a:endParaRPr lang="en-US" noProof="0" dirty="0"/>
+                </a:p>
+              </p:txBody>
+            </p:sp>
+            <p:cxnSp>
+              <p:nvCxnSpPr>
+                <p:cNvPr id="73" name="Conector recto 278">
+                  <a:extLst>
+                    <a:ext uri="{FF2B5EF4-FFF2-40B4-BE49-F238E27FC236}">
+                      <a16:creationId xmlns:a16="http://schemas.microsoft.com/office/drawing/2014/main" id="{40EABB04-97E9-9980-7080-6540C737F6FC}"/>
+                    </a:ext>
+                  </a:extLst>
+                </p:cNvPr>
+                <p:cNvCxnSpPr>
+                  <a:cxnSpLocks/>
+                </p:cNvCxnSpPr>
+                <p:nvPr/>
+              </p:nvCxnSpPr>
+              <p:spPr>
+                <a:xfrm>
+                  <a:off x="374502" y="9039427"/>
+                  <a:ext cx="0" cy="198000"/>
+                </a:xfrm>
+                <a:prstGeom prst="line">
+                  <a:avLst/>
+                </a:prstGeom>
+                <a:ln>
+                  <a:solidFill>
+                    <a:srgbClr val="3C3C3C"/>
+                  </a:solidFill>
+                </a:ln>
+              </p:spPr>
+              <p:style>
+                <a:lnRef idx="1">
+                  <a:schemeClr val="accent1"/>
+                </a:lnRef>
+                <a:fillRef idx="0">
+                  <a:schemeClr val="accent1"/>
+                </a:fillRef>
+                <a:effectRef idx="0">
+                  <a:schemeClr val="accent1"/>
+                </a:effectRef>
+                <a:fontRef idx="minor">
+                  <a:schemeClr val="tx1"/>
+                </a:fontRef>
+              </p:style>
+            </p:cxnSp>
+            <p:sp>
+              <p:nvSpPr>
+                <p:cNvPr id="74" name="Elipse 206">
+                  <a:extLst>
+                    <a:ext uri="{FF2B5EF4-FFF2-40B4-BE49-F238E27FC236}">
+                      <a16:creationId xmlns:a16="http://schemas.microsoft.com/office/drawing/2014/main" id="{14615397-6857-E95E-7024-0B006D1958AD}"/>
+                    </a:ext>
+                  </a:extLst>
+                </p:cNvPr>
+                <p:cNvSpPr/>
+                <p:nvPr/>
+              </p:nvSpPr>
+              <p:spPr>
+                <a:xfrm>
+                  <a:off x="356502" y="9285736"/>
+                  <a:ext cx="36000" cy="36000"/>
+                </a:xfrm>
+                <a:prstGeom prst="rect">
+                  <a:avLst/>
+                </a:prstGeom>
+                <a:solidFill>
+                  <a:srgbClr val="D6465F"/>
+                </a:solidFill>
+                <a:ln>
+                  <a:noFill/>
+                </a:ln>
+              </p:spPr>
+              <p:style>
+                <a:lnRef idx="2">
+                  <a:schemeClr val="accent1">
+                    <a:shade val="50000"/>
+                  </a:schemeClr>
+                </a:lnRef>
+                <a:fillRef idx="1">
+                  <a:schemeClr val="accent1"/>
+                </a:fillRef>
+                <a:effectRef idx="0">
+                  <a:schemeClr val="accent1"/>
+                </a:effectRef>
+                <a:fontRef idx="minor">
+                  <a:schemeClr val="lt1"/>
+                </a:fontRef>
+              </p:style>
+              <p:txBody>
+                <a:bodyPr rtlCol="0" anchor="ctr"/>
+                <a:lstStyle/>
+                <a:p>
+                  <a:pPr algn="ctr"/>
+                  <a:endParaRPr lang="en-US" noProof="0" dirty="0"/>
+                </a:p>
+              </p:txBody>
+            </p:sp>
+            <p:cxnSp>
+              <p:nvCxnSpPr>
+                <p:cNvPr id="75" name="Conector recto 150">
+                  <a:extLst>
+                    <a:ext uri="{FF2B5EF4-FFF2-40B4-BE49-F238E27FC236}">
+                      <a16:creationId xmlns:a16="http://schemas.microsoft.com/office/drawing/2014/main" id="{F1998CAA-B8F9-A1CC-A214-E3D8A444E1FD}"/>
+                    </a:ext>
+                  </a:extLst>
+                </p:cNvPr>
+                <p:cNvCxnSpPr>
+                  <a:cxnSpLocks/>
+                </p:cNvCxnSpPr>
+                <p:nvPr/>
+              </p:nvCxnSpPr>
+              <p:spPr>
+                <a:xfrm>
+                  <a:off x="329981" y="5405782"/>
+                  <a:ext cx="1296000" cy="0"/>
+                </a:xfrm>
+                <a:prstGeom prst="line">
+                  <a:avLst/>
+                </a:prstGeom>
+                <a:ln w="6350">
+                  <a:solidFill>
+                    <a:srgbClr val="3C3C3C"/>
+                  </a:solidFill>
+                </a:ln>
+              </p:spPr>
+              <p:style>
+                <a:lnRef idx="1">
+                  <a:schemeClr val="accent1"/>
+                </a:lnRef>
+                <a:fillRef idx="0">
+                  <a:schemeClr val="accent1"/>
+                </a:fillRef>
+                <a:effectRef idx="0">
+                  <a:schemeClr val="accent1"/>
+                </a:effectRef>
+                <a:fontRef idx="minor">
+                  <a:schemeClr val="tx1"/>
+                </a:fontRef>
+              </p:style>
+            </p:cxnSp>
+            <p:cxnSp>
+              <p:nvCxnSpPr>
+                <p:cNvPr id="78" name="Conector recto 150">
+                  <a:extLst>
+                    <a:ext uri="{FF2B5EF4-FFF2-40B4-BE49-F238E27FC236}">
+                      <a16:creationId xmlns:a16="http://schemas.microsoft.com/office/drawing/2014/main" id="{6937B1E0-EE0A-D271-26FD-74AD3FB78965}"/>
+                    </a:ext>
+                  </a:extLst>
+                </p:cNvPr>
+                <p:cNvCxnSpPr>
+                  <a:cxnSpLocks/>
+                </p:cNvCxnSpPr>
+                <p:nvPr/>
+              </p:nvCxnSpPr>
+              <p:spPr>
+                <a:xfrm>
+                  <a:off x="326969" y="5997179"/>
+                  <a:ext cx="1368000" cy="0"/>
+                </a:xfrm>
+                <a:prstGeom prst="line">
+                  <a:avLst/>
+                </a:prstGeom>
+                <a:ln w="6350">
+                  <a:solidFill>
+                    <a:srgbClr val="3C3C3C"/>
+                  </a:solidFill>
+                </a:ln>
+              </p:spPr>
+              <p:style>
+                <a:lnRef idx="1">
+                  <a:schemeClr val="accent1"/>
+                </a:lnRef>
+                <a:fillRef idx="0">
+                  <a:schemeClr val="accent1"/>
+                </a:fillRef>
+                <a:effectRef idx="0">
+                  <a:schemeClr val="accent1"/>
+                </a:effectRef>
+                <a:fontRef idx="minor">
+                  <a:schemeClr val="tx1"/>
+                </a:fontRef>
+              </p:style>
+            </p:cxnSp>
+            <p:cxnSp>
+              <p:nvCxnSpPr>
+                <p:cNvPr id="79" name="Conector recto 150">
+                  <a:extLst>
+                    <a:ext uri="{FF2B5EF4-FFF2-40B4-BE49-F238E27FC236}">
+                      <a16:creationId xmlns:a16="http://schemas.microsoft.com/office/drawing/2014/main" id="{4DF29CFB-27E7-7177-FB20-0C1C97C0C4B8}"/>
+                    </a:ext>
+                  </a:extLst>
+                </p:cNvPr>
+                <p:cNvCxnSpPr>
+                  <a:cxnSpLocks/>
+                </p:cNvCxnSpPr>
+                <p:nvPr/>
+              </p:nvCxnSpPr>
+              <p:spPr>
+                <a:xfrm>
+                  <a:off x="329981" y="6924074"/>
+                  <a:ext cx="1944000" cy="0"/>
+                </a:xfrm>
+                <a:prstGeom prst="line">
+                  <a:avLst/>
+                </a:prstGeom>
+                <a:ln w="6350">
+                  <a:solidFill>
+                    <a:srgbClr val="3C3C3C"/>
+                  </a:solidFill>
+                </a:ln>
+              </p:spPr>
+              <p:style>
+                <a:lnRef idx="1">
+                  <a:schemeClr val="accent1"/>
+                </a:lnRef>
+                <a:fillRef idx="0">
+                  <a:schemeClr val="accent1"/>
+                </a:fillRef>
+                <a:effectRef idx="0">
+                  <a:schemeClr val="accent1"/>
+                </a:effectRef>
+                <a:fontRef idx="minor">
+                  <a:schemeClr val="tx1"/>
+                </a:fontRef>
+              </p:style>
+            </p:cxnSp>
+            <p:cxnSp>
+              <p:nvCxnSpPr>
+                <p:cNvPr id="80" name="Conector recto 150">
+                  <a:extLst>
+                    <a:ext uri="{FF2B5EF4-FFF2-40B4-BE49-F238E27FC236}">
+                      <a16:creationId xmlns:a16="http://schemas.microsoft.com/office/drawing/2014/main" id="{E8900783-4CFE-C789-4CA5-4691DCE1B1FB}"/>
+                    </a:ext>
+                  </a:extLst>
+                </p:cNvPr>
+                <p:cNvCxnSpPr>
+                  <a:cxnSpLocks/>
+                </p:cNvCxnSpPr>
+                <p:nvPr/>
+              </p:nvCxnSpPr>
+              <p:spPr>
+                <a:xfrm>
+                  <a:off x="329981" y="7898345"/>
+                  <a:ext cx="3312000" cy="0"/>
+                </a:xfrm>
+                <a:prstGeom prst="line">
+                  <a:avLst/>
+                </a:prstGeom>
+                <a:ln w="6350">
+                  <a:solidFill>
+                    <a:srgbClr val="3C3C3C"/>
+                  </a:solidFill>
+                </a:ln>
+              </p:spPr>
+              <p:style>
+                <a:lnRef idx="1">
+                  <a:schemeClr val="accent1"/>
+                </a:lnRef>
+                <a:fillRef idx="0">
+                  <a:schemeClr val="accent1"/>
+                </a:fillRef>
+                <a:effectRef idx="0">
+                  <a:schemeClr val="accent1"/>
+                </a:effectRef>
+                <a:fontRef idx="minor">
+                  <a:schemeClr val="tx1"/>
+                </a:fontRef>
+              </p:style>
+            </p:cxnSp>
+            <p:cxnSp>
+              <p:nvCxnSpPr>
+                <p:cNvPr id="81" name="Conector recto 150">
+                  <a:extLst>
+                    <a:ext uri="{FF2B5EF4-FFF2-40B4-BE49-F238E27FC236}">
+                      <a16:creationId xmlns:a16="http://schemas.microsoft.com/office/drawing/2014/main" id="{2E8B7CD5-D38A-36D7-109A-ACA6A018FB4F}"/>
+                    </a:ext>
+                  </a:extLst>
+                </p:cNvPr>
+                <p:cNvCxnSpPr>
+                  <a:cxnSpLocks/>
+                </p:cNvCxnSpPr>
+                <p:nvPr/>
+              </p:nvCxnSpPr>
+              <p:spPr>
+                <a:xfrm>
+                  <a:off x="343884" y="8843119"/>
+                  <a:ext cx="1908000" cy="0"/>
+                </a:xfrm>
+                <a:prstGeom prst="line">
+                  <a:avLst/>
+                </a:prstGeom>
+                <a:ln w="6350">
+                  <a:solidFill>
+                    <a:srgbClr val="3C3C3C"/>
+                  </a:solidFill>
+                </a:ln>
+              </p:spPr>
+              <p:style>
+                <a:lnRef idx="1">
+                  <a:schemeClr val="accent1"/>
+                </a:lnRef>
+                <a:fillRef idx="0">
+                  <a:schemeClr val="accent1"/>
+                </a:fillRef>
+                <a:effectRef idx="0">
+                  <a:schemeClr val="accent1"/>
+                </a:effectRef>
+                <a:fontRef idx="minor">
+                  <a:schemeClr val="tx1"/>
+                </a:fontRef>
+              </p:style>
+            </p:cxnSp>
+            <p:sp>
+              <p:nvSpPr>
+                <p:cNvPr id="82" name="Elipse 206">
+                  <a:extLst>
+                    <a:ext uri="{FF2B5EF4-FFF2-40B4-BE49-F238E27FC236}">
+                      <a16:creationId xmlns:a16="http://schemas.microsoft.com/office/drawing/2014/main" id="{9C879606-4E30-DB0C-43C8-8B2F110AA728}"/>
+                    </a:ext>
+                  </a:extLst>
+                </p:cNvPr>
+                <p:cNvSpPr/>
+                <p:nvPr/>
+              </p:nvSpPr>
+              <p:spPr>
+                <a:xfrm>
+                  <a:off x="356502" y="9285736"/>
+                  <a:ext cx="36000" cy="36000"/>
+                </a:xfrm>
+                <a:prstGeom prst="rect">
+                  <a:avLst/>
+                </a:prstGeom>
+                <a:solidFill>
+                  <a:srgbClr val="D6465F"/>
+                </a:solidFill>
+                <a:ln>
+                  <a:noFill/>
+                </a:ln>
+              </p:spPr>
+              <p:style>
+                <a:lnRef idx="2">
+                  <a:schemeClr val="accent1">
+                    <a:shade val="50000"/>
+                  </a:schemeClr>
+                </a:lnRef>
+                <a:fillRef idx="1">
+                  <a:schemeClr val="accent1"/>
+                </a:fillRef>
+                <a:effectRef idx="0">
+                  <a:schemeClr val="accent1"/>
+                </a:effectRef>
+                <a:fontRef idx="minor">
+                  <a:schemeClr val="lt1"/>
+                </a:fontRef>
+              </p:style>
+              <p:txBody>
+                <a:bodyPr rtlCol="0" anchor="ctr"/>
+                <a:lstStyle/>
+                <a:p>
+                  <a:pPr algn="ctr"/>
+                  <a:endParaRPr lang="en-US" noProof="0" dirty="0"/>
+                </a:p>
+              </p:txBody>
+            </p:sp>
+            <p:cxnSp>
+              <p:nvCxnSpPr>
+                <p:cNvPr id="102" name="Conector recto 278">
+                  <a:extLst>
+                    <a:ext uri="{FF2B5EF4-FFF2-40B4-BE49-F238E27FC236}">
+                      <a16:creationId xmlns:a16="http://schemas.microsoft.com/office/drawing/2014/main" id="{849EFD27-F4A4-5A22-C42B-BB665EEBDA55}"/>
+                    </a:ext>
+                  </a:extLst>
+                </p:cNvPr>
+                <p:cNvCxnSpPr>
+                  <a:cxnSpLocks/>
+                </p:cNvCxnSpPr>
+                <p:nvPr/>
+              </p:nvCxnSpPr>
+              <p:spPr>
+                <a:xfrm>
+                  <a:off x="374502" y="9379680"/>
+                  <a:ext cx="0" cy="108000"/>
+                </a:xfrm>
+                <a:prstGeom prst="line">
+                  <a:avLst/>
+                </a:prstGeom>
+                <a:ln>
+                  <a:solidFill>
+                    <a:srgbClr val="3C3C3C"/>
+                  </a:solidFill>
+                </a:ln>
+              </p:spPr>
+              <p:style>
+                <a:lnRef idx="1">
+                  <a:schemeClr val="accent1"/>
+                </a:lnRef>
+                <a:fillRef idx="0">
+                  <a:schemeClr val="accent1"/>
+                </a:fillRef>
+                <a:effectRef idx="0">
+                  <a:schemeClr val="accent1"/>
+                </a:effectRef>
+                <a:fontRef idx="minor">
+                  <a:schemeClr val="tx1"/>
+                </a:fontRef>
+              </p:style>
+            </p:cxnSp>
+            <p:cxnSp>
+              <p:nvCxnSpPr>
+                <p:cNvPr id="103" name="Conector recto 278">
+                  <a:extLst>
+                    <a:ext uri="{FF2B5EF4-FFF2-40B4-BE49-F238E27FC236}">
+                      <a16:creationId xmlns:a16="http://schemas.microsoft.com/office/drawing/2014/main" id="{5F5A46E7-0225-072A-99A2-D4EDBCB9DCC6}"/>
+                    </a:ext>
+                  </a:extLst>
+                </p:cNvPr>
+                <p:cNvCxnSpPr>
+                  <a:cxnSpLocks/>
+                </p:cNvCxnSpPr>
+                <p:nvPr/>
+              </p:nvCxnSpPr>
+              <p:spPr>
+                <a:xfrm rot="5400000">
+                  <a:off x="374502" y="9455907"/>
+                  <a:ext cx="0" cy="72000"/>
+                </a:xfrm>
+                <a:prstGeom prst="line">
+                  <a:avLst/>
+                </a:prstGeom>
+                <a:ln>
+                  <a:solidFill>
+                    <a:srgbClr val="3C3C3C"/>
+                  </a:solidFill>
+                </a:ln>
+              </p:spPr>
+              <p:style>
+                <a:lnRef idx="1">
+                  <a:schemeClr val="accent1"/>
+                </a:lnRef>
+                <a:fillRef idx="0">
+                  <a:schemeClr val="accent1"/>
+                </a:fillRef>
+                <a:effectRef idx="0">
+                  <a:schemeClr val="accent1"/>
+                </a:effectRef>
+                <a:fontRef idx="minor">
+                  <a:schemeClr val="tx1"/>
+                </a:fontRef>
+              </p:style>
+            </p:cxnSp>
+          </p:grpSp>
+        </p:grpSp>
+      </p:grpSp>
+      <p:grpSp>
+        <p:nvGrpSpPr>
+          <p:cNvPr id="36" name="Group 35">
+            <a:extLst>
+              <a:ext uri="{FF2B5EF4-FFF2-40B4-BE49-F238E27FC236}">
+                <a16:creationId xmlns:a16="http://schemas.microsoft.com/office/drawing/2014/main" id="{231BE0CF-5EC7-D68F-E496-F94FA8276E0C}"/>
+              </a:ext>
+            </a:extLst>
+          </p:cNvPr>
+          <p:cNvGrpSpPr/>
+          <p:nvPr/>
+        </p:nvGrpSpPr>
+        <p:grpSpPr>
+          <a:xfrm>
+            <a:off x="3535502" y="5613645"/>
+            <a:ext cx="3153808" cy="3983118"/>
+            <a:chOff x="3537777" y="5693740"/>
+            <a:chExt cx="3153808" cy="3983118"/>
+          </a:xfrm>
+        </p:grpSpPr>
+        <p:cxnSp>
+          <p:nvCxnSpPr>
+            <p:cNvPr id="26" name="Conector recto 278">
+              <a:extLst>
+                <a:ext uri="{FF2B5EF4-FFF2-40B4-BE49-F238E27FC236}">
+                  <a16:creationId xmlns:a16="http://schemas.microsoft.com/office/drawing/2014/main" id="{DE6BA787-0D49-1ADA-E6DA-3B299C3DCC71}"/>
+                </a:ext>
+              </a:extLst>
+            </p:cNvPr>
+            <p:cNvCxnSpPr>
+              <a:cxnSpLocks/>
+            </p:cNvCxnSpPr>
+            <p:nvPr/>
+          </p:nvCxnSpPr>
+          <p:spPr>
+            <a:xfrm>
+              <a:off x="6655585" y="9564631"/>
+              <a:ext cx="0" cy="108000"/>
+            </a:xfrm>
+            <a:prstGeom prst="line">
+              <a:avLst/>
+            </a:prstGeom>
+            <a:ln>
+              <a:solidFill>
+                <a:srgbClr val="3C3C3C"/>
+              </a:solidFill>
+            </a:ln>
+          </p:spPr>
+          <p:style>
+            <a:lnRef idx="1">
+              <a:schemeClr val="accent1"/>
+            </a:lnRef>
+            <a:fillRef idx="0">
+              <a:schemeClr val="accent1"/>
+            </a:fillRef>
+            <a:effectRef idx="0">
+              <a:schemeClr val="accent1"/>
+            </a:effectRef>
+            <a:fontRef idx="minor">
+              <a:schemeClr val="tx1"/>
+            </a:fontRef>
+          </p:style>
+        </p:cxnSp>
+        <p:cxnSp>
+          <p:nvCxnSpPr>
+            <p:cNvPr id="27" name="Conector recto 278">
+              <a:extLst>
+                <a:ext uri="{FF2B5EF4-FFF2-40B4-BE49-F238E27FC236}">
+                  <a16:creationId xmlns:a16="http://schemas.microsoft.com/office/drawing/2014/main" id="{D7F2D72C-7235-9FBE-19A7-CC22BBF77D2E}"/>
+                </a:ext>
+              </a:extLst>
+            </p:cNvPr>
+            <p:cNvCxnSpPr>
+              <a:cxnSpLocks/>
+            </p:cNvCxnSpPr>
+            <p:nvPr/>
+          </p:nvCxnSpPr>
+          <p:spPr>
+            <a:xfrm rot="5400000">
+              <a:off x="6655585" y="9640858"/>
+              <a:ext cx="0" cy="72000"/>
+            </a:xfrm>
+            <a:prstGeom prst="line">
+              <a:avLst/>
+            </a:prstGeom>
+            <a:ln>
+              <a:solidFill>
+                <a:srgbClr val="3C3C3C"/>
+              </a:solidFill>
+            </a:ln>
+          </p:spPr>
+          <p:style>
+            <a:lnRef idx="1">
+              <a:schemeClr val="accent1"/>
+            </a:lnRef>
+            <a:fillRef idx="0">
+              <a:schemeClr val="accent1"/>
+            </a:fillRef>
+            <a:effectRef idx="0">
+              <a:schemeClr val="accent1"/>
+            </a:effectRef>
+            <a:fontRef idx="minor">
+              <a:schemeClr val="tx1"/>
+            </a:fontRef>
+          </p:style>
+        </p:cxnSp>
+        <p:grpSp>
+          <p:nvGrpSpPr>
+            <p:cNvPr id="35" name="Group 34">
+              <a:extLst>
+                <a:ext uri="{FF2B5EF4-FFF2-40B4-BE49-F238E27FC236}">
+                  <a16:creationId xmlns:a16="http://schemas.microsoft.com/office/drawing/2014/main" id="{43CD935F-5A3E-51B1-E172-6F7FD8164C02}"/>
+                </a:ext>
+              </a:extLst>
+            </p:cNvPr>
+            <p:cNvGrpSpPr/>
+            <p:nvPr/>
+          </p:nvGrpSpPr>
+          <p:grpSpPr>
+            <a:xfrm>
+              <a:off x="3537777" y="5693740"/>
+              <a:ext cx="3135808" cy="3936468"/>
+              <a:chOff x="3537777" y="5693740"/>
+              <a:chExt cx="3135808" cy="3936468"/>
+            </a:xfrm>
+          </p:grpSpPr>
+          <p:sp>
+            <p:nvSpPr>
+              <p:cNvPr id="249" name="Rectángulo 248">
+                <a:hlinkClick r:id="rId24"/>
+                <a:extLst>
+                  <a:ext uri="{FF2B5EF4-FFF2-40B4-BE49-F238E27FC236}">
+                    <a16:creationId xmlns:a16="http://schemas.microsoft.com/office/drawing/2014/main" id="{0C264F21-432C-42C0-A06A-BB6AE92EEC9C}"/>
+                  </a:ext>
+                </a:extLst>
+              </p:cNvPr>
+              <p:cNvSpPr/>
+              <p:nvPr/>
+            </p:nvSpPr>
+            <p:spPr>
+              <a:xfrm>
+                <a:off x="3593750" y="7549211"/>
+                <a:ext cx="3008493" cy="276999"/>
+              </a:xfrm>
+              <a:prstGeom prst="rect">
+                <a:avLst/>
+              </a:prstGeom>
+            </p:spPr>
+            <p:txBody>
+              <a:bodyPr wrap="square">
+                <a:spAutoFit/>
+              </a:bodyPr>
+              <a:lstStyle/>
+              <a:p>
+                <a:pPr algn="r"/>
+                <a:r>
+                  <a:rPr lang="en-US" sz="700" noProof="0" dirty="0">
+                    <a:solidFill>
+                      <a:srgbClr val="3C3C3C"/>
+                    </a:solidFill>
+                    <a:latin typeface="Raleway" panose="020B0503030101060003" pitchFamily="34" charset="0"/>
+                    <a:cs typeface="Arial" panose="020B0604020202020204" pitchFamily="34" charset="0"/>
+                  </a:rPr>
+                  <a:t> </a:t>
+                </a:r>
+                <a:r>
+                  <a:rPr lang="en-GB" sz="700" b="1" noProof="0" dirty="0">
+                    <a:solidFill>
+                      <a:srgbClr val="3C3C3C"/>
+                    </a:solidFill>
+                    <a:latin typeface="Raleway" panose="020B0503030101060003" pitchFamily="34" charset="0"/>
+                    <a:cs typeface="Arial" panose="020B0604020202020204" pitchFamily="34" charset="0"/>
+                  </a:rPr>
+                  <a:t>Higher Education Course in Logistics and Purchasing</a:t>
+                </a:r>
+              </a:p>
+              <a:p>
+                <a:pPr algn="r"/>
+                <a:r>
+                  <a:rPr lang="en-US" sz="500" noProof="0" dirty="0">
+                    <a:solidFill>
+                      <a:srgbClr val="3C3C3C"/>
+                    </a:solidFill>
+                    <a:latin typeface="Raleway" panose="020B0503030101060003" pitchFamily="34" charset="0"/>
+                  </a:rPr>
+                  <a:t>Universitat Oberta de Catalunya, Online, 2018 </a:t>
+                </a:r>
+                <a:endParaRPr lang="en-US" sz="1050" noProof="0" dirty="0">
+                  <a:solidFill>
+                    <a:srgbClr val="3C3C3C"/>
+                  </a:solidFill>
+                  <a:latin typeface="Raleway" panose="020B0503030101060003" pitchFamily="34" charset="0"/>
+                </a:endParaRPr>
+              </a:p>
+            </p:txBody>
+          </p:sp>
           <p:sp>
             <p:nvSpPr>
               <p:cNvPr id="178" name="CuadroTexto 177">
@@ -13435,8 +15986,8 @@
             </p:nvSpPr>
             <p:spPr>
               <a:xfrm>
-                <a:off x="3892708" y="5809930"/>
-                <a:ext cx="2173251" cy="230832"/>
+                <a:off x="3537777" y="5693740"/>
+                <a:ext cx="2916754" cy="230832"/>
               </a:xfrm>
               <a:prstGeom prst="rect">
                 <a:avLst/>
@@ -13459,7 +16010,25 @@
                     </a:solidFill>
                     <a:latin typeface="Raleway" panose="020B0503030101060003" pitchFamily="34" charset="0"/>
                   </a:rPr>
-                  <a:t>&lt; COURSES &amp; CERTIFICATIONS /&gt;</a:t>
+                  <a:t>&lt; </a:t>
+                </a:r>
+                <a:r>
+                  <a:rPr lang="en-US" sz="900" b="1" cap="all" noProof="0" dirty="0">
+                    <a:solidFill>
+                      <a:schemeClr val="bg1"/>
+                    </a:solidFill>
+                    <a:latin typeface="Raleway" panose="020B0503030101060003" pitchFamily="34" charset="0"/>
+                  </a:rPr>
+                  <a:t>Professional Courses &amp; CERTIFICATIONS</a:t>
+                </a:r>
+                <a:r>
+                  <a:rPr lang="en-US" sz="900" b="1" noProof="0" dirty="0">
+                    <a:solidFill>
+                      <a:schemeClr val="bg1"/>
+                    </a:solidFill>
+                    <a:latin typeface="Raleway" panose="020B0503030101060003" pitchFamily="34" charset="0"/>
+                  </a:rPr>
+                  <a:t>/&gt;</a:t>
                 </a:r>
               </a:p>
             </p:txBody>
@@ -13467,6 +16036,7 @@
           <p:sp>
             <p:nvSpPr>
               <p:cNvPr id="299" name="Rectángulo 298">
+                <a:hlinkClick r:id="rId25"/>
                 <a:extLst>
                   <a:ext uri="{FF2B5EF4-FFF2-40B4-BE49-F238E27FC236}">
                     <a16:creationId xmlns:a16="http://schemas.microsoft.com/office/drawing/2014/main" id="{CF7ADD86-ABE8-4DEF-BE46-82E29491AA71}"/>
@@ -13478,7 +16048,7 @@
             </p:nvSpPr>
             <p:spPr>
               <a:xfrm>
-                <a:off x="3883549" y="7700497"/>
+                <a:off x="4164380" y="8794104"/>
                 <a:ext cx="2437863" cy="292388"/>
               </a:xfrm>
               <a:prstGeom prst="rect">
@@ -13537,25 +16107,7 @@
                     </a:solidFill>
                     <a:latin typeface="Raleway" panose="020B0503030101060003" pitchFamily="34" charset="0"/>
                   </a:rPr>
-                  <a:t>Analytics Vidhya, </a:t>
-                </a:r>
-                <a:r>
-                  <a:rPr lang="en-US" sz="500" noProof="0" dirty="0" err="1">
-                    <a:solidFill>
-                      <a:srgbClr val="3C3C3C"/>
-                    </a:solidFill>
-                    <a:latin typeface="Raleway" panose="020B0503030101060003" pitchFamily="34" charset="0"/>
-                  </a:rPr>
-                  <a:t>Datahack</a:t>
-                </a:r>
-                <a:r>
-                  <a:rPr lang="en-US" sz="500" noProof="0" dirty="0">
-                    <a:solidFill>
-                      <a:srgbClr val="3C3C3C"/>
-                    </a:solidFill>
-                    <a:latin typeface="Raleway" panose="020B0503030101060003" pitchFamily="34" charset="0"/>
-                  </a:rPr>
-                  <a:t> Summit, Bangalore India, 2019</a:t>
+                  <a:t>Analytics Vidhya, Data Hack Summit, Bangalore India, 2019</a:t>
                 </a:r>
                 <a:endParaRPr lang="en-US" sz="500" noProof="0" dirty="0">
                   <a:solidFill>
@@ -13570,6 +16122,7 @@
           <p:sp>
             <p:nvSpPr>
               <p:cNvPr id="304" name="Rectángulo 303">
+                <a:hlinkClick r:id="rId26"/>
                 <a:extLst>
                   <a:ext uri="{FF2B5EF4-FFF2-40B4-BE49-F238E27FC236}">
                     <a16:creationId xmlns:a16="http://schemas.microsoft.com/office/drawing/2014/main" id="{EE4D2697-3F30-4A4A-AB93-88E2FD345887}"/>
@@ -13581,7 +16134,7 @@
             </p:nvSpPr>
             <p:spPr>
               <a:xfrm>
-                <a:off x="4645119" y="8601408"/>
+                <a:off x="4934621" y="7845548"/>
                 <a:ext cx="1676293" cy="276999"/>
               </a:xfrm>
               <a:prstGeom prst="rect">
@@ -13657,7 +16210,7 @@
             </p:nvSpPr>
             <p:spPr>
               <a:xfrm>
-                <a:off x="3918408" y="8896582"/>
+                <a:off x="4199239" y="9337820"/>
                 <a:ext cx="2403004" cy="292388"/>
               </a:xfrm>
               <a:prstGeom prst="rect">
@@ -13731,6 +16284,7 @@
           <p:sp>
             <p:nvSpPr>
               <p:cNvPr id="306" name="Rectángulo 305">
+                <a:hlinkClick r:id="rId27"/>
                 <a:extLst>
                   <a:ext uri="{FF2B5EF4-FFF2-40B4-BE49-F238E27FC236}">
                     <a16:creationId xmlns:a16="http://schemas.microsoft.com/office/drawing/2014/main" id="{14554206-F499-47F8-9C1A-AEDE75F2DBF1}"/>
@@ -13742,7 +16296,7 @@
             </p:nvSpPr>
             <p:spPr>
               <a:xfrm>
-                <a:off x="4241176" y="8011060"/>
+                <a:off x="4522007" y="9073657"/>
                 <a:ext cx="2080236" cy="276999"/>
               </a:xfrm>
               <a:prstGeom prst="rect">
@@ -13797,6 +16351,7 @@
           <p:sp>
             <p:nvSpPr>
               <p:cNvPr id="307" name="Rectángulo 306">
+                <a:hlinkClick r:id="rId28"/>
                 <a:extLst>
                   <a:ext uri="{FF2B5EF4-FFF2-40B4-BE49-F238E27FC236}">
                     <a16:creationId xmlns:a16="http://schemas.microsoft.com/office/drawing/2014/main" id="{CC74CE48-F3AC-4ED8-ABD3-132DDBB88B3B}"/>
@@ -13808,8 +16363,8 @@
             </p:nvSpPr>
             <p:spPr>
               <a:xfrm>
-                <a:off x="3918408" y="9207147"/>
-                <a:ext cx="2403004" cy="292388"/>
+                <a:off x="3972321" y="6941146"/>
+                <a:ext cx="2629922" cy="276999"/>
               </a:xfrm>
               <a:prstGeom prst="rect">
                 <a:avLst/>
@@ -13823,34 +16378,15 @@
               <a:p>
                 <a:pPr algn="r"/>
                 <a:r>
-                  <a:rPr lang="en-US" sz="700" noProof="0" dirty="0">
+                  <a:rPr lang="en-GB" sz="700" b="1" noProof="0" dirty="0">
                     <a:solidFill>
                       <a:srgbClr val="3C3C3C"/>
                     </a:solidFill>
                     <a:latin typeface="Raleway" panose="020B0503030101060003" pitchFamily="34" charset="0"/>
                     <a:cs typeface="Arial" panose="020B0604020202020204" pitchFamily="34" charset="0"/>
                   </a:rPr>
-                  <a:t> </a:t>
+                  <a:t>Academic Certificate in Spark and Hadoop Development</a:t>
                 </a:r>
-                <a:r>
-                  <a:rPr lang="en-US" sz="700" b="1" noProof="0" dirty="0">
-                    <a:solidFill>
-                      <a:srgbClr val="3C3C3C"/>
-                    </a:solidFill>
-                    <a:latin typeface="Raleway" panose="020B0503030101060003" pitchFamily="34" charset="0"/>
-                    <a:cs typeface="Arial" panose="020B0604020202020204" pitchFamily="34" charset="0"/>
-                  </a:rPr>
-                  <a:t>Coaching &amp; Leadership Training</a:t>
-                </a:r>
-                <a:endParaRPr lang="en-US" sz="700" noProof="0" dirty="0">
-                  <a:solidFill>
-                    <a:srgbClr val="3C3C3C"/>
-                  </a:solidFill>
-                  <a:latin typeface="Raleway" panose="020B0503030101060003" pitchFamily="34" charset="0"/>
-                </a:endParaRPr>
-              </a:p>
-              <a:p>
-                <a:pPr algn="r"/>
                 <a:r>
                   <a:rPr lang="en-US" sz="600" noProof="0" dirty="0">
                     <a:solidFill>
@@ -13867,7 +16403,7 @@
                     </a:solidFill>
                     <a:latin typeface="Raleway" panose="020B0503030101060003" pitchFamily="34" charset="0"/>
                   </a:rPr>
-                  <a:t>Beginner, Advanced &amp; Leadership Level, Bs. As, 2013 - 2014</a:t>
+                  <a:t> Cloudera Academic Partner,  Online, 2020</a:t>
                 </a:r>
                 <a:endParaRPr lang="en-US" sz="500" noProof="0" dirty="0">
                   <a:solidFill>
@@ -13882,7 +16418,7 @@
           <p:sp>
             <p:nvSpPr>
               <p:cNvPr id="160" name="Rectángulo 298">
-                <a:hlinkClick r:id="rId23"/>
+                <a:hlinkClick r:id="rId29"/>
                 <a:extLst>
                   <a:ext uri="{FF2B5EF4-FFF2-40B4-BE49-F238E27FC236}">
                     <a16:creationId xmlns:a16="http://schemas.microsoft.com/office/drawing/2014/main" id="{7ED8281F-CC3D-F243-9847-18719B55F635}"/>
@@ -13894,7 +16430,7 @@
             </p:nvSpPr>
             <p:spPr>
               <a:xfrm>
-                <a:off x="3883549" y="7405323"/>
+                <a:off x="4164380" y="7252873"/>
                 <a:ext cx="2437863" cy="276999"/>
               </a:xfrm>
               <a:prstGeom prst="rect">
@@ -13949,7 +16485,7 @@
           <p:sp>
             <p:nvSpPr>
               <p:cNvPr id="188" name="Rectángulo 298">
-                <a:hlinkClick r:id="rId23"/>
+                <a:hlinkClick r:id="rId30"/>
                 <a:extLst>
                   <a:ext uri="{FF2B5EF4-FFF2-40B4-BE49-F238E27FC236}">
                     <a16:creationId xmlns:a16="http://schemas.microsoft.com/office/drawing/2014/main" id="{B7B68DDE-567D-4AFA-9F51-8AEEC8E25F04}"/>
@@ -13961,7 +16497,7 @@
             </p:nvSpPr>
             <p:spPr>
               <a:xfrm>
-                <a:off x="3673311" y="6799586"/>
+                <a:off x="3954142" y="8514551"/>
                 <a:ext cx="2648101" cy="292388"/>
               </a:xfrm>
               <a:prstGeom prst="rect">
@@ -14035,7 +16571,7 @@
           <p:sp>
             <p:nvSpPr>
               <p:cNvPr id="244" name="Rectángulo 243">
-                <a:hlinkClick r:id="rId24"/>
+                <a:hlinkClick r:id="rId31"/>
                 <a:extLst>
                   <a:ext uri="{FF2B5EF4-FFF2-40B4-BE49-F238E27FC236}">
                     <a16:creationId xmlns:a16="http://schemas.microsoft.com/office/drawing/2014/main" id="{95841CFD-DD6A-4416-A82C-16E1005F3CC5}"/>
@@ -14047,8 +16583,8 @@
             </p:nvSpPr>
             <p:spPr>
               <a:xfrm>
-                <a:off x="4001269" y="7110149"/>
-                <a:ext cx="2320143" cy="276999"/>
+                <a:off x="3874404" y="6644808"/>
+                <a:ext cx="2727839" cy="276999"/>
               </a:xfrm>
               <a:prstGeom prst="rect">
                 <a:avLst/>
@@ -14062,14 +16598,14 @@
               <a:p>
                 <a:pPr algn="r"/>
                 <a:r>
-                  <a:rPr lang="en-US" sz="700" b="1" noProof="0" dirty="0">
+                  <a:rPr lang="en-GB" sz="700" b="1" noProof="0" dirty="0">
                     <a:solidFill>
                       <a:srgbClr val="3C3C3C"/>
                     </a:solidFill>
                     <a:latin typeface="Raleway" panose="020B0503030101060003" pitchFamily="34" charset="0"/>
                     <a:cs typeface="Arial" panose="020B0604020202020204" pitchFamily="34" charset="0"/>
                   </a:rPr>
-                  <a:t>Big Data &amp; Machine Learning Development</a:t>
+                  <a:t>Advanced University Diploma in Big Data Development</a:t>
                 </a:r>
               </a:p>
               <a:p>
@@ -14089,7 +16625,7 @@
           <p:sp>
             <p:nvSpPr>
               <p:cNvPr id="224" name="Rectángulo 298">
-                <a:hlinkClick r:id="rId23"/>
+                <a:hlinkClick r:id="rId32"/>
                 <a:extLst>
                   <a:ext uri="{FF2B5EF4-FFF2-40B4-BE49-F238E27FC236}">
                     <a16:creationId xmlns:a16="http://schemas.microsoft.com/office/drawing/2014/main" id="{2E116B91-2412-46D1-B2B8-4EBC56B3434C}"/>
@@ -14101,7 +16637,7 @@
             </p:nvSpPr>
             <p:spPr>
               <a:xfrm>
-                <a:off x="3673311" y="6504412"/>
+                <a:off x="3954142" y="6348470"/>
                 <a:ext cx="2648101" cy="276999"/>
               </a:xfrm>
               <a:prstGeom prst="rect">
@@ -14168,7 +16704,7 @@
           <p:sp>
             <p:nvSpPr>
               <p:cNvPr id="10" name="Rectángulo 298">
-                <a:hlinkClick r:id="rId23"/>
+                <a:hlinkClick r:id="rId33"/>
                 <a:extLst>
                   <a:ext uri="{FF2B5EF4-FFF2-40B4-BE49-F238E27FC236}">
                     <a16:creationId xmlns:a16="http://schemas.microsoft.com/office/drawing/2014/main" id="{65ECF92B-154F-D258-A78E-E99F16D182C9}"/>
@@ -14180,7 +16716,7 @@
             </p:nvSpPr>
             <p:spPr>
               <a:xfrm>
-                <a:off x="3268046" y="6209238"/>
+                <a:off x="3548877" y="6052132"/>
                 <a:ext cx="3053366" cy="276999"/>
               </a:xfrm>
               <a:prstGeom prst="rect">
@@ -14252,7 +16788,7 @@
             </p:nvSpPr>
             <p:spPr>
               <a:xfrm>
-                <a:off x="6333317" y="6294098"/>
+                <a:off x="6637585" y="6180537"/>
                 <a:ext cx="36000" cy="36000"/>
               </a:xfrm>
               <a:prstGeom prst="rect">
@@ -14306,7 +16842,7 @@
             </p:nvCxnSpPr>
             <p:spPr>
               <a:xfrm>
-                <a:off x="6351317" y="6381304"/>
+                <a:off x="6655585" y="6266499"/>
                 <a:ext cx="0" cy="162000"/>
               </a:xfrm>
               <a:prstGeom prst="line">
@@ -14347,7 +16883,7 @@
             </p:nvSpPr>
             <p:spPr>
               <a:xfrm>
-                <a:off x="6333317" y="6594510"/>
+                <a:off x="6637585" y="6478461"/>
                 <a:ext cx="36000" cy="36000"/>
               </a:xfrm>
               <a:prstGeom prst="rect">
@@ -14401,7 +16937,7 @@
             </p:nvCxnSpPr>
             <p:spPr>
               <a:xfrm>
-                <a:off x="6351317" y="6681716"/>
+                <a:off x="6655585" y="6564423"/>
                 <a:ext cx="0" cy="162000"/>
               </a:xfrm>
               <a:prstGeom prst="line">
@@ -14442,7 +16978,7 @@
             </p:nvSpPr>
             <p:spPr>
               <a:xfrm>
-                <a:off x="6333317" y="6894922"/>
+                <a:off x="6637585" y="6776385"/>
                 <a:ext cx="36000" cy="36000"/>
               </a:xfrm>
               <a:prstGeom prst="rect">
@@ -14496,7 +17032,7 @@
             </p:nvCxnSpPr>
             <p:spPr>
               <a:xfrm>
-                <a:off x="6351317" y="6982128"/>
+                <a:off x="6655585" y="6862347"/>
                 <a:ext cx="0" cy="162000"/>
               </a:xfrm>
               <a:prstGeom prst="line">
@@ -14537,7 +17073,7 @@
             </p:nvSpPr>
             <p:spPr>
               <a:xfrm>
-                <a:off x="6333317" y="7195334"/>
+                <a:off x="6637585" y="7074309"/>
                 <a:ext cx="36000" cy="36000"/>
               </a:xfrm>
               <a:prstGeom prst="rect">
@@ -14591,7 +17127,7 @@
             </p:nvCxnSpPr>
             <p:spPr>
               <a:xfrm>
-                <a:off x="6351317" y="7282540"/>
+                <a:off x="6655585" y="7160271"/>
                 <a:ext cx="0" cy="162000"/>
               </a:xfrm>
               <a:prstGeom prst="line">
@@ -14632,7 +17168,7 @@
             </p:nvSpPr>
             <p:spPr>
               <a:xfrm>
-                <a:off x="6333317" y="7495746"/>
+                <a:off x="6637585" y="7372233"/>
                 <a:ext cx="36000" cy="36000"/>
               </a:xfrm>
               <a:prstGeom prst="rect">
@@ -14686,7 +17222,7 @@
             </p:nvCxnSpPr>
             <p:spPr>
               <a:xfrm>
-                <a:off x="6351317" y="7582952"/>
+                <a:off x="6655585" y="7458195"/>
                 <a:ext cx="0" cy="162000"/>
               </a:xfrm>
               <a:prstGeom prst="line">
@@ -14727,7 +17263,7 @@
             </p:nvSpPr>
             <p:spPr>
               <a:xfrm>
-                <a:off x="6333317" y="7796158"/>
+                <a:off x="6637585" y="7670157"/>
                 <a:ext cx="36000" cy="36000"/>
               </a:xfrm>
               <a:prstGeom prst="rect">
@@ -14765,49 +17301,6 @@
               </a:p>
             </p:txBody>
           </p:sp>
-          <p:cxnSp>
-            <p:nvCxnSpPr>
-              <p:cNvPr id="92" name="Conector recto 278">
-                <a:extLst>
-                  <a:ext uri="{FF2B5EF4-FFF2-40B4-BE49-F238E27FC236}">
-                    <a16:creationId xmlns:a16="http://schemas.microsoft.com/office/drawing/2014/main" id="{893FEEAC-DA39-0916-F5A9-8154070F9DA3}"/>
-                  </a:ext>
-                </a:extLst>
-              </p:cNvPr>
-              <p:cNvCxnSpPr>
-                <a:cxnSpLocks/>
-              </p:cNvCxnSpPr>
-              <p:nvPr/>
-            </p:nvCxnSpPr>
-            <p:spPr>
-              <a:xfrm>
-                <a:off x="6351317" y="7883364"/>
-                <a:ext cx="0" cy="162000"/>
-              </a:xfrm>
-              <a:prstGeom prst="line">
-                <a:avLst/>
-              </a:prstGeom>
-              <a:ln>
-                <a:solidFill>
-                  <a:srgbClr val="3C3C3C"/>
-                </a:solidFill>
-              </a:ln>
-            </p:spPr>
-            <p:style>
-              <a:lnRef idx="1">
-                <a:schemeClr val="accent1"/>
-              </a:lnRef>
-              <a:fillRef idx="0">
-                <a:schemeClr val="accent1"/>
-              </a:fillRef>
-              <a:effectRef idx="0">
-                <a:schemeClr val="accent1"/>
-              </a:effectRef>
-              <a:fontRef idx="minor">
-                <a:schemeClr val="tx1"/>
-              </a:fontRef>
-            </p:style>
-          </p:cxnSp>
           <p:sp>
             <p:nvSpPr>
               <p:cNvPr id="93" name="Elipse 260">
@@ -14822,7 +17315,7 @@
             </p:nvSpPr>
             <p:spPr>
               <a:xfrm>
-                <a:off x="6333317" y="8096570"/>
+                <a:off x="6637585" y="7968081"/>
                 <a:ext cx="36000" cy="36000"/>
               </a:xfrm>
               <a:prstGeom prst="rect">
@@ -14876,7 +17369,7 @@
             </p:nvCxnSpPr>
             <p:spPr>
               <a:xfrm>
-                <a:off x="6351317" y="8183776"/>
+                <a:off x="6655585" y="8689770"/>
                 <a:ext cx="0" cy="162000"/>
               </a:xfrm>
               <a:prstGeom prst="line">
@@ -14917,7 +17410,7 @@
             </p:nvSpPr>
             <p:spPr>
               <a:xfrm>
-                <a:off x="6333317" y="8396982"/>
+                <a:off x="6637585" y="8631765"/>
                 <a:ext cx="36000" cy="36000"/>
               </a:xfrm>
               <a:prstGeom prst="rect">
@@ -14971,8 +17464,8 @@
             </p:nvCxnSpPr>
             <p:spPr>
               <a:xfrm>
-                <a:off x="6351317" y="8484188"/>
-                <a:ext cx="0" cy="162000"/>
+                <a:off x="6655585" y="8485993"/>
+                <a:ext cx="0" cy="108000"/>
               </a:xfrm>
               <a:prstGeom prst="line">
                 <a:avLst/>
@@ -15012,7 +17505,7 @@
             </p:nvSpPr>
             <p:spPr>
               <a:xfrm>
-                <a:off x="6333317" y="8697394"/>
+                <a:off x="6637585" y="8888281"/>
                 <a:ext cx="36000" cy="36000"/>
               </a:xfrm>
               <a:prstGeom prst="rect">
@@ -15066,7 +17559,7 @@
             </p:nvCxnSpPr>
             <p:spPr>
               <a:xfrm>
-                <a:off x="6351317" y="8784600"/>
+                <a:off x="6655585" y="8975487"/>
                 <a:ext cx="0" cy="162000"/>
               </a:xfrm>
               <a:prstGeom prst="line">
@@ -15107,7 +17600,7 @@
             </p:nvSpPr>
             <p:spPr>
               <a:xfrm>
-                <a:off x="6333317" y="8997806"/>
+                <a:off x="6637585" y="9188693"/>
                 <a:ext cx="36000" cy="36000"/>
               </a:xfrm>
               <a:prstGeom prst="rect">
@@ -15161,7 +17654,7 @@
             </p:nvCxnSpPr>
             <p:spPr>
               <a:xfrm>
-                <a:off x="6351317" y="9085012"/>
+                <a:off x="6655585" y="9275899"/>
                 <a:ext cx="0" cy="162000"/>
               </a:xfrm>
               <a:prstGeom prst="line">
@@ -15202,7 +17695,7 @@
             </p:nvSpPr>
             <p:spPr>
               <a:xfrm>
-                <a:off x="6333317" y="9298213"/>
+                <a:off x="6637585" y="9489100"/>
                 <a:ext cx="36000" cy="36000"/>
               </a:xfrm>
               <a:prstGeom prst="rect">
@@ -15242,10 +17735,10 @@
           </p:sp>
           <p:cxnSp>
             <p:nvCxnSpPr>
-              <p:cNvPr id="26" name="Conector recto 278">
+              <p:cNvPr id="18" name="Conector recto 278">
                 <a:extLst>
                   <a:ext uri="{FF2B5EF4-FFF2-40B4-BE49-F238E27FC236}">
-                    <a16:creationId xmlns:a16="http://schemas.microsoft.com/office/drawing/2014/main" id="{DE6BA787-0D49-1ADA-E6DA-3B299C3DCC71}"/>
+                    <a16:creationId xmlns:a16="http://schemas.microsoft.com/office/drawing/2014/main" id="{E0970DAE-27E3-892E-C3B8-18FF09EC51F2}"/>
                   </a:ext>
                 </a:extLst>
               </p:cNvPr>
@@ -15256,7 +17749,7 @@
             </p:nvCxnSpPr>
             <p:spPr>
               <a:xfrm>
-                <a:off x="6351317" y="9373744"/>
+                <a:off x="6655585" y="6023903"/>
                 <a:ext cx="0" cy="108000"/>
               </a:xfrm>
               <a:prstGeom prst="line">
@@ -15283,55 +17776,73 @@
               </a:fontRef>
             </p:style>
           </p:cxnSp>
-          <p:cxnSp>
-            <p:nvCxnSpPr>
-              <p:cNvPr id="27" name="Conector recto 278">
+          <p:sp>
+            <p:nvSpPr>
+              <p:cNvPr id="2" name="CuadroTexto 177">
                 <a:extLst>
                   <a:ext uri="{FF2B5EF4-FFF2-40B4-BE49-F238E27FC236}">
-                    <a16:creationId xmlns:a16="http://schemas.microsoft.com/office/drawing/2014/main" id="{D7F2D72C-7235-9FBE-19A7-CC22BBF77D2E}"/>
+                    <a16:creationId xmlns:a16="http://schemas.microsoft.com/office/drawing/2014/main" id="{31A1D8DB-93D9-2E0B-E7C5-BD01328CB689}"/>
                   </a:ext>
                 </a:extLst>
               </p:cNvPr>
-              <p:cNvCxnSpPr>
-                <a:cxnSpLocks/>
-              </p:cNvCxnSpPr>
+              <p:cNvSpPr txBox="1"/>
               <p:nvPr/>
-            </p:nvCxnSpPr>
+            </p:nvSpPr>
             <p:spPr>
-              <a:xfrm rot="5400000">
-                <a:off x="6351317" y="9449971"/>
-                <a:ext cx="0" cy="72000"/>
+              <a:xfrm>
+                <a:off x="3925055" y="8227132"/>
+                <a:ext cx="2421811" cy="215444"/>
               </a:xfrm>
-              <a:prstGeom prst="line">
+              <a:prstGeom prst="rect">
                 <a:avLst/>
               </a:prstGeom>
-              <a:ln>
-                <a:solidFill>
-                  <a:srgbClr val="3C3C3C"/>
-                </a:solidFill>
-              </a:ln>
+              <a:solidFill>
+                <a:srgbClr val="3C3C3C"/>
+              </a:solidFill>
             </p:spPr>
-            <p:style>
-              <a:lnRef idx="1">
-                <a:schemeClr val="accent1"/>
-              </a:lnRef>
-              <a:fillRef idx="0">
-                <a:schemeClr val="accent1"/>
-              </a:fillRef>
-              <a:effectRef idx="0">
-                <a:schemeClr val="accent1"/>
-              </a:effectRef>
-              <a:fontRef idx="minor">
-                <a:schemeClr val="tx1"/>
-              </a:fontRef>
-            </p:style>
-          </p:cxnSp>
+            <p:txBody>
+              <a:bodyPr wrap="square" rtlCol="0" anchor="ctr">
+                <a:spAutoFit/>
+              </a:bodyPr>
+              <a:lstStyle/>
+              <a:p>
+                <a:pPr algn="ctr"/>
+                <a:r>
+                  <a:rPr lang="en-US" sz="800" b="1" noProof="0" dirty="0">
+                    <a:solidFill>
+                      <a:schemeClr val="bg1"/>
+                    </a:solidFill>
+                    <a:latin typeface="Raleway" panose="020B0503030101060003" pitchFamily="34" charset="0"/>
+                  </a:rPr>
+                  <a:t>&lt; </a:t>
+                </a:r>
+                <a:r>
+                  <a:rPr lang="en-US" sz="800" b="1" cap="all" noProof="0" dirty="0">
+                    <a:solidFill>
+                      <a:schemeClr val="bg1"/>
+                    </a:solidFill>
+                    <a:latin typeface="Raleway" panose="020B0503030101060003" pitchFamily="34" charset="0"/>
+                  </a:rPr>
+                  <a:t>Additional Learning &amp; Workshops</a:t>
+                </a:r>
+                <a:r>
+                  <a:rPr lang="en-US" sz="800" b="1" noProof="0" dirty="0">
+                    <a:solidFill>
+                      <a:schemeClr val="bg1"/>
+                    </a:solidFill>
+                    <a:latin typeface="Raleway" panose="020B0503030101060003" pitchFamily="34" charset="0"/>
+                  </a:rPr>
+                  <a:t>/&gt;</a:t>
+                </a:r>
+              </a:p>
+            </p:txBody>
+          </p:sp>
           <p:cxnSp>
             <p:nvCxnSpPr>
-              <p:cNvPr id="18" name="Conector recto 278">
+              <p:cNvPr id="19" name="Conector recto 278">
                 <a:extLst>
                   <a:ext uri="{FF2B5EF4-FFF2-40B4-BE49-F238E27FC236}">
-                    <a16:creationId xmlns:a16="http://schemas.microsoft.com/office/drawing/2014/main" id="{E0970DAE-27E3-892E-C3B8-18FF09EC51F2}"/>
+                    <a16:creationId xmlns:a16="http://schemas.microsoft.com/office/drawing/2014/main" id="{FEBB19E1-D2C1-950F-5639-9D34635D088D}"/>
                   </a:ext>
                 </a:extLst>
               </p:cNvPr>
@@ -15342,8 +17853,8 @@
             </p:nvCxnSpPr>
             <p:spPr>
               <a:xfrm>
-                <a:off x="6351317" y="6137464"/>
-                <a:ext cx="0" cy="108000"/>
+                <a:off x="6655585" y="7756119"/>
+                <a:ext cx="0" cy="162000"/>
               </a:xfrm>
               <a:prstGeom prst="line">
                 <a:avLst/>
@@ -15371,2370 +17882,6 @@
           </p:cxnSp>
         </p:grpSp>
       </p:grpSp>
-      <p:sp>
-        <p:nvSpPr>
-          <p:cNvPr id="4" name="CuadroTexto 180">
-            <a:extLst>
-              <a:ext uri="{FF2B5EF4-FFF2-40B4-BE49-F238E27FC236}">
-                <a16:creationId xmlns:a16="http://schemas.microsoft.com/office/drawing/2014/main" id="{414486D2-FDB1-279D-063B-B75EB476639D}"/>
-              </a:ext>
-            </a:extLst>
-          </p:cNvPr>
-          <p:cNvSpPr txBox="1"/>
-          <p:nvPr/>
-        </p:nvSpPr>
-        <p:spPr>
-          <a:xfrm>
-            <a:off x="756314" y="4798171"/>
-            <a:ext cx="1708791" cy="230832"/>
-          </a:xfrm>
-          <a:prstGeom prst="rect">
-            <a:avLst/>
-          </a:prstGeom>
-          <a:solidFill>
-            <a:srgbClr val="3C3C3C"/>
-          </a:solidFill>
-        </p:spPr>
-        <p:txBody>
-          <a:bodyPr wrap="square" rtlCol="0" anchor="ctr">
-            <a:spAutoFit/>
-          </a:bodyPr>
-          <a:lstStyle/>
-          <a:p>
-            <a:pPr algn="ctr"/>
-            <a:r>
-              <a:rPr lang="en-US" sz="900" b="1" noProof="0" dirty="0">
-                <a:solidFill>
-                  <a:schemeClr val="bg1"/>
-                </a:solidFill>
-                <a:latin typeface="Raleway" panose="020B0503030101060003" pitchFamily="34" charset="0"/>
-              </a:rPr>
-              <a:t>&lt; WORK EXPERIENCE /&gt;</a:t>
-            </a:r>
-          </a:p>
-        </p:txBody>
-      </p:sp>
-      <p:sp>
-        <p:nvSpPr>
-          <p:cNvPr id="5" name="Rectángulo 143">
-            <a:extLst>
-              <a:ext uri="{FF2B5EF4-FFF2-40B4-BE49-F238E27FC236}">
-                <a16:creationId xmlns:a16="http://schemas.microsoft.com/office/drawing/2014/main" id="{D9D0B8C7-C2F6-8D6C-43B2-86F4C56812D6}"/>
-              </a:ext>
-            </a:extLst>
-          </p:cNvPr>
-          <p:cNvSpPr/>
-          <p:nvPr/>
-        </p:nvSpPr>
-        <p:spPr>
-          <a:xfrm>
-            <a:off x="272956" y="5128825"/>
-            <a:ext cx="1569660" cy="307777"/>
-          </a:xfrm>
-          <a:prstGeom prst="rect">
-            <a:avLst/>
-          </a:prstGeom>
-        </p:spPr>
-        <p:txBody>
-          <a:bodyPr wrap="square">
-            <a:spAutoFit/>
-          </a:bodyPr>
-          <a:lstStyle/>
-          <a:p>
-            <a:r>
-              <a:rPr lang="en-US" sz="800" b="1" noProof="0" dirty="0">
-                <a:solidFill>
-                  <a:srgbClr val="3C3C3C"/>
-                </a:solidFill>
-                <a:latin typeface="Raleway" panose="020B0503030101060003" pitchFamily="34" charset="0"/>
-              </a:rPr>
-              <a:t>PLAY’N GO</a:t>
-            </a:r>
-            <a:r>
-              <a:rPr lang="en-US" sz="1400" noProof="0" dirty="0">
-                <a:solidFill>
-                  <a:srgbClr val="3C3C3C"/>
-                </a:solidFill>
-                <a:latin typeface="Raleway" panose="020B0503030101060003" pitchFamily="34" charset="0"/>
-              </a:rPr>
-              <a:t>	</a:t>
-            </a:r>
-          </a:p>
-        </p:txBody>
-      </p:sp>
-      <p:sp>
-        <p:nvSpPr>
-          <p:cNvPr id="6" name="Rectángulo 185">
-            <a:extLst>
-              <a:ext uri="{FF2B5EF4-FFF2-40B4-BE49-F238E27FC236}">
-                <a16:creationId xmlns:a16="http://schemas.microsoft.com/office/drawing/2014/main" id="{58306C85-0D1C-05B7-36EB-F260D12C24DD}"/>
-              </a:ext>
-            </a:extLst>
-          </p:cNvPr>
-          <p:cNvSpPr/>
-          <p:nvPr/>
-        </p:nvSpPr>
-        <p:spPr>
-          <a:xfrm>
-            <a:off x="407345" y="5419999"/>
-            <a:ext cx="3429000" cy="369332"/>
-          </a:xfrm>
-          <a:prstGeom prst="rect">
-            <a:avLst/>
-          </a:prstGeom>
-        </p:spPr>
-        <p:txBody>
-          <a:bodyPr wrap="square">
-            <a:spAutoFit/>
-          </a:bodyPr>
-          <a:lstStyle/>
-          <a:p>
-            <a:r>
-              <a:rPr lang="en-US" sz="700" b="1" noProof="0" dirty="0">
-                <a:solidFill>
-                  <a:srgbClr val="383838"/>
-                </a:solidFill>
-                <a:latin typeface="Raleway" panose="020B0503030101060003" pitchFamily="34" charset="0"/>
-                <a:cs typeface="Arial" panose="020B0604020202020204" pitchFamily="34" charset="0"/>
-              </a:rPr>
-              <a:t>Senior Product Data Analyst</a:t>
-            </a:r>
-            <a:endParaRPr lang="en-US" sz="700" b="1" dirty="0">
-              <a:solidFill>
-                <a:srgbClr val="383838"/>
-              </a:solidFill>
-              <a:latin typeface="Raleway" panose="020B0503030101060003" pitchFamily="34" charset="0"/>
-              <a:cs typeface="Arial" panose="020B0604020202020204" pitchFamily="34" charset="0"/>
-            </a:endParaRPr>
-          </a:p>
-          <a:p>
-            <a:r>
-              <a:rPr lang="en-GB" sz="600" noProof="0" dirty="0">
-                <a:solidFill>
-                  <a:srgbClr val="3C3C3C"/>
-                </a:solidFill>
-                <a:latin typeface="Raleway" panose="020B0503030101060003" pitchFamily="34" charset="0"/>
-              </a:rPr>
-              <a:t>Game analytics and product insights. </a:t>
-            </a:r>
-            <a:r>
-              <a:rPr lang="en-GB" sz="600" i="1" noProof="0" dirty="0">
-                <a:solidFill>
-                  <a:srgbClr val="3C3C3C"/>
-                </a:solidFill>
-                <a:latin typeface="Raleway" panose="020B0503030101060003" pitchFamily="34" charset="0"/>
-              </a:rPr>
-              <a:t>Engineering Department</a:t>
-            </a:r>
-            <a:r>
-              <a:rPr lang="en-US" sz="600" i="1" noProof="0" dirty="0">
-                <a:solidFill>
-                  <a:srgbClr val="3C3C3C"/>
-                </a:solidFill>
-                <a:latin typeface="Raleway" panose="020B0503030101060003" pitchFamily="34" charset="0"/>
-              </a:rPr>
-              <a:t>, Sweden</a:t>
-            </a:r>
-            <a:r>
-              <a:rPr lang="en-US" sz="600" i="1" dirty="0">
-                <a:solidFill>
-                  <a:srgbClr val="3C3C3C"/>
-                </a:solidFill>
-                <a:latin typeface="Raleway" panose="020B0503030101060003" pitchFamily="34" charset="0"/>
-              </a:rPr>
-              <a:t>, Remote</a:t>
-            </a:r>
-            <a:r>
-              <a:rPr lang="en-US" sz="1100" noProof="0" dirty="0">
-                <a:solidFill>
-                  <a:srgbClr val="3C3C3C"/>
-                </a:solidFill>
-                <a:latin typeface="Raleway" panose="020B0503030101060003" pitchFamily="34" charset="0"/>
-              </a:rPr>
-              <a:t>	</a:t>
-            </a:r>
-          </a:p>
-        </p:txBody>
-      </p:sp>
-      <p:sp>
-        <p:nvSpPr>
-          <p:cNvPr id="8" name="Rectángulo 187">
-            <a:extLst>
-              <a:ext uri="{FF2B5EF4-FFF2-40B4-BE49-F238E27FC236}">
-                <a16:creationId xmlns:a16="http://schemas.microsoft.com/office/drawing/2014/main" id="{E20EA91D-6106-E929-005D-772F7EB9D131}"/>
-              </a:ext>
-            </a:extLst>
-          </p:cNvPr>
-          <p:cNvSpPr/>
-          <p:nvPr/>
-        </p:nvSpPr>
-        <p:spPr>
-          <a:xfrm>
-            <a:off x="801733" y="5172408"/>
-            <a:ext cx="604653" cy="256480"/>
-          </a:xfrm>
-          <a:prstGeom prst="rect">
-            <a:avLst/>
-          </a:prstGeom>
-        </p:spPr>
-        <p:txBody>
-          <a:bodyPr wrap="square">
-            <a:spAutoFit/>
-          </a:bodyPr>
-          <a:lstStyle/>
-          <a:p>
-            <a:pPr algn="r"/>
-            <a:r>
-              <a:rPr lang="en-US" sz="1600" b="1" baseline="-25000" noProof="0" dirty="0">
-                <a:solidFill>
-                  <a:srgbClr val="D6465F"/>
-                </a:solidFill>
-                <a:latin typeface="Raleway" panose="020B0503030101060003" pitchFamily="34" charset="0"/>
-              </a:rPr>
-              <a:t>*</a:t>
-            </a:r>
-            <a:r>
-              <a:rPr lang="en-US" sz="500" b="1" noProof="0" dirty="0">
-                <a:solidFill>
-                  <a:srgbClr val="D6465F"/>
-                </a:solidFill>
-                <a:latin typeface="Raleway" panose="020B0503030101060003" pitchFamily="34" charset="0"/>
-              </a:rPr>
-              <a:t>Currently</a:t>
-            </a:r>
-          </a:p>
-        </p:txBody>
-      </p:sp>
-      <p:sp>
-        <p:nvSpPr>
-          <p:cNvPr id="11" name="Elipse 206">
-            <a:extLst>
-              <a:ext uri="{FF2B5EF4-FFF2-40B4-BE49-F238E27FC236}">
-                <a16:creationId xmlns:a16="http://schemas.microsoft.com/office/drawing/2014/main" id="{7A9E880E-1B9F-C87F-F2F6-0E21E5D3A406}"/>
-              </a:ext>
-            </a:extLst>
-          </p:cNvPr>
-          <p:cNvSpPr/>
-          <p:nvPr/>
-        </p:nvSpPr>
-        <p:spPr>
-          <a:xfrm>
-            <a:off x="356502" y="5497715"/>
-            <a:ext cx="36000" cy="36000"/>
-          </a:xfrm>
-          <a:prstGeom prst="rect">
-            <a:avLst/>
-          </a:prstGeom>
-          <a:solidFill>
-            <a:srgbClr val="D6465F"/>
-          </a:solidFill>
-          <a:ln>
-            <a:noFill/>
-          </a:ln>
-        </p:spPr>
-        <p:style>
-          <a:lnRef idx="2">
-            <a:schemeClr val="accent1">
-              <a:shade val="50000"/>
-            </a:schemeClr>
-          </a:lnRef>
-          <a:fillRef idx="1">
-            <a:schemeClr val="accent1"/>
-          </a:fillRef>
-          <a:effectRef idx="0">
-            <a:schemeClr val="accent1"/>
-          </a:effectRef>
-          <a:fontRef idx="minor">
-            <a:schemeClr val="lt1"/>
-          </a:fontRef>
-        </p:style>
-        <p:txBody>
-          <a:bodyPr rtlCol="0" anchor="ctr"/>
-          <a:lstStyle/>
-          <a:p>
-            <a:pPr algn="ctr"/>
-            <a:endParaRPr lang="en-US" noProof="0" dirty="0"/>
-          </a:p>
-        </p:txBody>
-      </p:sp>
-      <p:cxnSp>
-        <p:nvCxnSpPr>
-          <p:cNvPr id="13" name="Conector recto 278">
-            <a:extLst>
-              <a:ext uri="{FF2B5EF4-FFF2-40B4-BE49-F238E27FC236}">
-                <a16:creationId xmlns:a16="http://schemas.microsoft.com/office/drawing/2014/main" id="{56423724-1CFB-E95A-8691-AE1D0030C15E}"/>
-              </a:ext>
-            </a:extLst>
-          </p:cNvPr>
-          <p:cNvCxnSpPr>
-            <a:cxnSpLocks/>
-          </p:cNvCxnSpPr>
-          <p:nvPr/>
-        </p:nvCxnSpPr>
-        <p:spPr>
-          <a:xfrm>
-            <a:off x="374502" y="5577033"/>
-            <a:ext cx="0" cy="144000"/>
-          </a:xfrm>
-          <a:prstGeom prst="line">
-            <a:avLst/>
-          </a:prstGeom>
-          <a:ln>
-            <a:solidFill>
-              <a:srgbClr val="3C3C3C"/>
-            </a:solidFill>
-          </a:ln>
-        </p:spPr>
-        <p:style>
-          <a:lnRef idx="1">
-            <a:schemeClr val="accent1"/>
-          </a:lnRef>
-          <a:fillRef idx="0">
-            <a:schemeClr val="accent1"/>
-          </a:fillRef>
-          <a:effectRef idx="0">
-            <a:schemeClr val="accent1"/>
-          </a:effectRef>
-          <a:fontRef idx="minor">
-            <a:schemeClr val="tx1"/>
-          </a:fontRef>
-        </p:style>
-      </p:cxnSp>
-      <p:sp>
-        <p:nvSpPr>
-          <p:cNvPr id="14" name="Rectángulo 185">
-            <a:extLst>
-              <a:ext uri="{FF2B5EF4-FFF2-40B4-BE49-F238E27FC236}">
-                <a16:creationId xmlns:a16="http://schemas.microsoft.com/office/drawing/2014/main" id="{A279AA5F-AFD2-96AA-6DCA-63E9ACDF1BDF}"/>
-              </a:ext>
-            </a:extLst>
-          </p:cNvPr>
-          <p:cNvSpPr/>
-          <p:nvPr/>
-        </p:nvSpPr>
-        <p:spPr>
-          <a:xfrm>
-            <a:off x="413198" y="6022941"/>
-            <a:ext cx="3854001" cy="369332"/>
-          </a:xfrm>
-          <a:prstGeom prst="rect">
-            <a:avLst/>
-          </a:prstGeom>
-        </p:spPr>
-        <p:txBody>
-          <a:bodyPr wrap="square">
-            <a:spAutoFit/>
-          </a:bodyPr>
-          <a:lstStyle/>
-          <a:p>
-            <a:r>
-              <a:rPr lang="en-US" sz="700" b="1" noProof="0" dirty="0">
-                <a:solidFill>
-                  <a:srgbClr val="383838"/>
-                </a:solidFill>
-                <a:latin typeface="Raleway" panose="020B0503030101060003" pitchFamily="34" charset="0"/>
-                <a:cs typeface="Arial" panose="020B0604020202020204" pitchFamily="34" charset="0"/>
-              </a:rPr>
-              <a:t>Senior Business Data Analyst</a:t>
-            </a:r>
-            <a:endParaRPr lang="en-US" sz="700" b="1" dirty="0">
-              <a:solidFill>
-                <a:srgbClr val="383838"/>
-              </a:solidFill>
-              <a:latin typeface="Raleway" panose="020B0503030101060003" pitchFamily="34" charset="0"/>
-              <a:cs typeface="Arial" panose="020B0604020202020204" pitchFamily="34" charset="0"/>
-            </a:endParaRPr>
-          </a:p>
-          <a:p>
-            <a:r>
-              <a:rPr lang="en-US" sz="600" noProof="0" dirty="0">
-                <a:solidFill>
-                  <a:srgbClr val="3C3C3C"/>
-                </a:solidFill>
-                <a:latin typeface="Raleway" panose="020B0503030101060003" pitchFamily="34" charset="0"/>
-              </a:rPr>
-              <a:t>BI solutions &amp; data analysis for operational improvements. </a:t>
-            </a:r>
-            <a:r>
-              <a:rPr lang="en-US" sz="600" i="1" noProof="0" dirty="0">
-                <a:solidFill>
-                  <a:srgbClr val="3C3C3C"/>
-                </a:solidFill>
-                <a:latin typeface="Raleway" panose="020B0503030101060003" pitchFamily="34" charset="0"/>
-              </a:rPr>
-              <a:t>Central Ops Department, Barcelona</a:t>
-            </a:r>
-            <a:r>
-              <a:rPr lang="en-US" sz="1100" noProof="0" dirty="0">
-                <a:solidFill>
-                  <a:srgbClr val="3C3C3C"/>
-                </a:solidFill>
-                <a:latin typeface="Raleway" panose="020B0503030101060003" pitchFamily="34" charset="0"/>
-              </a:rPr>
-              <a:t>	</a:t>
-            </a:r>
-          </a:p>
-        </p:txBody>
-      </p:sp>
-      <p:sp>
-        <p:nvSpPr>
-          <p:cNvPr id="16" name="Rectángulo 187">
-            <a:extLst>
-              <a:ext uri="{FF2B5EF4-FFF2-40B4-BE49-F238E27FC236}">
-                <a16:creationId xmlns:a16="http://schemas.microsoft.com/office/drawing/2014/main" id="{A75B9864-E372-E28D-5814-D31C49F64BDF}"/>
-              </a:ext>
-            </a:extLst>
-          </p:cNvPr>
-          <p:cNvSpPr/>
-          <p:nvPr/>
-        </p:nvSpPr>
-        <p:spPr>
-          <a:xfrm>
-            <a:off x="762060" y="5829471"/>
-            <a:ext cx="684000" cy="169277"/>
-          </a:xfrm>
-          <a:prstGeom prst="rect">
-            <a:avLst/>
-          </a:prstGeom>
-        </p:spPr>
-        <p:txBody>
-          <a:bodyPr wrap="square">
-            <a:spAutoFit/>
-          </a:bodyPr>
-          <a:lstStyle/>
-          <a:p>
-            <a:pPr algn="ctr"/>
-            <a:r>
-              <a:rPr lang="en-US" sz="500" b="1" noProof="0" dirty="0">
-                <a:solidFill>
-                  <a:srgbClr val="D6465F"/>
-                </a:solidFill>
-                <a:latin typeface="Raleway" panose="020B0503030101060003" pitchFamily="34" charset="0"/>
-              </a:rPr>
-              <a:t>2020 - 2024</a:t>
-            </a:r>
-          </a:p>
-        </p:txBody>
-      </p:sp>
-      <p:sp>
-        <p:nvSpPr>
-          <p:cNvPr id="20" name="Rectángulo 143">
-            <a:extLst>
-              <a:ext uri="{FF2B5EF4-FFF2-40B4-BE49-F238E27FC236}">
-                <a16:creationId xmlns:a16="http://schemas.microsoft.com/office/drawing/2014/main" id="{3855D5BC-7CB2-D174-8346-2C4CF9A28E7D}"/>
-              </a:ext>
-            </a:extLst>
-          </p:cNvPr>
-          <p:cNvSpPr/>
-          <p:nvPr/>
-        </p:nvSpPr>
-        <p:spPr>
-          <a:xfrm>
-            <a:off x="272956" y="5724398"/>
-            <a:ext cx="1569660" cy="307777"/>
-          </a:xfrm>
-          <a:prstGeom prst="rect">
-            <a:avLst/>
-          </a:prstGeom>
-        </p:spPr>
-        <p:txBody>
-          <a:bodyPr wrap="square">
-            <a:spAutoFit/>
-          </a:bodyPr>
-          <a:lstStyle/>
-          <a:p>
-            <a:r>
-              <a:rPr lang="en-US" sz="800" b="1" noProof="0" dirty="0">
-                <a:solidFill>
-                  <a:srgbClr val="3C3C3C"/>
-                </a:solidFill>
-                <a:latin typeface="Raleway" panose="020B0503030101060003" pitchFamily="34" charset="0"/>
-              </a:rPr>
-              <a:t>AMAZON</a:t>
-            </a:r>
-            <a:r>
-              <a:rPr lang="en-US" sz="1400" noProof="0" dirty="0">
-                <a:solidFill>
-                  <a:srgbClr val="3C3C3C"/>
-                </a:solidFill>
-                <a:latin typeface="Raleway" panose="020B0503030101060003" pitchFamily="34" charset="0"/>
-              </a:rPr>
-              <a:t>	</a:t>
-            </a:r>
-          </a:p>
-        </p:txBody>
-      </p:sp>
-      <p:sp>
-        <p:nvSpPr>
-          <p:cNvPr id="21" name="Rectángulo 185">
-            <a:extLst>
-              <a:ext uri="{FF2B5EF4-FFF2-40B4-BE49-F238E27FC236}">
-                <a16:creationId xmlns:a16="http://schemas.microsoft.com/office/drawing/2014/main" id="{880A0113-1D35-9BF7-D163-6A435D64FCDF}"/>
-              </a:ext>
-            </a:extLst>
-          </p:cNvPr>
-          <p:cNvSpPr/>
-          <p:nvPr/>
-        </p:nvSpPr>
-        <p:spPr>
-          <a:xfrm>
-            <a:off x="422127" y="6348563"/>
-            <a:ext cx="3429000" cy="369332"/>
-          </a:xfrm>
-          <a:prstGeom prst="rect">
-            <a:avLst/>
-          </a:prstGeom>
-        </p:spPr>
-        <p:txBody>
-          <a:bodyPr wrap="square">
-            <a:spAutoFit/>
-          </a:bodyPr>
-          <a:lstStyle/>
-          <a:p>
-            <a:r>
-              <a:rPr lang="en-US" sz="700" b="1" noProof="0" dirty="0">
-                <a:solidFill>
-                  <a:srgbClr val="383838"/>
-                </a:solidFill>
-                <a:latin typeface="Raleway" panose="020B0503030101060003" pitchFamily="34" charset="0"/>
-                <a:cs typeface="Arial" panose="020B0604020202020204" pitchFamily="34" charset="0"/>
-              </a:rPr>
-              <a:t>Logistics Data Analyst &amp; Lead Learning Coordinator</a:t>
-            </a:r>
-          </a:p>
-          <a:p>
-            <a:r>
-              <a:rPr lang="en-GB" sz="600" noProof="0" dirty="0">
-                <a:solidFill>
-                  <a:srgbClr val="3C3C3C"/>
-                </a:solidFill>
-                <a:latin typeface="Raleway" panose="020B0503030101060003" pitchFamily="34" charset="0"/>
-              </a:rPr>
-              <a:t>Logistics data analysis and new joiners training</a:t>
-            </a:r>
-            <a:r>
-              <a:rPr lang="en-US" sz="600" dirty="0">
-                <a:solidFill>
-                  <a:srgbClr val="3C3C3C"/>
-                </a:solidFill>
-                <a:latin typeface="Raleway" panose="020B0503030101060003" pitchFamily="34" charset="0"/>
-              </a:rPr>
-              <a:t>.</a:t>
-            </a:r>
-            <a:r>
-              <a:rPr lang="en-US" sz="600" noProof="0" dirty="0">
-                <a:solidFill>
-                  <a:srgbClr val="3C3C3C"/>
-                </a:solidFill>
-                <a:latin typeface="Raleway" panose="020B0503030101060003" pitchFamily="34" charset="0"/>
-              </a:rPr>
-              <a:t> </a:t>
-            </a:r>
-            <a:r>
-              <a:rPr lang="en-US" sz="600" i="1" dirty="0">
-                <a:solidFill>
-                  <a:srgbClr val="3C3C3C"/>
-                </a:solidFill>
-                <a:latin typeface="Raleway" panose="020B0503030101060003" pitchFamily="34" charset="0"/>
-              </a:rPr>
-              <a:t>Risk &amp; Flow </a:t>
-            </a:r>
-            <a:r>
-              <a:rPr lang="en-US" sz="600" i="1" noProof="0" dirty="0">
-                <a:solidFill>
-                  <a:srgbClr val="3C3C3C"/>
-                </a:solidFill>
-                <a:latin typeface="Raleway" panose="020B0503030101060003" pitchFamily="34" charset="0"/>
-              </a:rPr>
-              <a:t>Department, Barcelona</a:t>
-            </a:r>
-            <a:r>
-              <a:rPr lang="en-US" sz="1100" noProof="0" dirty="0">
-                <a:solidFill>
-                  <a:srgbClr val="3C3C3C"/>
-                </a:solidFill>
-                <a:latin typeface="Raleway" panose="020B0503030101060003" pitchFamily="34" charset="0"/>
-              </a:rPr>
-              <a:t>	</a:t>
-            </a:r>
-          </a:p>
-        </p:txBody>
-      </p:sp>
-      <p:sp>
-        <p:nvSpPr>
-          <p:cNvPr id="22" name="Elipse 206">
-            <a:extLst>
-              <a:ext uri="{FF2B5EF4-FFF2-40B4-BE49-F238E27FC236}">
-                <a16:creationId xmlns:a16="http://schemas.microsoft.com/office/drawing/2014/main" id="{CCC51612-9CD7-50CF-119C-0C749537B99C}"/>
-              </a:ext>
-            </a:extLst>
-          </p:cNvPr>
-          <p:cNvSpPr/>
-          <p:nvPr/>
-        </p:nvSpPr>
-        <p:spPr>
-          <a:xfrm>
-            <a:off x="356502" y="6100547"/>
-            <a:ext cx="36000" cy="36000"/>
-          </a:xfrm>
-          <a:prstGeom prst="rect">
-            <a:avLst/>
-          </a:prstGeom>
-          <a:solidFill>
-            <a:srgbClr val="D6465F"/>
-          </a:solidFill>
-          <a:ln>
-            <a:noFill/>
-          </a:ln>
-        </p:spPr>
-        <p:style>
-          <a:lnRef idx="2">
-            <a:schemeClr val="accent1">
-              <a:shade val="50000"/>
-            </a:schemeClr>
-          </a:lnRef>
-          <a:fillRef idx="1">
-            <a:schemeClr val="accent1"/>
-          </a:fillRef>
-          <a:effectRef idx="0">
-            <a:schemeClr val="accent1"/>
-          </a:effectRef>
-          <a:fontRef idx="minor">
-            <a:schemeClr val="lt1"/>
-          </a:fontRef>
-        </p:style>
-        <p:txBody>
-          <a:bodyPr rtlCol="0" anchor="ctr"/>
-          <a:lstStyle/>
-          <a:p>
-            <a:pPr algn="ctr"/>
-            <a:endParaRPr lang="en-US" noProof="0" dirty="0"/>
-          </a:p>
-        </p:txBody>
-      </p:sp>
-      <p:cxnSp>
-        <p:nvCxnSpPr>
-          <p:cNvPr id="23" name="Conector recto 278">
-            <a:extLst>
-              <a:ext uri="{FF2B5EF4-FFF2-40B4-BE49-F238E27FC236}">
-                <a16:creationId xmlns:a16="http://schemas.microsoft.com/office/drawing/2014/main" id="{CEA8D708-9F30-A2F6-BFC7-719038F0CC84}"/>
-              </a:ext>
-            </a:extLst>
-          </p:cNvPr>
-          <p:cNvCxnSpPr>
-            <a:cxnSpLocks/>
-          </p:cNvCxnSpPr>
-          <p:nvPr/>
-        </p:nvCxnSpPr>
-        <p:spPr>
-          <a:xfrm>
-            <a:off x="374502" y="6184856"/>
-            <a:ext cx="0" cy="198000"/>
-          </a:xfrm>
-          <a:prstGeom prst="line">
-            <a:avLst/>
-          </a:prstGeom>
-          <a:ln>
-            <a:solidFill>
-              <a:srgbClr val="3C3C3C"/>
-            </a:solidFill>
-          </a:ln>
-        </p:spPr>
-        <p:style>
-          <a:lnRef idx="1">
-            <a:schemeClr val="accent1"/>
-          </a:lnRef>
-          <a:fillRef idx="0">
-            <a:schemeClr val="accent1"/>
-          </a:fillRef>
-          <a:effectRef idx="0">
-            <a:schemeClr val="accent1"/>
-          </a:effectRef>
-          <a:fontRef idx="minor">
-            <a:schemeClr val="tx1"/>
-          </a:fontRef>
-        </p:style>
-      </p:cxnSp>
-      <p:sp>
-        <p:nvSpPr>
-          <p:cNvPr id="24" name="Elipse 206">
-            <a:extLst>
-              <a:ext uri="{FF2B5EF4-FFF2-40B4-BE49-F238E27FC236}">
-                <a16:creationId xmlns:a16="http://schemas.microsoft.com/office/drawing/2014/main" id="{6B3D50D7-4489-DC05-3304-8F2A9DB36460}"/>
-              </a:ext>
-            </a:extLst>
-          </p:cNvPr>
-          <p:cNvSpPr/>
-          <p:nvPr/>
-        </p:nvSpPr>
-        <p:spPr>
-          <a:xfrm>
-            <a:off x="356502" y="6431165"/>
-            <a:ext cx="36000" cy="36000"/>
-          </a:xfrm>
-          <a:prstGeom prst="rect">
-            <a:avLst/>
-          </a:prstGeom>
-          <a:solidFill>
-            <a:srgbClr val="D6465F"/>
-          </a:solidFill>
-          <a:ln>
-            <a:noFill/>
-          </a:ln>
-        </p:spPr>
-        <p:style>
-          <a:lnRef idx="2">
-            <a:schemeClr val="accent1">
-              <a:shade val="50000"/>
-            </a:schemeClr>
-          </a:lnRef>
-          <a:fillRef idx="1">
-            <a:schemeClr val="accent1"/>
-          </a:fillRef>
-          <a:effectRef idx="0">
-            <a:schemeClr val="accent1"/>
-          </a:effectRef>
-          <a:fontRef idx="minor">
-            <a:schemeClr val="lt1"/>
-          </a:fontRef>
-        </p:style>
-        <p:txBody>
-          <a:bodyPr rtlCol="0" anchor="ctr"/>
-          <a:lstStyle/>
-          <a:p>
-            <a:pPr algn="ctr"/>
-            <a:endParaRPr lang="en-US" noProof="0" dirty="0"/>
-          </a:p>
-        </p:txBody>
-      </p:sp>
-      <p:sp>
-        <p:nvSpPr>
-          <p:cNvPr id="25" name="Rectángulo 185">
-            <a:extLst>
-              <a:ext uri="{FF2B5EF4-FFF2-40B4-BE49-F238E27FC236}">
-                <a16:creationId xmlns:a16="http://schemas.microsoft.com/office/drawing/2014/main" id="{184E19EF-601D-BB49-82CE-EC7E0A44B772}"/>
-              </a:ext>
-            </a:extLst>
-          </p:cNvPr>
-          <p:cNvSpPr/>
-          <p:nvPr/>
-        </p:nvSpPr>
-        <p:spPr>
-          <a:xfrm>
-            <a:off x="422952" y="7303820"/>
-            <a:ext cx="4016962" cy="369332"/>
-          </a:xfrm>
-          <a:prstGeom prst="rect">
-            <a:avLst/>
-          </a:prstGeom>
-        </p:spPr>
-        <p:txBody>
-          <a:bodyPr wrap="square">
-            <a:spAutoFit/>
-          </a:bodyPr>
-          <a:lstStyle/>
-          <a:p>
-            <a:r>
-              <a:rPr lang="en-US" sz="700" b="1" noProof="0" dirty="0">
-                <a:solidFill>
-                  <a:srgbClr val="383838"/>
-                </a:solidFill>
-                <a:latin typeface="Raleway" panose="020B0503030101060003" pitchFamily="34" charset="0"/>
-                <a:cs typeface="Arial" panose="020B0604020202020204" pitchFamily="34" charset="0"/>
-              </a:rPr>
-              <a:t>Logistics Data Analyst</a:t>
-            </a:r>
-          </a:p>
-          <a:p>
-            <a:r>
-              <a:rPr lang="en-GB" sz="600" noProof="0" dirty="0">
-                <a:solidFill>
-                  <a:srgbClr val="3C3C3C"/>
-                </a:solidFill>
-                <a:latin typeface="Raleway" panose="020B0503030101060003" pitchFamily="34" charset="0"/>
-              </a:rPr>
-              <a:t>Logistics support and shipment tracking</a:t>
-            </a:r>
-            <a:r>
-              <a:rPr lang="en-US" sz="600" noProof="0" dirty="0">
-                <a:solidFill>
-                  <a:srgbClr val="3C3C3C"/>
-                </a:solidFill>
-                <a:latin typeface="Raleway" panose="020B0503030101060003" pitchFamily="34" charset="0"/>
-              </a:rPr>
-              <a:t>,</a:t>
-            </a:r>
-            <a:r>
-              <a:rPr lang="en-US" sz="600" dirty="0">
-                <a:solidFill>
-                  <a:srgbClr val="3C3C3C"/>
-                </a:solidFill>
-                <a:latin typeface="Raleway" panose="020B0503030101060003" pitchFamily="34" charset="0"/>
-              </a:rPr>
-              <a:t> </a:t>
-            </a:r>
-            <a:r>
-              <a:rPr lang="en-US" sz="600" i="1" dirty="0">
-                <a:solidFill>
-                  <a:srgbClr val="3C3C3C"/>
-                </a:solidFill>
-                <a:latin typeface="Raleway" panose="020B0503030101060003" pitchFamily="34" charset="0"/>
-              </a:rPr>
-              <a:t>Shipping Department at HP Spain</a:t>
-            </a:r>
-            <a:r>
-              <a:rPr lang="en-US" sz="600" i="1" noProof="0" dirty="0">
-                <a:solidFill>
-                  <a:srgbClr val="3C3C3C"/>
-                </a:solidFill>
-                <a:latin typeface="Raleway" panose="020B0503030101060003" pitchFamily="34" charset="0"/>
-              </a:rPr>
-              <a:t>, Barcelona</a:t>
-            </a:r>
-            <a:r>
-              <a:rPr lang="en-US" sz="1100" noProof="0" dirty="0">
-                <a:solidFill>
-                  <a:srgbClr val="3C3C3C"/>
-                </a:solidFill>
-                <a:latin typeface="Raleway" panose="020B0503030101060003" pitchFamily="34" charset="0"/>
-              </a:rPr>
-              <a:t>	</a:t>
-            </a:r>
-          </a:p>
-        </p:txBody>
-      </p:sp>
-      <p:sp>
-        <p:nvSpPr>
-          <p:cNvPr id="28" name="Rectángulo 143">
-            <a:extLst>
-              <a:ext uri="{FF2B5EF4-FFF2-40B4-BE49-F238E27FC236}">
-                <a16:creationId xmlns:a16="http://schemas.microsoft.com/office/drawing/2014/main" id="{C45F848B-CA3F-A028-46A7-AF6EDC20CAC0}"/>
-              </a:ext>
-            </a:extLst>
-          </p:cNvPr>
-          <p:cNvSpPr/>
-          <p:nvPr/>
-        </p:nvSpPr>
-        <p:spPr>
-          <a:xfrm>
-            <a:off x="272956" y="6651274"/>
-            <a:ext cx="1569660" cy="307777"/>
-          </a:xfrm>
-          <a:prstGeom prst="rect">
-            <a:avLst/>
-          </a:prstGeom>
-        </p:spPr>
-        <p:txBody>
-          <a:bodyPr wrap="square">
-            <a:spAutoFit/>
-          </a:bodyPr>
-          <a:lstStyle/>
-          <a:p>
-            <a:r>
-              <a:rPr lang="en-US" sz="800" b="1" noProof="0" dirty="0">
-                <a:solidFill>
-                  <a:srgbClr val="3C3C3C"/>
-                </a:solidFill>
-                <a:latin typeface="Raleway" panose="020B0503030101060003" pitchFamily="34" charset="0"/>
-              </a:rPr>
-              <a:t>ISS FACILITY SERVICES S.A.</a:t>
-            </a:r>
-            <a:r>
-              <a:rPr lang="en-US" sz="1400" b="1" noProof="0" dirty="0">
-                <a:solidFill>
-                  <a:srgbClr val="3C3C3C"/>
-                </a:solidFill>
-                <a:latin typeface="Raleway" panose="020B0503030101060003" pitchFamily="34" charset="0"/>
-              </a:rPr>
-              <a:t>	</a:t>
-            </a:r>
-          </a:p>
-        </p:txBody>
-      </p:sp>
-      <p:sp>
-        <p:nvSpPr>
-          <p:cNvPr id="29" name="Rectángulo 207">
-            <a:extLst>
-              <a:ext uri="{FF2B5EF4-FFF2-40B4-BE49-F238E27FC236}">
-                <a16:creationId xmlns:a16="http://schemas.microsoft.com/office/drawing/2014/main" id="{474F93AD-3E76-56D2-57A9-3DF84C491EA5}"/>
-              </a:ext>
-            </a:extLst>
-          </p:cNvPr>
-          <p:cNvSpPr/>
-          <p:nvPr/>
-        </p:nvSpPr>
-        <p:spPr>
-          <a:xfrm>
-            <a:off x="1660044" y="6764731"/>
-            <a:ext cx="609077" cy="169277"/>
-          </a:xfrm>
-          <a:prstGeom prst="rect">
-            <a:avLst/>
-          </a:prstGeom>
-        </p:spPr>
-        <p:txBody>
-          <a:bodyPr wrap="square">
-            <a:spAutoFit/>
-          </a:bodyPr>
-          <a:lstStyle/>
-          <a:p>
-            <a:pPr algn="ctr"/>
-            <a:r>
-              <a:rPr lang="en-US" sz="500" b="1" noProof="0" dirty="0">
-                <a:solidFill>
-                  <a:srgbClr val="D6465F"/>
-                </a:solidFill>
-                <a:latin typeface="Raleway" panose="020B0503030101060003" pitchFamily="34" charset="0"/>
-              </a:rPr>
-              <a:t>2016 -2020</a:t>
-            </a:r>
-          </a:p>
-        </p:txBody>
-      </p:sp>
-      <p:sp>
-        <p:nvSpPr>
-          <p:cNvPr id="30" name="Rectángulo 185">
-            <a:extLst>
-              <a:ext uri="{FF2B5EF4-FFF2-40B4-BE49-F238E27FC236}">
-                <a16:creationId xmlns:a16="http://schemas.microsoft.com/office/drawing/2014/main" id="{B67C0955-14AA-61E2-2C7D-4CA522A34D0C}"/>
-              </a:ext>
-            </a:extLst>
-          </p:cNvPr>
-          <p:cNvSpPr/>
-          <p:nvPr/>
-        </p:nvSpPr>
-        <p:spPr>
-          <a:xfrm>
-            <a:off x="414686" y="6954137"/>
-            <a:ext cx="3429000" cy="369332"/>
-          </a:xfrm>
-          <a:prstGeom prst="rect">
-            <a:avLst/>
-          </a:prstGeom>
-        </p:spPr>
-        <p:txBody>
-          <a:bodyPr wrap="square">
-            <a:spAutoFit/>
-          </a:bodyPr>
-          <a:lstStyle/>
-          <a:p>
-            <a:r>
-              <a:rPr lang="en-US" sz="700" b="1" noProof="0" dirty="0">
-                <a:solidFill>
-                  <a:srgbClr val="383838"/>
-                </a:solidFill>
-                <a:latin typeface="Raleway" panose="020B0503030101060003" pitchFamily="34" charset="0"/>
-                <a:cs typeface="Arial" panose="020B0604020202020204" pitchFamily="34" charset="0"/>
-              </a:rPr>
-              <a:t>Business Solutions Data Analyst</a:t>
-            </a:r>
-            <a:endParaRPr lang="en-US" sz="700" b="1" dirty="0">
-              <a:solidFill>
-                <a:srgbClr val="383838"/>
-              </a:solidFill>
-              <a:latin typeface="Raleway" panose="020B0503030101060003" pitchFamily="34" charset="0"/>
-              <a:cs typeface="Arial" panose="020B0604020202020204" pitchFamily="34" charset="0"/>
-            </a:endParaRPr>
-          </a:p>
-          <a:p>
-            <a:r>
-              <a:rPr lang="en-GB" sz="600" noProof="0" dirty="0">
-                <a:solidFill>
-                  <a:srgbClr val="3C3C3C"/>
-                </a:solidFill>
-                <a:latin typeface="Raleway" panose="020B0503030101060003" pitchFamily="34" charset="0"/>
-              </a:rPr>
-              <a:t>BI solutions for process optimization.</a:t>
-            </a:r>
-            <a:r>
-              <a:rPr lang="en-US" sz="600" noProof="0" dirty="0">
-                <a:solidFill>
-                  <a:srgbClr val="3C3C3C"/>
-                </a:solidFill>
-                <a:latin typeface="Raleway" panose="020B0503030101060003" pitchFamily="34" charset="0"/>
-              </a:rPr>
-              <a:t> </a:t>
-            </a:r>
-            <a:r>
-              <a:rPr lang="en-US" sz="600" i="1" noProof="0" dirty="0">
-                <a:solidFill>
-                  <a:srgbClr val="3C3C3C"/>
-                </a:solidFill>
-                <a:latin typeface="Raleway" panose="020B0503030101060003" pitchFamily="34" charset="0"/>
-              </a:rPr>
-              <a:t>Excellence Service Department, Barcelona</a:t>
-            </a:r>
-            <a:r>
-              <a:rPr lang="en-US" sz="1100" noProof="0" dirty="0">
-                <a:solidFill>
-                  <a:srgbClr val="3C3C3C"/>
-                </a:solidFill>
-                <a:latin typeface="Raleway" panose="020B0503030101060003" pitchFamily="34" charset="0"/>
-              </a:rPr>
-              <a:t>	</a:t>
-            </a:r>
-          </a:p>
-        </p:txBody>
-      </p:sp>
-      <p:sp>
-        <p:nvSpPr>
-          <p:cNvPr id="31" name="Rectángulo 204">
-            <a:extLst>
-              <a:ext uri="{FF2B5EF4-FFF2-40B4-BE49-F238E27FC236}">
-                <a16:creationId xmlns:a16="http://schemas.microsoft.com/office/drawing/2014/main" id="{9E70EDB0-45DE-175D-9D62-4AA13DE8FCA2}"/>
-              </a:ext>
-            </a:extLst>
-          </p:cNvPr>
-          <p:cNvSpPr/>
-          <p:nvPr/>
-        </p:nvSpPr>
-        <p:spPr>
-          <a:xfrm>
-            <a:off x="420541" y="8886008"/>
-            <a:ext cx="2668099" cy="353943"/>
-          </a:xfrm>
-          <a:prstGeom prst="rect">
-            <a:avLst/>
-          </a:prstGeom>
-        </p:spPr>
-        <p:txBody>
-          <a:bodyPr wrap="square">
-            <a:spAutoFit/>
-          </a:bodyPr>
-          <a:lstStyle/>
-          <a:p>
-            <a:r>
-              <a:rPr lang="en-US" sz="700" noProof="0" dirty="0">
-                <a:solidFill>
-                  <a:srgbClr val="3C3C3C"/>
-                </a:solidFill>
-                <a:latin typeface="Raleway" panose="020B0503030101060003" pitchFamily="34" charset="0"/>
-                <a:cs typeface="Arial" panose="020B0604020202020204" pitchFamily="34" charset="0"/>
-              </a:rPr>
-              <a:t> </a:t>
-            </a:r>
-            <a:r>
-              <a:rPr lang="en-US" sz="700" b="1" noProof="0" dirty="0">
-                <a:solidFill>
-                  <a:srgbClr val="3C3C3C"/>
-                </a:solidFill>
-                <a:latin typeface="Raleway" panose="020B0503030101060003" pitchFamily="34" charset="0"/>
-                <a:cs typeface="Arial" panose="020B0604020202020204" pitchFamily="34" charset="0"/>
-              </a:rPr>
-              <a:t>Administrative</a:t>
-            </a:r>
-          </a:p>
-          <a:p>
-            <a:endParaRPr lang="en-US" sz="300" b="1" dirty="0">
-              <a:solidFill>
-                <a:srgbClr val="3C3C3C"/>
-              </a:solidFill>
-              <a:latin typeface="Raleway" panose="020B0503030101060003" pitchFamily="34" charset="0"/>
-              <a:cs typeface="Arial" panose="020B0604020202020204" pitchFamily="34" charset="0"/>
-            </a:endParaRPr>
-          </a:p>
-          <a:p>
-            <a:r>
-              <a:rPr lang="en-US" sz="600" noProof="0" dirty="0">
-                <a:solidFill>
-                  <a:srgbClr val="3C3C3C"/>
-                </a:solidFill>
-                <a:latin typeface="Raleway" panose="020B0503030101060003" pitchFamily="34" charset="0"/>
-              </a:rPr>
-              <a:t> Controller &amp; budgeting, </a:t>
-            </a:r>
-            <a:r>
-              <a:rPr lang="en-US" sz="600" i="1" noProof="0" dirty="0">
-                <a:solidFill>
-                  <a:srgbClr val="3C3C3C"/>
-                </a:solidFill>
-                <a:latin typeface="Raleway" panose="020B0503030101060003" pitchFamily="34" charset="0"/>
-              </a:rPr>
-              <a:t>L&amp;D Department, Bs. As</a:t>
-            </a:r>
-            <a:r>
-              <a:rPr lang="en-US" sz="700" i="1" noProof="0" dirty="0">
-                <a:solidFill>
-                  <a:srgbClr val="3C3C3C"/>
-                </a:solidFill>
-                <a:latin typeface="Raleway" panose="020B0503030101060003" pitchFamily="34" charset="0"/>
-              </a:rPr>
-              <a:t>.</a:t>
-            </a:r>
-            <a:endParaRPr lang="en-US" sz="800" i="1" noProof="0" dirty="0">
-              <a:solidFill>
-                <a:srgbClr val="3C3C3C"/>
-              </a:solidFill>
-              <a:latin typeface="Raleway" panose="020B0503030101060003" pitchFamily="34" charset="0"/>
-              <a:cs typeface="Arial" panose="020B0604020202020204" pitchFamily="34" charset="0"/>
-            </a:endParaRPr>
-          </a:p>
-        </p:txBody>
-      </p:sp>
-      <p:sp>
-        <p:nvSpPr>
-          <p:cNvPr id="32" name="Rectángulo 209">
-            <a:extLst>
-              <a:ext uri="{FF2B5EF4-FFF2-40B4-BE49-F238E27FC236}">
-                <a16:creationId xmlns:a16="http://schemas.microsoft.com/office/drawing/2014/main" id="{A96E1719-AEBB-3C30-1D56-6A4D35A8A3DC}"/>
-              </a:ext>
-            </a:extLst>
-          </p:cNvPr>
-          <p:cNvSpPr/>
-          <p:nvPr/>
-        </p:nvSpPr>
-        <p:spPr>
-          <a:xfrm>
-            <a:off x="414686" y="9205387"/>
-            <a:ext cx="2671698" cy="338554"/>
-          </a:xfrm>
-          <a:prstGeom prst="rect">
-            <a:avLst/>
-          </a:prstGeom>
-        </p:spPr>
-        <p:txBody>
-          <a:bodyPr wrap="square">
-            <a:spAutoFit/>
-          </a:bodyPr>
-          <a:lstStyle/>
-          <a:p>
-            <a:r>
-              <a:rPr lang="en-US" sz="700" noProof="0" dirty="0">
-                <a:solidFill>
-                  <a:srgbClr val="3C3C3C"/>
-                </a:solidFill>
-                <a:latin typeface="Raleway" panose="020B0503030101060003" pitchFamily="34" charset="0"/>
-                <a:cs typeface="Arial" panose="020B0604020202020204" pitchFamily="34" charset="0"/>
-              </a:rPr>
-              <a:t> </a:t>
-            </a:r>
-            <a:r>
-              <a:rPr lang="en-US" sz="700" b="1" noProof="0" dirty="0">
-                <a:solidFill>
-                  <a:srgbClr val="3C3C3C"/>
-                </a:solidFill>
-                <a:latin typeface="Raleway" panose="020B0503030101060003" pitchFamily="34" charset="0"/>
-                <a:cs typeface="Arial" panose="020B0604020202020204" pitchFamily="34" charset="0"/>
-              </a:rPr>
-              <a:t>Student Internship</a:t>
-            </a:r>
-          </a:p>
-          <a:p>
-            <a:endParaRPr lang="en-US" sz="300" b="1" dirty="0">
-              <a:solidFill>
-                <a:srgbClr val="3C3C3C"/>
-              </a:solidFill>
-              <a:latin typeface="Raleway" panose="020B0503030101060003" pitchFamily="34" charset="0"/>
-              <a:cs typeface="Arial" panose="020B0604020202020204" pitchFamily="34" charset="0"/>
-            </a:endParaRPr>
-          </a:p>
-          <a:p>
-            <a:r>
-              <a:rPr lang="en-US" sz="600" b="1" noProof="0" dirty="0">
-                <a:solidFill>
-                  <a:srgbClr val="3C3C3C"/>
-                </a:solidFill>
-                <a:latin typeface="Raleway" panose="020B0503030101060003" pitchFamily="34" charset="0"/>
-                <a:cs typeface="Arial" panose="020B0604020202020204" pitchFamily="34" charset="0"/>
-              </a:rPr>
-              <a:t> </a:t>
-            </a:r>
-            <a:r>
-              <a:rPr lang="en-US" sz="600" i="1" noProof="0" dirty="0">
-                <a:solidFill>
-                  <a:srgbClr val="3C3C3C"/>
-                </a:solidFill>
-                <a:latin typeface="Raleway" panose="020B0503030101060003" pitchFamily="34" charset="0"/>
-              </a:rPr>
-              <a:t>Customer Service Division, Bs. As.</a:t>
-            </a:r>
-            <a:endParaRPr lang="en-US" sz="600" i="1" noProof="0" dirty="0">
-              <a:solidFill>
-                <a:srgbClr val="3C3C3C"/>
-              </a:solidFill>
-              <a:latin typeface="Raleway" panose="020B0503030101060003" pitchFamily="34" charset="0"/>
-              <a:cs typeface="Arial" panose="020B0604020202020204" pitchFamily="34" charset="0"/>
-            </a:endParaRPr>
-          </a:p>
-        </p:txBody>
-      </p:sp>
-      <p:grpSp>
-        <p:nvGrpSpPr>
-          <p:cNvPr id="33" name="Group 32">
-            <a:extLst>
-              <a:ext uri="{FF2B5EF4-FFF2-40B4-BE49-F238E27FC236}">
-                <a16:creationId xmlns:a16="http://schemas.microsoft.com/office/drawing/2014/main" id="{76C47061-F20F-E4AC-C802-04F33F47FD14}"/>
-              </a:ext>
-            </a:extLst>
-          </p:cNvPr>
-          <p:cNvGrpSpPr/>
-          <p:nvPr/>
-        </p:nvGrpSpPr>
-        <p:grpSpPr>
-          <a:xfrm>
-            <a:off x="272956" y="8577278"/>
-            <a:ext cx="1923533" cy="307777"/>
-            <a:chOff x="412928" y="9116731"/>
-            <a:chExt cx="1923533" cy="307777"/>
-          </a:xfrm>
-        </p:grpSpPr>
-        <p:sp>
-          <p:nvSpPr>
-            <p:cNvPr id="104" name="Rectángulo 213">
-              <a:extLst>
-                <a:ext uri="{FF2B5EF4-FFF2-40B4-BE49-F238E27FC236}">
-                  <a16:creationId xmlns:a16="http://schemas.microsoft.com/office/drawing/2014/main" id="{C1E04AAB-B203-7C7B-99FD-D9D4E4B7FBB2}"/>
-                </a:ext>
-              </a:extLst>
-            </p:cNvPr>
-            <p:cNvSpPr/>
-            <p:nvPr/>
-          </p:nvSpPr>
-          <p:spPr>
-            <a:xfrm>
-              <a:off x="1652461" y="9223055"/>
-              <a:ext cx="684000" cy="169277"/>
-            </a:xfrm>
-            <a:prstGeom prst="rect">
-              <a:avLst/>
-            </a:prstGeom>
-          </p:spPr>
-          <p:txBody>
-            <a:bodyPr wrap="square">
-              <a:spAutoFit/>
-            </a:bodyPr>
-            <a:lstStyle/>
-            <a:p>
-              <a:pPr algn="ctr"/>
-              <a:r>
-                <a:rPr lang="en-US" sz="500" b="1" noProof="0" dirty="0">
-                  <a:solidFill>
-                    <a:srgbClr val="D6465F"/>
-                  </a:solidFill>
-                  <a:latin typeface="Raleway" panose="020B0503030101060003" pitchFamily="34" charset="0"/>
-                </a:rPr>
-                <a:t>2004 - 2007</a:t>
-              </a:r>
-            </a:p>
-          </p:txBody>
-        </p:sp>
-        <p:sp>
-          <p:nvSpPr>
-            <p:cNvPr id="105" name="Rectángulo 145">
-              <a:extLst>
-                <a:ext uri="{FF2B5EF4-FFF2-40B4-BE49-F238E27FC236}">
-                  <a16:creationId xmlns:a16="http://schemas.microsoft.com/office/drawing/2014/main" id="{5F839647-0E42-CD15-A2B5-A963F2B15AA7}"/>
-                </a:ext>
-              </a:extLst>
-            </p:cNvPr>
-            <p:cNvSpPr/>
-            <p:nvPr/>
-          </p:nvSpPr>
-          <p:spPr>
-            <a:xfrm>
-              <a:off x="412928" y="9116731"/>
-              <a:ext cx="1569660" cy="307777"/>
-            </a:xfrm>
-            <a:prstGeom prst="rect">
-              <a:avLst/>
-            </a:prstGeom>
-          </p:spPr>
-          <p:txBody>
-            <a:bodyPr wrap="none">
-              <a:spAutoFit/>
-            </a:bodyPr>
-            <a:lstStyle/>
-            <a:p>
-              <a:r>
-                <a:rPr lang="en-US" sz="800" b="1" noProof="0" dirty="0">
-                  <a:solidFill>
-                    <a:srgbClr val="3C3C3C"/>
-                  </a:solidFill>
-                  <a:latin typeface="Raleway" panose="020B0503030101060003" pitchFamily="34" charset="0"/>
-                </a:rPr>
-                <a:t>FORD ARGENTINA S.C.A.</a:t>
-              </a:r>
-              <a:r>
-                <a:rPr lang="en-US" sz="1400" noProof="0" dirty="0">
-                  <a:solidFill>
-                    <a:srgbClr val="3C3C3C"/>
-                  </a:solidFill>
-                  <a:latin typeface="Raleway" panose="020B0503030101060003" pitchFamily="34" charset="0"/>
-                </a:rPr>
-                <a:t>	</a:t>
-              </a:r>
-            </a:p>
-          </p:txBody>
-        </p:sp>
-      </p:grpSp>
-      <p:sp>
-        <p:nvSpPr>
-          <p:cNvPr id="40" name="Rectángulo 195">
-            <a:extLst>
-              <a:ext uri="{FF2B5EF4-FFF2-40B4-BE49-F238E27FC236}">
-                <a16:creationId xmlns:a16="http://schemas.microsoft.com/office/drawing/2014/main" id="{522B5F73-4DBC-F9B2-6F74-680386819098}"/>
-              </a:ext>
-            </a:extLst>
-          </p:cNvPr>
-          <p:cNvSpPr/>
-          <p:nvPr/>
-        </p:nvSpPr>
-        <p:spPr>
-          <a:xfrm>
-            <a:off x="410116" y="7880344"/>
-            <a:ext cx="2901284" cy="261610"/>
-          </a:xfrm>
-          <a:prstGeom prst="rect">
-            <a:avLst/>
-          </a:prstGeom>
-        </p:spPr>
-        <p:txBody>
-          <a:bodyPr wrap="square">
-            <a:spAutoFit/>
-          </a:bodyPr>
-          <a:lstStyle/>
-          <a:p>
-            <a:r>
-              <a:rPr lang="en-US" sz="1100" noProof="0" dirty="0">
-                <a:solidFill>
-                  <a:srgbClr val="3C3C3C"/>
-                </a:solidFill>
-                <a:latin typeface="Raleway" panose="020B0503030101060003" pitchFamily="34" charset="0"/>
-              </a:rPr>
-              <a:t>	</a:t>
-            </a:r>
-          </a:p>
-        </p:txBody>
-      </p:sp>
-      <p:sp>
-        <p:nvSpPr>
-          <p:cNvPr id="41" name="Rectángulo 208">
-            <a:extLst>
-              <a:ext uri="{FF2B5EF4-FFF2-40B4-BE49-F238E27FC236}">
-                <a16:creationId xmlns:a16="http://schemas.microsoft.com/office/drawing/2014/main" id="{64D4AA2C-35D3-2515-B2D5-E68EC003B729}"/>
-              </a:ext>
-            </a:extLst>
-          </p:cNvPr>
-          <p:cNvSpPr/>
-          <p:nvPr/>
-        </p:nvSpPr>
-        <p:spPr>
-          <a:xfrm>
-            <a:off x="2945061" y="7725892"/>
-            <a:ext cx="684000" cy="169277"/>
-          </a:xfrm>
-          <a:prstGeom prst="rect">
-            <a:avLst/>
-          </a:prstGeom>
-        </p:spPr>
-        <p:txBody>
-          <a:bodyPr wrap="square">
-            <a:spAutoFit/>
-          </a:bodyPr>
-          <a:lstStyle/>
-          <a:p>
-            <a:pPr algn="ctr"/>
-            <a:r>
-              <a:rPr lang="en-US" sz="500" b="1" noProof="0" dirty="0">
-                <a:solidFill>
-                  <a:srgbClr val="D6465F"/>
-                </a:solidFill>
-                <a:latin typeface="Raleway" panose="020B0503030101060003" pitchFamily="34" charset="0"/>
-              </a:rPr>
-              <a:t>2008 - 2014</a:t>
-            </a:r>
-          </a:p>
-        </p:txBody>
-      </p:sp>
-      <p:sp>
-        <p:nvSpPr>
-          <p:cNvPr id="42" name="Rectángulo 144">
-            <a:extLst>
-              <a:ext uri="{FF2B5EF4-FFF2-40B4-BE49-F238E27FC236}">
-                <a16:creationId xmlns:a16="http://schemas.microsoft.com/office/drawing/2014/main" id="{6F2BFF5E-4398-0127-A4F6-3B9E0998794A}"/>
-              </a:ext>
-            </a:extLst>
-          </p:cNvPr>
-          <p:cNvSpPr/>
-          <p:nvPr/>
-        </p:nvSpPr>
-        <p:spPr>
-          <a:xfrm>
-            <a:off x="272956" y="7620829"/>
-            <a:ext cx="2954655" cy="307777"/>
-          </a:xfrm>
-          <a:prstGeom prst="rect">
-            <a:avLst/>
-          </a:prstGeom>
-        </p:spPr>
-        <p:txBody>
-          <a:bodyPr wrap="none">
-            <a:spAutoFit/>
-          </a:bodyPr>
-          <a:lstStyle/>
-          <a:p>
-            <a:r>
-              <a:rPr lang="en-US" sz="800" b="1" noProof="0" dirty="0">
-                <a:solidFill>
-                  <a:srgbClr val="3C3C3C"/>
-                </a:solidFill>
-                <a:latin typeface="Raleway" panose="020B0503030101060003" pitchFamily="34" charset="0"/>
-              </a:rPr>
-              <a:t>GRUPO CARGO S.A at VOLKSWAGEN ARGENTINA  S.A</a:t>
-            </a:r>
-            <a:r>
-              <a:rPr lang="en-US" sz="1400" noProof="0" dirty="0">
-                <a:solidFill>
-                  <a:srgbClr val="3C3C3C"/>
-                </a:solidFill>
-                <a:latin typeface="Raleway" panose="020B0503030101060003" pitchFamily="34" charset="0"/>
-              </a:rPr>
-              <a:t>	</a:t>
-            </a:r>
-          </a:p>
-        </p:txBody>
-      </p:sp>
-      <p:sp>
-        <p:nvSpPr>
-          <p:cNvPr id="43" name="Rectángulo 185">
-            <a:extLst>
-              <a:ext uri="{FF2B5EF4-FFF2-40B4-BE49-F238E27FC236}">
-                <a16:creationId xmlns:a16="http://schemas.microsoft.com/office/drawing/2014/main" id="{612D4462-BAED-573C-68F9-8EFEDF1C2980}"/>
-              </a:ext>
-            </a:extLst>
-          </p:cNvPr>
-          <p:cNvSpPr/>
-          <p:nvPr/>
-        </p:nvSpPr>
-        <p:spPr>
-          <a:xfrm>
-            <a:off x="418848" y="7929045"/>
-            <a:ext cx="4016957" cy="369332"/>
-          </a:xfrm>
-          <a:prstGeom prst="rect">
-            <a:avLst/>
-          </a:prstGeom>
-        </p:spPr>
-        <p:txBody>
-          <a:bodyPr wrap="square">
-            <a:spAutoFit/>
-          </a:bodyPr>
-          <a:lstStyle/>
-          <a:p>
-            <a:r>
-              <a:rPr lang="en-US" sz="700" b="1" noProof="0" dirty="0">
-                <a:solidFill>
-                  <a:srgbClr val="383838"/>
-                </a:solidFill>
-                <a:latin typeface="Raleway" panose="020B0503030101060003" pitchFamily="34" charset="0"/>
-                <a:cs typeface="Arial" panose="020B0604020202020204" pitchFamily="34" charset="0"/>
-              </a:rPr>
-              <a:t>Quality Assurance (QA) Specialist</a:t>
-            </a:r>
-          </a:p>
-          <a:p>
-            <a:r>
-              <a:rPr lang="en-GB" sz="600" noProof="0" dirty="0">
-                <a:solidFill>
-                  <a:srgbClr val="3C3C3C"/>
-                </a:solidFill>
-                <a:latin typeface="Raleway" panose="020B0503030101060003" pitchFamily="34" charset="0"/>
-              </a:rPr>
-              <a:t>Quality monitoring and compliance using ISO standards</a:t>
-            </a:r>
-            <a:r>
-              <a:rPr lang="en-US" sz="600" noProof="0" dirty="0">
-                <a:solidFill>
-                  <a:srgbClr val="3C3C3C"/>
-                </a:solidFill>
-                <a:latin typeface="Raleway" panose="020B0503030101060003" pitchFamily="34" charset="0"/>
-              </a:rPr>
-              <a:t>, </a:t>
-            </a:r>
-            <a:r>
-              <a:rPr lang="en-US" sz="600" i="1" noProof="0" dirty="0">
-                <a:solidFill>
-                  <a:srgbClr val="3C3C3C"/>
-                </a:solidFill>
-                <a:latin typeface="Raleway" panose="020B0503030101060003" pitchFamily="34" charset="0"/>
-              </a:rPr>
-              <a:t>JIT Department, Bs. As.</a:t>
-            </a:r>
-            <a:r>
-              <a:rPr lang="en-US" sz="1100" i="1" noProof="0" dirty="0">
-                <a:solidFill>
-                  <a:srgbClr val="3C3C3C"/>
-                </a:solidFill>
-                <a:latin typeface="Raleway" panose="020B0503030101060003" pitchFamily="34" charset="0"/>
-              </a:rPr>
-              <a:t>	</a:t>
-            </a:r>
-          </a:p>
-        </p:txBody>
-      </p:sp>
-      <p:sp>
-        <p:nvSpPr>
-          <p:cNvPr id="44" name="Rectángulo 185">
-            <a:extLst>
-              <a:ext uri="{FF2B5EF4-FFF2-40B4-BE49-F238E27FC236}">
-                <a16:creationId xmlns:a16="http://schemas.microsoft.com/office/drawing/2014/main" id="{61D66B20-DF6E-38C8-7ECA-C02F2E591D1D}"/>
-              </a:ext>
-            </a:extLst>
-          </p:cNvPr>
-          <p:cNvSpPr/>
-          <p:nvPr/>
-        </p:nvSpPr>
-        <p:spPr>
-          <a:xfrm>
-            <a:off x="425801" y="8267512"/>
-            <a:ext cx="3429000" cy="369332"/>
-          </a:xfrm>
-          <a:prstGeom prst="rect">
-            <a:avLst/>
-          </a:prstGeom>
-        </p:spPr>
-        <p:txBody>
-          <a:bodyPr wrap="square">
-            <a:spAutoFit/>
-          </a:bodyPr>
-          <a:lstStyle/>
-          <a:p>
-            <a:r>
-              <a:rPr lang="en-US" sz="700" b="1" noProof="0" dirty="0">
-                <a:solidFill>
-                  <a:srgbClr val="383838"/>
-                </a:solidFill>
-                <a:latin typeface="Raleway" panose="020B0503030101060003" pitchFamily="34" charset="0"/>
-                <a:cs typeface="Arial" panose="020B0604020202020204" pitchFamily="34" charset="0"/>
-              </a:rPr>
-              <a:t>Logistics Analyst</a:t>
-            </a:r>
-          </a:p>
-          <a:p>
-            <a:r>
-              <a:rPr lang="en-US" sz="600" noProof="0" dirty="0">
-                <a:solidFill>
-                  <a:srgbClr val="3C3C3C"/>
-                </a:solidFill>
-                <a:latin typeface="Raleway" panose="020B0503030101060003" pitchFamily="34" charset="0"/>
-              </a:rPr>
-              <a:t>Logistics analysis and Supply Chain Management. </a:t>
-            </a:r>
-            <a:r>
-              <a:rPr lang="en-US" sz="600" i="1" noProof="0" dirty="0">
-                <a:solidFill>
-                  <a:srgbClr val="3C3C3C"/>
-                </a:solidFill>
-                <a:latin typeface="Raleway" panose="020B0503030101060003" pitchFamily="34" charset="0"/>
-              </a:rPr>
-              <a:t>Milkrun &amp; Kanban Department, Bs. As.</a:t>
-            </a:r>
-            <a:r>
-              <a:rPr lang="en-US" sz="1100" noProof="0" dirty="0">
-                <a:solidFill>
-                  <a:srgbClr val="3C3C3C"/>
-                </a:solidFill>
-                <a:latin typeface="Raleway" panose="020B0503030101060003" pitchFamily="34" charset="0"/>
-              </a:rPr>
-              <a:t>	</a:t>
-            </a:r>
-          </a:p>
-        </p:txBody>
-      </p:sp>
-      <p:sp>
-        <p:nvSpPr>
-          <p:cNvPr id="47" name="Elipse 206">
-            <a:extLst>
-              <a:ext uri="{FF2B5EF4-FFF2-40B4-BE49-F238E27FC236}">
-                <a16:creationId xmlns:a16="http://schemas.microsoft.com/office/drawing/2014/main" id="{46D1BC41-EBA2-DEF7-2492-B562E7F1E802}"/>
-              </a:ext>
-            </a:extLst>
-          </p:cNvPr>
-          <p:cNvSpPr/>
-          <p:nvPr/>
-        </p:nvSpPr>
-        <p:spPr>
-          <a:xfrm>
-            <a:off x="356502" y="7031673"/>
-            <a:ext cx="36000" cy="36000"/>
-          </a:xfrm>
-          <a:prstGeom prst="rect">
-            <a:avLst/>
-          </a:prstGeom>
-          <a:solidFill>
-            <a:srgbClr val="D6465F"/>
-          </a:solidFill>
-          <a:ln>
-            <a:noFill/>
-          </a:ln>
-        </p:spPr>
-        <p:style>
-          <a:lnRef idx="2">
-            <a:schemeClr val="accent1">
-              <a:shade val="50000"/>
-            </a:schemeClr>
-          </a:lnRef>
-          <a:fillRef idx="1">
-            <a:schemeClr val="accent1"/>
-          </a:fillRef>
-          <a:effectRef idx="0">
-            <a:schemeClr val="accent1"/>
-          </a:effectRef>
-          <a:fontRef idx="minor">
-            <a:schemeClr val="lt1"/>
-          </a:fontRef>
-        </p:style>
-        <p:txBody>
-          <a:bodyPr rtlCol="0" anchor="ctr"/>
-          <a:lstStyle/>
-          <a:p>
-            <a:pPr algn="ctr"/>
-            <a:endParaRPr lang="en-US" noProof="0" dirty="0"/>
-          </a:p>
-        </p:txBody>
-      </p:sp>
-      <p:cxnSp>
-        <p:nvCxnSpPr>
-          <p:cNvPr id="48" name="Conector recto 278">
-            <a:extLst>
-              <a:ext uri="{FF2B5EF4-FFF2-40B4-BE49-F238E27FC236}">
-                <a16:creationId xmlns:a16="http://schemas.microsoft.com/office/drawing/2014/main" id="{B40FDF62-A390-A9BD-D1E9-6DAD19C4AFFD}"/>
-              </a:ext>
-            </a:extLst>
-          </p:cNvPr>
-          <p:cNvCxnSpPr>
-            <a:cxnSpLocks/>
-          </p:cNvCxnSpPr>
-          <p:nvPr/>
-        </p:nvCxnSpPr>
-        <p:spPr>
-          <a:xfrm>
-            <a:off x="374502" y="7115982"/>
-            <a:ext cx="0" cy="198000"/>
-          </a:xfrm>
-          <a:prstGeom prst="line">
-            <a:avLst/>
-          </a:prstGeom>
-          <a:ln>
-            <a:solidFill>
-              <a:srgbClr val="3C3C3C"/>
-            </a:solidFill>
-          </a:ln>
-        </p:spPr>
-        <p:style>
-          <a:lnRef idx="1">
-            <a:schemeClr val="accent1"/>
-          </a:lnRef>
-          <a:fillRef idx="0">
-            <a:schemeClr val="accent1"/>
-          </a:fillRef>
-          <a:effectRef idx="0">
-            <a:schemeClr val="accent1"/>
-          </a:effectRef>
-          <a:fontRef idx="minor">
-            <a:schemeClr val="tx1"/>
-          </a:fontRef>
-        </p:style>
-      </p:cxnSp>
-      <p:sp>
-        <p:nvSpPr>
-          <p:cNvPr id="49" name="Elipse 206">
-            <a:extLst>
-              <a:ext uri="{FF2B5EF4-FFF2-40B4-BE49-F238E27FC236}">
-                <a16:creationId xmlns:a16="http://schemas.microsoft.com/office/drawing/2014/main" id="{A851B2EF-471E-C2A1-F1C8-BBB0AF4F5421}"/>
-              </a:ext>
-            </a:extLst>
-          </p:cNvPr>
-          <p:cNvSpPr/>
-          <p:nvPr/>
-        </p:nvSpPr>
-        <p:spPr>
-          <a:xfrm>
-            <a:off x="356502" y="7362291"/>
-            <a:ext cx="36000" cy="36000"/>
-          </a:xfrm>
-          <a:prstGeom prst="rect">
-            <a:avLst/>
-          </a:prstGeom>
-          <a:solidFill>
-            <a:srgbClr val="D6465F"/>
-          </a:solidFill>
-          <a:ln>
-            <a:noFill/>
-          </a:ln>
-        </p:spPr>
-        <p:style>
-          <a:lnRef idx="2">
-            <a:schemeClr val="accent1">
-              <a:shade val="50000"/>
-            </a:schemeClr>
-          </a:lnRef>
-          <a:fillRef idx="1">
-            <a:schemeClr val="accent1"/>
-          </a:fillRef>
-          <a:effectRef idx="0">
-            <a:schemeClr val="accent1"/>
-          </a:effectRef>
-          <a:fontRef idx="minor">
-            <a:schemeClr val="lt1"/>
-          </a:fontRef>
-        </p:style>
-        <p:txBody>
-          <a:bodyPr rtlCol="0" anchor="ctr"/>
-          <a:lstStyle/>
-          <a:p>
-            <a:pPr algn="ctr"/>
-            <a:endParaRPr lang="en-US" noProof="0" dirty="0"/>
-          </a:p>
-        </p:txBody>
-      </p:sp>
-      <p:sp>
-        <p:nvSpPr>
-          <p:cNvPr id="50" name="Elipse 206">
-            <a:extLst>
-              <a:ext uri="{FF2B5EF4-FFF2-40B4-BE49-F238E27FC236}">
-                <a16:creationId xmlns:a16="http://schemas.microsoft.com/office/drawing/2014/main" id="{EFF2A123-7337-1101-688F-807655A4DDFB}"/>
-              </a:ext>
-            </a:extLst>
-          </p:cNvPr>
-          <p:cNvSpPr/>
-          <p:nvPr/>
-        </p:nvSpPr>
-        <p:spPr>
-          <a:xfrm>
-            <a:off x="356502" y="8004150"/>
-            <a:ext cx="36000" cy="36000"/>
-          </a:xfrm>
-          <a:prstGeom prst="rect">
-            <a:avLst/>
-          </a:prstGeom>
-          <a:solidFill>
-            <a:srgbClr val="D6465F"/>
-          </a:solidFill>
-          <a:ln>
-            <a:noFill/>
-          </a:ln>
-        </p:spPr>
-        <p:style>
-          <a:lnRef idx="2">
-            <a:schemeClr val="accent1">
-              <a:shade val="50000"/>
-            </a:schemeClr>
-          </a:lnRef>
-          <a:fillRef idx="1">
-            <a:schemeClr val="accent1"/>
-          </a:fillRef>
-          <a:effectRef idx="0">
-            <a:schemeClr val="accent1"/>
-          </a:effectRef>
-          <a:fontRef idx="minor">
-            <a:schemeClr val="lt1"/>
-          </a:fontRef>
-        </p:style>
-        <p:txBody>
-          <a:bodyPr rtlCol="0" anchor="ctr"/>
-          <a:lstStyle/>
-          <a:p>
-            <a:pPr algn="ctr"/>
-            <a:endParaRPr lang="en-US" noProof="0" dirty="0"/>
-          </a:p>
-        </p:txBody>
-      </p:sp>
-      <p:cxnSp>
-        <p:nvCxnSpPr>
-          <p:cNvPr id="56" name="Conector recto 278">
-            <a:extLst>
-              <a:ext uri="{FF2B5EF4-FFF2-40B4-BE49-F238E27FC236}">
-                <a16:creationId xmlns:a16="http://schemas.microsoft.com/office/drawing/2014/main" id="{CF5E005B-CFE2-2D84-06DF-C13C10AAE759}"/>
-              </a:ext>
-            </a:extLst>
-          </p:cNvPr>
-          <p:cNvCxnSpPr>
-            <a:cxnSpLocks/>
-          </p:cNvCxnSpPr>
-          <p:nvPr/>
-        </p:nvCxnSpPr>
-        <p:spPr>
-          <a:xfrm>
-            <a:off x="374502" y="8088459"/>
-            <a:ext cx="0" cy="198000"/>
-          </a:xfrm>
-          <a:prstGeom prst="line">
-            <a:avLst/>
-          </a:prstGeom>
-          <a:ln>
-            <a:solidFill>
-              <a:srgbClr val="3C3C3C"/>
-            </a:solidFill>
-          </a:ln>
-        </p:spPr>
-        <p:style>
-          <a:lnRef idx="1">
-            <a:schemeClr val="accent1"/>
-          </a:lnRef>
-          <a:fillRef idx="0">
-            <a:schemeClr val="accent1"/>
-          </a:fillRef>
-          <a:effectRef idx="0">
-            <a:schemeClr val="accent1"/>
-          </a:effectRef>
-          <a:fontRef idx="minor">
-            <a:schemeClr val="tx1"/>
-          </a:fontRef>
-        </p:style>
-      </p:cxnSp>
-      <p:sp>
-        <p:nvSpPr>
-          <p:cNvPr id="71" name="Elipse 206">
-            <a:extLst>
-              <a:ext uri="{FF2B5EF4-FFF2-40B4-BE49-F238E27FC236}">
-                <a16:creationId xmlns:a16="http://schemas.microsoft.com/office/drawing/2014/main" id="{DBEC59B2-13FB-3C84-4812-62DA1541525D}"/>
-              </a:ext>
-            </a:extLst>
-          </p:cNvPr>
-          <p:cNvSpPr/>
-          <p:nvPr/>
-        </p:nvSpPr>
-        <p:spPr>
-          <a:xfrm>
-            <a:off x="356502" y="8334768"/>
-            <a:ext cx="36000" cy="36000"/>
-          </a:xfrm>
-          <a:prstGeom prst="rect">
-            <a:avLst/>
-          </a:prstGeom>
-          <a:solidFill>
-            <a:srgbClr val="D6465F"/>
-          </a:solidFill>
-          <a:ln>
-            <a:noFill/>
-          </a:ln>
-        </p:spPr>
-        <p:style>
-          <a:lnRef idx="2">
-            <a:schemeClr val="accent1">
-              <a:shade val="50000"/>
-            </a:schemeClr>
-          </a:lnRef>
-          <a:fillRef idx="1">
-            <a:schemeClr val="accent1"/>
-          </a:fillRef>
-          <a:effectRef idx="0">
-            <a:schemeClr val="accent1"/>
-          </a:effectRef>
-          <a:fontRef idx="minor">
-            <a:schemeClr val="lt1"/>
-          </a:fontRef>
-        </p:style>
-        <p:txBody>
-          <a:bodyPr rtlCol="0" anchor="ctr"/>
-          <a:lstStyle/>
-          <a:p>
-            <a:pPr algn="ctr"/>
-            <a:endParaRPr lang="en-US" noProof="0" dirty="0"/>
-          </a:p>
-        </p:txBody>
-      </p:sp>
-      <p:sp>
-        <p:nvSpPr>
-          <p:cNvPr id="72" name="Elipse 206">
-            <a:extLst>
-              <a:ext uri="{FF2B5EF4-FFF2-40B4-BE49-F238E27FC236}">
-                <a16:creationId xmlns:a16="http://schemas.microsoft.com/office/drawing/2014/main" id="{7ADE13D9-7BA6-E88E-FE51-53E435C21293}"/>
-              </a:ext>
-            </a:extLst>
-          </p:cNvPr>
-          <p:cNvSpPr/>
-          <p:nvPr/>
-        </p:nvSpPr>
-        <p:spPr>
-          <a:xfrm>
-            <a:off x="356502" y="8955118"/>
-            <a:ext cx="36000" cy="36000"/>
-          </a:xfrm>
-          <a:prstGeom prst="rect">
-            <a:avLst/>
-          </a:prstGeom>
-          <a:solidFill>
-            <a:srgbClr val="D6465F"/>
-          </a:solidFill>
-          <a:ln>
-            <a:noFill/>
-          </a:ln>
-        </p:spPr>
-        <p:style>
-          <a:lnRef idx="2">
-            <a:schemeClr val="accent1">
-              <a:shade val="50000"/>
-            </a:schemeClr>
-          </a:lnRef>
-          <a:fillRef idx="1">
-            <a:schemeClr val="accent1"/>
-          </a:fillRef>
-          <a:effectRef idx="0">
-            <a:schemeClr val="accent1"/>
-          </a:effectRef>
-          <a:fontRef idx="minor">
-            <a:schemeClr val="lt1"/>
-          </a:fontRef>
-        </p:style>
-        <p:txBody>
-          <a:bodyPr rtlCol="0" anchor="ctr"/>
-          <a:lstStyle/>
-          <a:p>
-            <a:pPr algn="ctr"/>
-            <a:endParaRPr lang="en-US" noProof="0" dirty="0"/>
-          </a:p>
-        </p:txBody>
-      </p:sp>
-      <p:cxnSp>
-        <p:nvCxnSpPr>
-          <p:cNvPr id="73" name="Conector recto 278">
-            <a:extLst>
-              <a:ext uri="{FF2B5EF4-FFF2-40B4-BE49-F238E27FC236}">
-                <a16:creationId xmlns:a16="http://schemas.microsoft.com/office/drawing/2014/main" id="{40EABB04-97E9-9980-7080-6540C737F6FC}"/>
-              </a:ext>
-            </a:extLst>
-          </p:cNvPr>
-          <p:cNvCxnSpPr>
-            <a:cxnSpLocks/>
-          </p:cNvCxnSpPr>
-          <p:nvPr/>
-        </p:nvCxnSpPr>
-        <p:spPr>
-          <a:xfrm>
-            <a:off x="374502" y="9039427"/>
-            <a:ext cx="0" cy="198000"/>
-          </a:xfrm>
-          <a:prstGeom prst="line">
-            <a:avLst/>
-          </a:prstGeom>
-          <a:ln>
-            <a:solidFill>
-              <a:srgbClr val="3C3C3C"/>
-            </a:solidFill>
-          </a:ln>
-        </p:spPr>
-        <p:style>
-          <a:lnRef idx="1">
-            <a:schemeClr val="accent1"/>
-          </a:lnRef>
-          <a:fillRef idx="0">
-            <a:schemeClr val="accent1"/>
-          </a:fillRef>
-          <a:effectRef idx="0">
-            <a:schemeClr val="accent1"/>
-          </a:effectRef>
-          <a:fontRef idx="minor">
-            <a:schemeClr val="tx1"/>
-          </a:fontRef>
-        </p:style>
-      </p:cxnSp>
-      <p:sp>
-        <p:nvSpPr>
-          <p:cNvPr id="74" name="Elipse 206">
-            <a:extLst>
-              <a:ext uri="{FF2B5EF4-FFF2-40B4-BE49-F238E27FC236}">
-                <a16:creationId xmlns:a16="http://schemas.microsoft.com/office/drawing/2014/main" id="{14615397-6857-E95E-7024-0B006D1958AD}"/>
-              </a:ext>
-            </a:extLst>
-          </p:cNvPr>
-          <p:cNvSpPr/>
-          <p:nvPr/>
-        </p:nvSpPr>
-        <p:spPr>
-          <a:xfrm>
-            <a:off x="356502" y="9285736"/>
-            <a:ext cx="36000" cy="36000"/>
-          </a:xfrm>
-          <a:prstGeom prst="rect">
-            <a:avLst/>
-          </a:prstGeom>
-          <a:solidFill>
-            <a:srgbClr val="D6465F"/>
-          </a:solidFill>
-          <a:ln>
-            <a:noFill/>
-          </a:ln>
-        </p:spPr>
-        <p:style>
-          <a:lnRef idx="2">
-            <a:schemeClr val="accent1">
-              <a:shade val="50000"/>
-            </a:schemeClr>
-          </a:lnRef>
-          <a:fillRef idx="1">
-            <a:schemeClr val="accent1"/>
-          </a:fillRef>
-          <a:effectRef idx="0">
-            <a:schemeClr val="accent1"/>
-          </a:effectRef>
-          <a:fontRef idx="minor">
-            <a:schemeClr val="lt1"/>
-          </a:fontRef>
-        </p:style>
-        <p:txBody>
-          <a:bodyPr rtlCol="0" anchor="ctr"/>
-          <a:lstStyle/>
-          <a:p>
-            <a:pPr algn="ctr"/>
-            <a:endParaRPr lang="en-US" noProof="0" dirty="0"/>
-          </a:p>
-        </p:txBody>
-      </p:sp>
-      <p:cxnSp>
-        <p:nvCxnSpPr>
-          <p:cNvPr id="75" name="Conector recto 150">
-            <a:extLst>
-              <a:ext uri="{FF2B5EF4-FFF2-40B4-BE49-F238E27FC236}">
-                <a16:creationId xmlns:a16="http://schemas.microsoft.com/office/drawing/2014/main" id="{F1998CAA-B8F9-A1CC-A214-E3D8A444E1FD}"/>
-              </a:ext>
-            </a:extLst>
-          </p:cNvPr>
-          <p:cNvCxnSpPr>
-            <a:cxnSpLocks/>
-          </p:cNvCxnSpPr>
-          <p:nvPr/>
-        </p:nvCxnSpPr>
-        <p:spPr>
-          <a:xfrm>
-            <a:off x="329981" y="5405782"/>
-            <a:ext cx="1296000" cy="0"/>
-          </a:xfrm>
-          <a:prstGeom prst="line">
-            <a:avLst/>
-          </a:prstGeom>
-          <a:ln w="6350">
-            <a:solidFill>
-              <a:srgbClr val="3C3C3C"/>
-            </a:solidFill>
-          </a:ln>
-        </p:spPr>
-        <p:style>
-          <a:lnRef idx="1">
-            <a:schemeClr val="accent1"/>
-          </a:lnRef>
-          <a:fillRef idx="0">
-            <a:schemeClr val="accent1"/>
-          </a:fillRef>
-          <a:effectRef idx="0">
-            <a:schemeClr val="accent1"/>
-          </a:effectRef>
-          <a:fontRef idx="minor">
-            <a:schemeClr val="tx1"/>
-          </a:fontRef>
-        </p:style>
-      </p:cxnSp>
-      <p:cxnSp>
-        <p:nvCxnSpPr>
-          <p:cNvPr id="78" name="Conector recto 150">
-            <a:extLst>
-              <a:ext uri="{FF2B5EF4-FFF2-40B4-BE49-F238E27FC236}">
-                <a16:creationId xmlns:a16="http://schemas.microsoft.com/office/drawing/2014/main" id="{6937B1E0-EE0A-D271-26FD-74AD3FB78965}"/>
-              </a:ext>
-            </a:extLst>
-          </p:cNvPr>
-          <p:cNvCxnSpPr>
-            <a:cxnSpLocks/>
-          </p:cNvCxnSpPr>
-          <p:nvPr/>
-        </p:nvCxnSpPr>
-        <p:spPr>
-          <a:xfrm>
-            <a:off x="326969" y="5997179"/>
-            <a:ext cx="1368000" cy="0"/>
-          </a:xfrm>
-          <a:prstGeom prst="line">
-            <a:avLst/>
-          </a:prstGeom>
-          <a:ln w="6350">
-            <a:solidFill>
-              <a:srgbClr val="3C3C3C"/>
-            </a:solidFill>
-          </a:ln>
-        </p:spPr>
-        <p:style>
-          <a:lnRef idx="1">
-            <a:schemeClr val="accent1"/>
-          </a:lnRef>
-          <a:fillRef idx="0">
-            <a:schemeClr val="accent1"/>
-          </a:fillRef>
-          <a:effectRef idx="0">
-            <a:schemeClr val="accent1"/>
-          </a:effectRef>
-          <a:fontRef idx="minor">
-            <a:schemeClr val="tx1"/>
-          </a:fontRef>
-        </p:style>
-      </p:cxnSp>
-      <p:cxnSp>
-        <p:nvCxnSpPr>
-          <p:cNvPr id="79" name="Conector recto 150">
-            <a:extLst>
-              <a:ext uri="{FF2B5EF4-FFF2-40B4-BE49-F238E27FC236}">
-                <a16:creationId xmlns:a16="http://schemas.microsoft.com/office/drawing/2014/main" id="{4DF29CFB-27E7-7177-FB20-0C1C97C0C4B8}"/>
-              </a:ext>
-            </a:extLst>
-          </p:cNvPr>
-          <p:cNvCxnSpPr>
-            <a:cxnSpLocks/>
-          </p:cNvCxnSpPr>
-          <p:nvPr/>
-        </p:nvCxnSpPr>
-        <p:spPr>
-          <a:xfrm>
-            <a:off x="329981" y="6924074"/>
-            <a:ext cx="1944000" cy="0"/>
-          </a:xfrm>
-          <a:prstGeom prst="line">
-            <a:avLst/>
-          </a:prstGeom>
-          <a:ln w="6350">
-            <a:solidFill>
-              <a:srgbClr val="3C3C3C"/>
-            </a:solidFill>
-          </a:ln>
-        </p:spPr>
-        <p:style>
-          <a:lnRef idx="1">
-            <a:schemeClr val="accent1"/>
-          </a:lnRef>
-          <a:fillRef idx="0">
-            <a:schemeClr val="accent1"/>
-          </a:fillRef>
-          <a:effectRef idx="0">
-            <a:schemeClr val="accent1"/>
-          </a:effectRef>
-          <a:fontRef idx="minor">
-            <a:schemeClr val="tx1"/>
-          </a:fontRef>
-        </p:style>
-      </p:cxnSp>
-      <p:cxnSp>
-        <p:nvCxnSpPr>
-          <p:cNvPr id="80" name="Conector recto 150">
-            <a:extLst>
-              <a:ext uri="{FF2B5EF4-FFF2-40B4-BE49-F238E27FC236}">
-                <a16:creationId xmlns:a16="http://schemas.microsoft.com/office/drawing/2014/main" id="{E8900783-4CFE-C789-4CA5-4691DCE1B1FB}"/>
-              </a:ext>
-            </a:extLst>
-          </p:cNvPr>
-          <p:cNvCxnSpPr>
-            <a:cxnSpLocks/>
-          </p:cNvCxnSpPr>
-          <p:nvPr/>
-        </p:nvCxnSpPr>
-        <p:spPr>
-          <a:xfrm>
-            <a:off x="329981" y="7898345"/>
-            <a:ext cx="3312000" cy="0"/>
-          </a:xfrm>
-          <a:prstGeom prst="line">
-            <a:avLst/>
-          </a:prstGeom>
-          <a:ln w="6350">
-            <a:solidFill>
-              <a:srgbClr val="3C3C3C"/>
-            </a:solidFill>
-          </a:ln>
-        </p:spPr>
-        <p:style>
-          <a:lnRef idx="1">
-            <a:schemeClr val="accent1"/>
-          </a:lnRef>
-          <a:fillRef idx="0">
-            <a:schemeClr val="accent1"/>
-          </a:fillRef>
-          <a:effectRef idx="0">
-            <a:schemeClr val="accent1"/>
-          </a:effectRef>
-          <a:fontRef idx="minor">
-            <a:schemeClr val="tx1"/>
-          </a:fontRef>
-        </p:style>
-      </p:cxnSp>
-      <p:cxnSp>
-        <p:nvCxnSpPr>
-          <p:cNvPr id="81" name="Conector recto 150">
-            <a:extLst>
-              <a:ext uri="{FF2B5EF4-FFF2-40B4-BE49-F238E27FC236}">
-                <a16:creationId xmlns:a16="http://schemas.microsoft.com/office/drawing/2014/main" id="{2E8B7CD5-D38A-36D7-109A-ACA6A018FB4F}"/>
-              </a:ext>
-            </a:extLst>
-          </p:cNvPr>
-          <p:cNvCxnSpPr>
-            <a:cxnSpLocks/>
-          </p:cNvCxnSpPr>
-          <p:nvPr/>
-        </p:nvCxnSpPr>
-        <p:spPr>
-          <a:xfrm>
-            <a:off x="343884" y="8843119"/>
-            <a:ext cx="1908000" cy="0"/>
-          </a:xfrm>
-          <a:prstGeom prst="line">
-            <a:avLst/>
-          </a:prstGeom>
-          <a:ln w="6350">
-            <a:solidFill>
-              <a:srgbClr val="3C3C3C"/>
-            </a:solidFill>
-          </a:ln>
-        </p:spPr>
-        <p:style>
-          <a:lnRef idx="1">
-            <a:schemeClr val="accent1"/>
-          </a:lnRef>
-          <a:fillRef idx="0">
-            <a:schemeClr val="accent1"/>
-          </a:fillRef>
-          <a:effectRef idx="0">
-            <a:schemeClr val="accent1"/>
-          </a:effectRef>
-          <a:fontRef idx="minor">
-            <a:schemeClr val="tx1"/>
-          </a:fontRef>
-        </p:style>
-      </p:cxnSp>
-      <p:sp>
-        <p:nvSpPr>
-          <p:cNvPr id="82" name="Elipse 206">
-            <a:extLst>
-              <a:ext uri="{FF2B5EF4-FFF2-40B4-BE49-F238E27FC236}">
-                <a16:creationId xmlns:a16="http://schemas.microsoft.com/office/drawing/2014/main" id="{9C879606-4E30-DB0C-43C8-8B2F110AA728}"/>
-              </a:ext>
-            </a:extLst>
-          </p:cNvPr>
-          <p:cNvSpPr/>
-          <p:nvPr/>
-        </p:nvSpPr>
-        <p:spPr>
-          <a:xfrm>
-            <a:off x="356502" y="9285736"/>
-            <a:ext cx="36000" cy="36000"/>
-          </a:xfrm>
-          <a:prstGeom prst="rect">
-            <a:avLst/>
-          </a:prstGeom>
-          <a:solidFill>
-            <a:srgbClr val="D6465F"/>
-          </a:solidFill>
-          <a:ln>
-            <a:noFill/>
-          </a:ln>
-        </p:spPr>
-        <p:style>
-          <a:lnRef idx="2">
-            <a:schemeClr val="accent1">
-              <a:shade val="50000"/>
-            </a:schemeClr>
-          </a:lnRef>
-          <a:fillRef idx="1">
-            <a:schemeClr val="accent1"/>
-          </a:fillRef>
-          <a:effectRef idx="0">
-            <a:schemeClr val="accent1"/>
-          </a:effectRef>
-          <a:fontRef idx="minor">
-            <a:schemeClr val="lt1"/>
-          </a:fontRef>
-        </p:style>
-        <p:txBody>
-          <a:bodyPr rtlCol="0" anchor="ctr"/>
-          <a:lstStyle/>
-          <a:p>
-            <a:pPr algn="ctr"/>
-            <a:endParaRPr lang="en-US" noProof="0" dirty="0"/>
-          </a:p>
-        </p:txBody>
-      </p:sp>
-      <p:cxnSp>
-        <p:nvCxnSpPr>
-          <p:cNvPr id="102" name="Conector recto 278">
-            <a:extLst>
-              <a:ext uri="{FF2B5EF4-FFF2-40B4-BE49-F238E27FC236}">
-                <a16:creationId xmlns:a16="http://schemas.microsoft.com/office/drawing/2014/main" id="{849EFD27-F4A4-5A22-C42B-BB665EEBDA55}"/>
-              </a:ext>
-            </a:extLst>
-          </p:cNvPr>
-          <p:cNvCxnSpPr>
-            <a:cxnSpLocks/>
-          </p:cNvCxnSpPr>
-          <p:nvPr/>
-        </p:nvCxnSpPr>
-        <p:spPr>
-          <a:xfrm>
-            <a:off x="374502" y="9379680"/>
-            <a:ext cx="0" cy="108000"/>
-          </a:xfrm>
-          <a:prstGeom prst="line">
-            <a:avLst/>
-          </a:prstGeom>
-          <a:ln>
-            <a:solidFill>
-              <a:srgbClr val="3C3C3C"/>
-            </a:solidFill>
-          </a:ln>
-        </p:spPr>
-        <p:style>
-          <a:lnRef idx="1">
-            <a:schemeClr val="accent1"/>
-          </a:lnRef>
-          <a:fillRef idx="0">
-            <a:schemeClr val="accent1"/>
-          </a:fillRef>
-          <a:effectRef idx="0">
-            <a:schemeClr val="accent1"/>
-          </a:effectRef>
-          <a:fontRef idx="minor">
-            <a:schemeClr val="tx1"/>
-          </a:fontRef>
-        </p:style>
-      </p:cxnSp>
-      <p:cxnSp>
-        <p:nvCxnSpPr>
-          <p:cNvPr id="103" name="Conector recto 278">
-            <a:extLst>
-              <a:ext uri="{FF2B5EF4-FFF2-40B4-BE49-F238E27FC236}">
-                <a16:creationId xmlns:a16="http://schemas.microsoft.com/office/drawing/2014/main" id="{5F5A46E7-0225-072A-99A2-D4EDBCB9DCC6}"/>
-              </a:ext>
-            </a:extLst>
-          </p:cNvPr>
-          <p:cNvCxnSpPr>
-            <a:cxnSpLocks/>
-          </p:cNvCxnSpPr>
-          <p:nvPr/>
-        </p:nvCxnSpPr>
-        <p:spPr>
-          <a:xfrm rot="5400000">
-            <a:off x="374502" y="9455907"/>
-            <a:ext cx="0" cy="72000"/>
-          </a:xfrm>
-          <a:prstGeom prst="line">
-            <a:avLst/>
-          </a:prstGeom>
-          <a:ln>
-            <a:solidFill>
-              <a:srgbClr val="3C3C3C"/>
-            </a:solidFill>
-          </a:ln>
-        </p:spPr>
-        <p:style>
-          <a:lnRef idx="1">
-            <a:schemeClr val="accent1"/>
-          </a:lnRef>
-          <a:fillRef idx="0">
-            <a:schemeClr val="accent1"/>
-          </a:fillRef>
-          <a:effectRef idx="0">
-            <a:schemeClr val="accent1"/>
-          </a:effectRef>
-          <a:fontRef idx="minor">
-            <a:schemeClr val="tx1"/>
-          </a:fontRef>
-        </p:style>
-      </p:cxnSp>
     </p:spTree>
     <p:extLst>
       <p:ext uri="{BB962C8B-B14F-4D97-AF65-F5344CB8AC3E}">
